--- a/R4 上 5.pptx
+++ b/R4 上 5.pptx
@@ -5,7 +5,7 @@
     <p:sldMasterId id="2147483648" r:id="rId1"/>
   </p:sldMasterIdLst>
   <p:notesMasterIdLst>
-    <p:notesMasterId r:id="rId11"/>
+    <p:notesMasterId r:id="rId13"/>
   </p:notesMasterIdLst>
   <p:sldIdLst>
     <p:sldId id="256" r:id="rId2"/>
@@ -17,6 +17,8 @@
     <p:sldId id="262" r:id="rId8"/>
     <p:sldId id="263" r:id="rId9"/>
     <p:sldId id="264" r:id="rId10"/>
+    <p:sldId id="265" r:id="rId11"/>
+    <p:sldId id="266" r:id="rId12"/>
   </p:sldIdLst>
   <p:sldSz cx="12192000" cy="6858000"/>
   <p:notesSz cx="6858000" cy="9144000"/>
@@ -4420,6 +4422,5341 @@
 </p:sld>
 </file>
 
+<file path=ppt/slides/slide10.xml><?xml version="1.0" encoding="utf-8"?>
+<p:sld xmlns:a="http://schemas.openxmlformats.org/drawingml/2006/main" xmlns:r="http://schemas.openxmlformats.org/officeDocument/2006/relationships" xmlns:p="http://schemas.openxmlformats.org/presentationml/2006/main">
+  <p:cSld>
+    <p:spTree>
+      <p:nvGrpSpPr>
+        <p:cNvPr id="1" name=""/>
+        <p:cNvGrpSpPr/>
+        <p:nvPr/>
+      </p:nvGrpSpPr>
+      <p:grpSpPr>
+        <a:xfrm>
+          <a:off x="0" y="0"/>
+          <a:ext cx="0" cy="0"/>
+          <a:chOff x="0" y="0"/>
+          <a:chExt cx="0" cy="0"/>
+        </a:xfrm>
+      </p:grpSpPr>
+      <mc:AlternateContent xmlns:mc="http://schemas.openxmlformats.org/markup-compatibility/2006">
+        <mc:Choice xmlns:a14="http://schemas.microsoft.com/office/drawing/2010/main" Requires="a14">
+          <p:sp>
+            <p:nvSpPr>
+              <p:cNvPr id="11" name="テキスト ボックス 10">
+                <a:extLst>
+                  <a:ext uri="{FF2B5EF4-FFF2-40B4-BE49-F238E27FC236}">
+                    <a16:creationId xmlns:a16="http://schemas.microsoft.com/office/drawing/2014/main" id="{E7853F9F-8E82-DB6B-735F-414603EDD1E1}"/>
+                  </a:ext>
+                </a:extLst>
+              </p:cNvPr>
+              <p:cNvSpPr txBox="1"/>
+              <p:nvPr/>
+            </p:nvSpPr>
+            <p:spPr>
+              <a:xfrm>
+                <a:off x="461019" y="420235"/>
+                <a:ext cx="2723823" cy="374333"/>
+              </a:xfrm>
+              <a:prstGeom prst="rect">
+                <a:avLst/>
+              </a:prstGeom>
+              <a:noFill/>
+            </p:spPr>
+            <p:txBody>
+              <a:bodyPr wrap="none" rtlCol="0">
+                <a:spAutoFit/>
+              </a:bodyPr>
+              <a:lstStyle/>
+              <a:p>
+                <a14:m>
+                  <m:oMath xmlns:m="http://schemas.openxmlformats.org/officeDocument/2006/math">
+                    <m:r>
+                      <a:rPr lang="ja-JP" altLang="en-US" i="1" dirty="0" smtClean="0">
+                        <a:solidFill>
+                          <a:schemeClr val="tx1"/>
+                        </a:solidFill>
+                        <a:latin typeface="Cambria Math" panose="02040503050406030204" pitchFamily="18" charset="0"/>
+                      </a:rPr>
+                      <m:t>テブナンの定理</m:t>
+                    </m:r>
+                    <m:r>
+                      <a:rPr kumimoji="1" lang="ja-JP" altLang="en-US" i="1" dirty="0" smtClean="0">
+                        <a:solidFill>
+                          <a:schemeClr val="tx1"/>
+                        </a:solidFill>
+                        <a:latin typeface="Cambria Math" panose="02040503050406030204" pitchFamily="18" charset="0"/>
+                      </a:rPr>
+                      <m:t>を</m:t>
+                    </m:r>
+                  </m:oMath>
+                </a14:m>
+                <a:r>
+                  <a:rPr kumimoji="1" lang="ja-JP" altLang="en-US" dirty="0">
+                    <a:solidFill>
+                      <a:schemeClr val="tx1"/>
+                    </a:solidFill>
+                  </a:rPr>
+                  <a:t>用いる</a:t>
+                </a:r>
+              </a:p>
+            </p:txBody>
+          </p:sp>
+        </mc:Choice>
+        <mc:Fallback>
+          <p:sp>
+            <p:nvSpPr>
+              <p:cNvPr id="11" name="テキスト ボックス 10">
+                <a:extLst>
+                  <a:ext uri="{FF2B5EF4-FFF2-40B4-BE49-F238E27FC236}">
+                    <a16:creationId xmlns:a16="http://schemas.microsoft.com/office/drawing/2014/main" id="{E7853F9F-8E82-DB6B-735F-414603EDD1E1}"/>
+                  </a:ext>
+                </a:extLst>
+              </p:cNvPr>
+              <p:cNvSpPr txBox="1">
+                <a:spLocks noRot="1" noChangeAspect="1" noMove="1" noResize="1" noEditPoints="1" noAdjustHandles="1" noChangeArrowheads="1" noChangeShapeType="1" noTextEdit="1"/>
+              </p:cNvSpPr>
+              <p:nvPr/>
+            </p:nvSpPr>
+            <p:spPr>
+              <a:xfrm>
+                <a:off x="461019" y="420235"/>
+                <a:ext cx="2723823" cy="374333"/>
+              </a:xfrm>
+              <a:prstGeom prst="rect">
+                <a:avLst/>
+              </a:prstGeom>
+              <a:blipFill>
+                <a:blip r:embed="rId2"/>
+                <a:stretch>
+                  <a:fillRect l="-897" t="-6557" r="-1345" b="-27869"/>
+                </a:stretch>
+              </a:blipFill>
+            </p:spPr>
+            <p:txBody>
+              <a:bodyPr/>
+              <a:lstStyle/>
+              <a:p>
+                <a:r>
+                  <a:rPr lang="ja-JP" altLang="en-US">
+                    <a:noFill/>
+                  </a:rPr>
+                  <a:t> </a:t>
+                </a:r>
+              </a:p>
+            </p:txBody>
+          </p:sp>
+        </mc:Fallback>
+      </mc:AlternateContent>
+      <mc:AlternateContent xmlns:mc="http://schemas.openxmlformats.org/markup-compatibility/2006">
+        <mc:Choice xmlns:a14="http://schemas.microsoft.com/office/drawing/2010/main" Requires="a14">
+          <p:sp>
+            <p:nvSpPr>
+              <p:cNvPr id="2" name="テキスト ボックス 1">
+                <a:extLst>
+                  <a:ext uri="{FF2B5EF4-FFF2-40B4-BE49-F238E27FC236}">
+                    <a16:creationId xmlns:a16="http://schemas.microsoft.com/office/drawing/2014/main" id="{E7D101A4-6388-7371-EF61-41E3E6DEF829}"/>
+                  </a:ext>
+                </a:extLst>
+              </p:cNvPr>
+              <p:cNvSpPr txBox="1"/>
+              <p:nvPr/>
+            </p:nvSpPr>
+            <p:spPr>
+              <a:xfrm>
+                <a:off x="0" y="0"/>
+                <a:ext cx="1005403" cy="523220"/>
+              </a:xfrm>
+              <a:prstGeom prst="rect">
+                <a:avLst/>
+              </a:prstGeom>
+              <a:noFill/>
+            </p:spPr>
+            <p:txBody>
+              <a:bodyPr wrap="none" rtlCol="0">
+                <a:spAutoFit/>
+              </a:bodyPr>
+              <a:lstStyle/>
+              <a:p>
+                <a:pPr/>
+                <a14:m>
+                  <m:oMathPara xmlns:m="http://schemas.openxmlformats.org/officeDocument/2006/math">
+                    <m:oMathParaPr>
+                      <m:jc m:val="centerGroup"/>
+                    </m:oMathParaPr>
+                    <m:oMath xmlns:m="http://schemas.openxmlformats.org/officeDocument/2006/math">
+                      <m:r>
+                        <a:rPr lang="ja-JP" altLang="en-US" sz="2800" b="1" i="1">
+                          <a:solidFill>
+                            <a:srgbClr val="FF0000"/>
+                          </a:solidFill>
+                          <a:latin typeface="Cambria Math" panose="02040503050406030204" pitchFamily="18" charset="0"/>
+                        </a:rPr>
+                        <m:t>別解</m:t>
+                      </m:r>
+                    </m:oMath>
+                  </m:oMathPara>
+                </a14:m>
+                <a:endParaRPr kumimoji="1" lang="ja-JP" altLang="en-US" sz="2800" b="1" dirty="0">
+                  <a:solidFill>
+                    <a:srgbClr val="FF0000"/>
+                  </a:solidFill>
+                </a:endParaRPr>
+              </a:p>
+            </p:txBody>
+          </p:sp>
+        </mc:Choice>
+        <mc:Fallback>
+          <p:sp>
+            <p:nvSpPr>
+              <p:cNvPr id="2" name="テキスト ボックス 1">
+                <a:extLst>
+                  <a:ext uri="{FF2B5EF4-FFF2-40B4-BE49-F238E27FC236}">
+                    <a16:creationId xmlns:a16="http://schemas.microsoft.com/office/drawing/2014/main" id="{E7D101A4-6388-7371-EF61-41E3E6DEF829}"/>
+                  </a:ext>
+                </a:extLst>
+              </p:cNvPr>
+              <p:cNvSpPr txBox="1">
+                <a:spLocks noRot="1" noChangeAspect="1" noMove="1" noResize="1" noEditPoints="1" noAdjustHandles="1" noChangeArrowheads="1" noChangeShapeType="1" noTextEdit="1"/>
+              </p:cNvSpPr>
+              <p:nvPr/>
+            </p:nvSpPr>
+            <p:spPr>
+              <a:xfrm>
+                <a:off x="0" y="0"/>
+                <a:ext cx="1005403" cy="523220"/>
+              </a:xfrm>
+              <a:prstGeom prst="rect">
+                <a:avLst/>
+              </a:prstGeom>
+              <a:blipFill>
+                <a:blip r:embed="rId3"/>
+                <a:stretch>
+                  <a:fillRect/>
+                </a:stretch>
+              </a:blipFill>
+            </p:spPr>
+            <p:txBody>
+              <a:bodyPr/>
+              <a:lstStyle/>
+              <a:p>
+                <a:r>
+                  <a:rPr lang="ja-JP" altLang="en-US">
+                    <a:noFill/>
+                  </a:rPr>
+                  <a:t> </a:t>
+                </a:r>
+              </a:p>
+            </p:txBody>
+          </p:sp>
+        </mc:Fallback>
+      </mc:AlternateContent>
+      <p:pic>
+        <p:nvPicPr>
+          <p:cNvPr id="9" name="図 8">
+            <a:extLst>
+              <a:ext uri="{FF2B5EF4-FFF2-40B4-BE49-F238E27FC236}">
+                <a16:creationId xmlns:a16="http://schemas.microsoft.com/office/drawing/2014/main" id="{5020A6AB-2E8D-F8B9-D3D0-12FF72CF11BD}"/>
+              </a:ext>
+            </a:extLst>
+          </p:cNvPr>
+          <p:cNvPicPr>
+            <a:picLocks noChangeAspect="1"/>
+          </p:cNvPicPr>
+          <p:nvPr/>
+        </p:nvPicPr>
+        <p:blipFill>
+          <a:blip r:embed="rId4"/>
+          <a:stretch>
+            <a:fillRect/>
+          </a:stretch>
+        </p:blipFill>
+        <p:spPr>
+          <a:xfrm>
+            <a:off x="7442521" y="304763"/>
+            <a:ext cx="3200847" cy="2057687"/>
+          </a:xfrm>
+          <a:prstGeom prst="rect">
+            <a:avLst/>
+          </a:prstGeom>
+        </p:spPr>
+      </p:pic>
+      <p:cxnSp>
+        <p:nvCxnSpPr>
+          <p:cNvPr id="18" name="直線コネクタ 17">
+            <a:extLst>
+              <a:ext uri="{FF2B5EF4-FFF2-40B4-BE49-F238E27FC236}">
+                <a16:creationId xmlns:a16="http://schemas.microsoft.com/office/drawing/2014/main" id="{65FAC652-C9DC-AA85-C42E-814BE20FD62B}"/>
+              </a:ext>
+            </a:extLst>
+          </p:cNvPr>
+          <p:cNvCxnSpPr/>
+          <p:nvPr/>
+        </p:nvCxnSpPr>
+        <p:spPr>
+          <a:xfrm flipV="1">
+            <a:off x="9795021" y="453035"/>
+            <a:ext cx="551499" cy="344157"/>
+          </a:xfrm>
+          <a:prstGeom prst="line">
+            <a:avLst/>
+          </a:prstGeom>
+          <a:ln>
+            <a:solidFill>
+              <a:srgbClr val="FF0000"/>
+            </a:solidFill>
+          </a:ln>
+        </p:spPr>
+        <p:style>
+          <a:lnRef idx="1">
+            <a:schemeClr val="accent1"/>
+          </a:lnRef>
+          <a:fillRef idx="0">
+            <a:schemeClr val="accent1"/>
+          </a:fillRef>
+          <a:effectRef idx="0">
+            <a:schemeClr val="accent1"/>
+          </a:effectRef>
+          <a:fontRef idx="minor">
+            <a:schemeClr val="tx1"/>
+          </a:fontRef>
+        </p:style>
+      </p:cxnSp>
+      <p:cxnSp>
+        <p:nvCxnSpPr>
+          <p:cNvPr id="20" name="直線コネクタ 19">
+            <a:extLst>
+              <a:ext uri="{FF2B5EF4-FFF2-40B4-BE49-F238E27FC236}">
+                <a16:creationId xmlns:a16="http://schemas.microsoft.com/office/drawing/2014/main" id="{E06989B7-EDAD-7295-46CE-42B80E087E02}"/>
+              </a:ext>
+            </a:extLst>
+          </p:cNvPr>
+          <p:cNvCxnSpPr>
+            <a:cxnSpLocks/>
+          </p:cNvCxnSpPr>
+          <p:nvPr/>
+        </p:nvCxnSpPr>
+        <p:spPr>
+          <a:xfrm>
+            <a:off x="9795020" y="1938575"/>
+            <a:ext cx="551499" cy="213412"/>
+          </a:xfrm>
+          <a:prstGeom prst="line">
+            <a:avLst/>
+          </a:prstGeom>
+          <a:ln>
+            <a:solidFill>
+              <a:srgbClr val="FF0000"/>
+            </a:solidFill>
+          </a:ln>
+        </p:spPr>
+        <p:style>
+          <a:lnRef idx="1">
+            <a:schemeClr val="accent1"/>
+          </a:lnRef>
+          <a:fillRef idx="0">
+            <a:schemeClr val="accent1"/>
+          </a:fillRef>
+          <a:effectRef idx="0">
+            <a:schemeClr val="accent1"/>
+          </a:effectRef>
+          <a:fontRef idx="minor">
+            <a:schemeClr val="tx1"/>
+          </a:fontRef>
+        </p:style>
+      </p:cxnSp>
+      <mc:AlternateContent xmlns:mc="http://schemas.openxmlformats.org/markup-compatibility/2006">
+        <mc:Choice xmlns:a14="http://schemas.microsoft.com/office/drawing/2010/main" Requires="a14">
+          <p:sp>
+            <p:nvSpPr>
+              <p:cNvPr id="44" name="テキスト ボックス 43">
+                <a:extLst>
+                  <a:ext uri="{FF2B5EF4-FFF2-40B4-BE49-F238E27FC236}">
+                    <a16:creationId xmlns:a16="http://schemas.microsoft.com/office/drawing/2014/main" id="{AE1ADDD0-BEF4-D33B-2B60-CE131CD38A30}"/>
+                  </a:ext>
+                </a:extLst>
+              </p:cNvPr>
+              <p:cNvSpPr txBox="1"/>
+              <p:nvPr/>
+            </p:nvSpPr>
+            <p:spPr>
+              <a:xfrm>
+                <a:off x="476824" y="765626"/>
+                <a:ext cx="4859472" cy="369332"/>
+              </a:xfrm>
+              <a:prstGeom prst="rect">
+                <a:avLst/>
+              </a:prstGeom>
+              <a:noFill/>
+            </p:spPr>
+            <p:txBody>
+              <a:bodyPr wrap="none" rtlCol="0">
+                <a:spAutoFit/>
+              </a:bodyPr>
+              <a:lstStyle/>
+              <a:p>
+                <a:r>
+                  <a:rPr lang="ja-JP" altLang="en-US" dirty="0">
+                    <a:solidFill>
+                      <a:srgbClr val="FF0000"/>
+                    </a:solidFill>
+                  </a:rPr>
+                  <a:t>端子</a:t>
+                </a:r>
+                <a:r>
+                  <a:rPr lang="en-US" altLang="ja-JP" dirty="0">
+                    <a:solidFill>
+                      <a:srgbClr val="FF0000"/>
+                    </a:solidFill>
+                  </a:rPr>
+                  <a:t>ab</a:t>
+                </a:r>
+                <a:r>
+                  <a:rPr lang="ja-JP" altLang="en-US" dirty="0">
+                    <a:solidFill>
+                      <a:srgbClr val="FF0000"/>
+                    </a:solidFill>
+                  </a:rPr>
+                  <a:t>間を開放した時の等価抵抗</a:t>
+                </a:r>
+                <a14:m>
+                  <m:oMath xmlns:m="http://schemas.openxmlformats.org/officeDocument/2006/math">
+                    <m:sSub>
+                      <m:sSubPr>
+                        <m:ctrlPr>
+                          <a:rPr lang="en-US" altLang="ja-JP" i="1" smtClean="0">
+                            <a:solidFill>
+                              <a:srgbClr val="FF0000"/>
+                            </a:solidFill>
+                            <a:latin typeface="Cambria Math" panose="02040503050406030204" pitchFamily="18" charset="0"/>
+                          </a:rPr>
+                        </m:ctrlPr>
+                      </m:sSubPr>
+                      <m:e>
+                        <m:r>
+                          <a:rPr lang="en-US" altLang="ja-JP" b="0" i="1" smtClean="0">
+                            <a:solidFill>
+                              <a:srgbClr val="FF0000"/>
+                            </a:solidFill>
+                            <a:latin typeface="Cambria Math" panose="02040503050406030204" pitchFamily="18" charset="0"/>
+                          </a:rPr>
+                          <m:t>𝑅</m:t>
+                        </m:r>
+                      </m:e>
+                      <m:sub>
+                        <m:r>
+                          <a:rPr lang="en-US" altLang="ja-JP" b="0" i="1" smtClean="0">
+                            <a:solidFill>
+                              <a:srgbClr val="FF0000"/>
+                            </a:solidFill>
+                            <a:latin typeface="Cambria Math" panose="02040503050406030204" pitchFamily="18" charset="0"/>
+                          </a:rPr>
+                          <m:t>𝑥</m:t>
+                        </m:r>
+                      </m:sub>
+                    </m:sSub>
+                    <m:r>
+                      <a:rPr kumimoji="1" lang="ja-JP" altLang="en-US" i="1">
+                        <a:solidFill>
+                          <a:srgbClr val="FF0000"/>
+                        </a:solidFill>
+                        <a:latin typeface="Cambria Math" panose="02040503050406030204" pitchFamily="18" charset="0"/>
+                      </a:rPr>
+                      <m:t>を</m:t>
+                    </m:r>
+                  </m:oMath>
+                </a14:m>
+                <a:r>
+                  <a:rPr kumimoji="1" lang="ja-JP" altLang="en-US" dirty="0">
+                    <a:solidFill>
+                      <a:srgbClr val="FF0000"/>
+                    </a:solidFill>
+                  </a:rPr>
+                  <a:t>求める</a:t>
+                </a:r>
+              </a:p>
+            </p:txBody>
+          </p:sp>
+        </mc:Choice>
+        <mc:Fallback>
+          <p:sp>
+            <p:nvSpPr>
+              <p:cNvPr id="44" name="テキスト ボックス 43">
+                <a:extLst>
+                  <a:ext uri="{FF2B5EF4-FFF2-40B4-BE49-F238E27FC236}">
+                    <a16:creationId xmlns:a16="http://schemas.microsoft.com/office/drawing/2014/main" id="{AE1ADDD0-BEF4-D33B-2B60-CE131CD38A30}"/>
+                  </a:ext>
+                </a:extLst>
+              </p:cNvPr>
+              <p:cNvSpPr txBox="1">
+                <a:spLocks noRot="1" noChangeAspect="1" noMove="1" noResize="1" noEditPoints="1" noAdjustHandles="1" noChangeArrowheads="1" noChangeShapeType="1" noTextEdit="1"/>
+              </p:cNvSpPr>
+              <p:nvPr/>
+            </p:nvSpPr>
+            <p:spPr>
+              <a:xfrm>
+                <a:off x="476824" y="765626"/>
+                <a:ext cx="4859472" cy="369332"/>
+              </a:xfrm>
+              <a:prstGeom prst="rect">
+                <a:avLst/>
+              </a:prstGeom>
+              <a:blipFill>
+                <a:blip r:embed="rId5"/>
+                <a:stretch>
+                  <a:fillRect l="-1004" t="-8333" r="-502" b="-28333"/>
+                </a:stretch>
+              </a:blipFill>
+            </p:spPr>
+            <p:txBody>
+              <a:bodyPr/>
+              <a:lstStyle/>
+              <a:p>
+                <a:r>
+                  <a:rPr lang="ja-JP" altLang="en-US">
+                    <a:noFill/>
+                  </a:rPr>
+                  <a:t> </a:t>
+                </a:r>
+              </a:p>
+            </p:txBody>
+          </p:sp>
+        </mc:Fallback>
+      </mc:AlternateContent>
+      <mc:AlternateContent xmlns:mc="http://schemas.openxmlformats.org/markup-compatibility/2006">
+        <mc:Choice xmlns:a14="http://schemas.microsoft.com/office/drawing/2010/main" Requires="a14">
+          <p:sp>
+            <p:nvSpPr>
+              <p:cNvPr id="47" name="テキスト ボックス 46">
+                <a:extLst>
+                  <a:ext uri="{FF2B5EF4-FFF2-40B4-BE49-F238E27FC236}">
+                    <a16:creationId xmlns:a16="http://schemas.microsoft.com/office/drawing/2014/main" id="{4E150C70-06A8-A0A8-31EB-3B307155A69A}"/>
+                  </a:ext>
+                </a:extLst>
+              </p:cNvPr>
+              <p:cNvSpPr txBox="1"/>
+              <p:nvPr/>
+            </p:nvSpPr>
+            <p:spPr>
+              <a:xfrm>
+                <a:off x="8129242" y="3227451"/>
+                <a:ext cx="1580753" cy="683392"/>
+              </a:xfrm>
+              <a:prstGeom prst="rect">
+                <a:avLst/>
+              </a:prstGeom>
+              <a:noFill/>
+            </p:spPr>
+            <p:txBody>
+              <a:bodyPr wrap="none" rtlCol="0">
+                <a:spAutoFit/>
+              </a:bodyPr>
+              <a:lstStyle/>
+              <a:p>
+                <a:pPr/>
+                <a14:m>
+                  <m:oMathPara xmlns:m="http://schemas.openxmlformats.org/officeDocument/2006/math">
+                    <m:oMathParaPr>
+                      <m:jc m:val="centerGroup"/>
+                    </m:oMathParaPr>
+                    <m:oMath xmlns:m="http://schemas.openxmlformats.org/officeDocument/2006/math">
+                      <m:f>
+                        <m:fPr>
+                          <m:ctrlPr>
+                            <a:rPr kumimoji="1" lang="en-US" altLang="ja-JP" i="1" smtClean="0">
+                              <a:solidFill>
+                                <a:srgbClr val="FF0000"/>
+                              </a:solidFill>
+                              <a:latin typeface="Cambria Math" panose="02040503050406030204" pitchFamily="18" charset="0"/>
+                            </a:rPr>
+                          </m:ctrlPr>
+                        </m:fPr>
+                        <m:num>
+                          <m:r>
+                            <a:rPr kumimoji="1" lang="en-US" altLang="ja-JP" b="0" i="1" smtClean="0">
+                              <a:solidFill>
+                                <a:srgbClr val="FF0000"/>
+                              </a:solidFill>
+                              <a:latin typeface="Cambria Math" panose="02040503050406030204" pitchFamily="18" charset="0"/>
+                            </a:rPr>
+                            <m:t>1</m:t>
+                          </m:r>
+                        </m:num>
+                        <m:den>
+                          <m:sSub>
+                            <m:sSubPr>
+                              <m:ctrlPr>
+                                <a:rPr kumimoji="1" lang="en-US" altLang="ja-JP" i="1" smtClean="0">
+                                  <a:solidFill>
+                                    <a:srgbClr val="FF0000"/>
+                                  </a:solidFill>
+                                  <a:latin typeface="Cambria Math" panose="02040503050406030204" pitchFamily="18" charset="0"/>
+                                </a:rPr>
+                              </m:ctrlPr>
+                            </m:sSubPr>
+                            <m:e>
+                              <m:r>
+                                <a:rPr kumimoji="1" lang="en-US" altLang="ja-JP" b="0" i="1" smtClean="0">
+                                  <a:solidFill>
+                                    <a:srgbClr val="FF0000"/>
+                                  </a:solidFill>
+                                  <a:latin typeface="Cambria Math" panose="02040503050406030204" pitchFamily="18" charset="0"/>
+                                </a:rPr>
+                                <m:t>𝑅</m:t>
+                              </m:r>
+                            </m:e>
+                            <m:sub>
+                              <m:r>
+                                <a:rPr kumimoji="1" lang="en-US" altLang="ja-JP" b="0" i="1" smtClean="0">
+                                  <a:solidFill>
+                                    <a:srgbClr val="FF0000"/>
+                                  </a:solidFill>
+                                  <a:latin typeface="Cambria Math" panose="02040503050406030204" pitchFamily="18" charset="0"/>
+                                </a:rPr>
+                                <m:t>𝑥</m:t>
+                              </m:r>
+                            </m:sub>
+                          </m:sSub>
+                        </m:den>
+                      </m:f>
+                      <m:r>
+                        <a:rPr kumimoji="1" lang="en-US" altLang="ja-JP" i="1" smtClean="0">
+                          <a:solidFill>
+                            <a:srgbClr val="FF0000"/>
+                          </a:solidFill>
+                          <a:latin typeface="Cambria Math" panose="02040503050406030204" pitchFamily="18" charset="0"/>
+                          <a:ea typeface="Cambria Math" panose="02040503050406030204" pitchFamily="18" charset="0"/>
+                        </a:rPr>
+                        <m:t>=</m:t>
+                      </m:r>
+                      <m:f>
+                        <m:fPr>
+                          <m:ctrlPr>
+                            <a:rPr kumimoji="1" lang="en-US" altLang="ja-JP" i="1" smtClean="0">
+                              <a:solidFill>
+                                <a:srgbClr val="FF0000"/>
+                              </a:solidFill>
+                              <a:latin typeface="Cambria Math" panose="02040503050406030204" pitchFamily="18" charset="0"/>
+                              <a:ea typeface="Cambria Math" panose="02040503050406030204" pitchFamily="18" charset="0"/>
+                            </a:rPr>
+                          </m:ctrlPr>
+                        </m:fPr>
+                        <m:num>
+                          <m:r>
+                            <a:rPr kumimoji="1" lang="en-US" altLang="ja-JP" b="0" i="1" smtClean="0">
+                              <a:solidFill>
+                                <a:srgbClr val="FF0000"/>
+                              </a:solidFill>
+                              <a:latin typeface="Cambria Math" panose="02040503050406030204" pitchFamily="18" charset="0"/>
+                              <a:ea typeface="Cambria Math" panose="02040503050406030204" pitchFamily="18" charset="0"/>
+                            </a:rPr>
+                            <m:t>1</m:t>
+                          </m:r>
+                        </m:num>
+                        <m:den>
+                          <m:sSub>
+                            <m:sSubPr>
+                              <m:ctrlPr>
+                                <a:rPr kumimoji="1" lang="en-US" altLang="ja-JP" i="1" smtClean="0">
+                                  <a:solidFill>
+                                    <a:srgbClr val="FF0000"/>
+                                  </a:solidFill>
+                                  <a:latin typeface="Cambria Math" panose="02040503050406030204" pitchFamily="18" charset="0"/>
+                                  <a:ea typeface="Cambria Math" panose="02040503050406030204" pitchFamily="18" charset="0"/>
+                                </a:rPr>
+                              </m:ctrlPr>
+                            </m:sSubPr>
+                            <m:e>
+                              <m:r>
+                                <a:rPr kumimoji="1" lang="en-US" altLang="ja-JP" b="0" i="1" smtClean="0">
+                                  <a:solidFill>
+                                    <a:srgbClr val="FF0000"/>
+                                  </a:solidFill>
+                                  <a:latin typeface="Cambria Math" panose="02040503050406030204" pitchFamily="18" charset="0"/>
+                                  <a:ea typeface="Cambria Math" panose="02040503050406030204" pitchFamily="18" charset="0"/>
+                                </a:rPr>
+                                <m:t>𝑅</m:t>
+                              </m:r>
+                            </m:e>
+                            <m:sub>
+                              <m:r>
+                                <a:rPr kumimoji="1" lang="en-US" altLang="ja-JP" b="0" i="1" smtClean="0">
+                                  <a:solidFill>
+                                    <a:srgbClr val="FF0000"/>
+                                  </a:solidFill>
+                                  <a:latin typeface="Cambria Math" panose="02040503050406030204" pitchFamily="18" charset="0"/>
+                                  <a:ea typeface="Cambria Math" panose="02040503050406030204" pitchFamily="18" charset="0"/>
+                                </a:rPr>
+                                <m:t>1</m:t>
+                              </m:r>
+                            </m:sub>
+                          </m:sSub>
+                        </m:den>
+                      </m:f>
+                      <m:r>
+                        <a:rPr kumimoji="1" lang="en-US" altLang="ja-JP" b="0" i="1" smtClean="0">
+                          <a:solidFill>
+                            <a:srgbClr val="FF0000"/>
+                          </a:solidFill>
+                          <a:latin typeface="Cambria Math" panose="02040503050406030204" pitchFamily="18" charset="0"/>
+                          <a:ea typeface="Cambria Math" panose="02040503050406030204" pitchFamily="18" charset="0"/>
+                        </a:rPr>
+                        <m:t>+</m:t>
+                      </m:r>
+                      <m:f>
+                        <m:fPr>
+                          <m:ctrlPr>
+                            <a:rPr kumimoji="1" lang="en-US" altLang="ja-JP" b="0" i="1" smtClean="0">
+                              <a:solidFill>
+                                <a:srgbClr val="FF0000"/>
+                              </a:solidFill>
+                              <a:latin typeface="Cambria Math" panose="02040503050406030204" pitchFamily="18" charset="0"/>
+                              <a:ea typeface="Cambria Math" panose="02040503050406030204" pitchFamily="18" charset="0"/>
+                            </a:rPr>
+                          </m:ctrlPr>
+                        </m:fPr>
+                        <m:num>
+                          <m:r>
+                            <a:rPr kumimoji="1" lang="en-US" altLang="ja-JP" b="0" i="1" smtClean="0">
+                              <a:solidFill>
+                                <a:srgbClr val="FF0000"/>
+                              </a:solidFill>
+                              <a:latin typeface="Cambria Math" panose="02040503050406030204" pitchFamily="18" charset="0"/>
+                              <a:ea typeface="Cambria Math" panose="02040503050406030204" pitchFamily="18" charset="0"/>
+                            </a:rPr>
+                            <m:t>1</m:t>
+                          </m:r>
+                        </m:num>
+                        <m:den>
+                          <m:sSub>
+                            <m:sSubPr>
+                              <m:ctrlPr>
+                                <a:rPr kumimoji="1" lang="en-US" altLang="ja-JP" b="0" i="1" smtClean="0">
+                                  <a:solidFill>
+                                    <a:srgbClr val="FF0000"/>
+                                  </a:solidFill>
+                                  <a:latin typeface="Cambria Math" panose="02040503050406030204" pitchFamily="18" charset="0"/>
+                                  <a:ea typeface="Cambria Math" panose="02040503050406030204" pitchFamily="18" charset="0"/>
+                                </a:rPr>
+                              </m:ctrlPr>
+                            </m:sSubPr>
+                            <m:e>
+                              <m:r>
+                                <a:rPr kumimoji="1" lang="en-US" altLang="ja-JP" b="0" i="1" smtClean="0">
+                                  <a:solidFill>
+                                    <a:srgbClr val="FF0000"/>
+                                  </a:solidFill>
+                                  <a:latin typeface="Cambria Math" panose="02040503050406030204" pitchFamily="18" charset="0"/>
+                                  <a:ea typeface="Cambria Math" panose="02040503050406030204" pitchFamily="18" charset="0"/>
+                                </a:rPr>
+                                <m:t>𝑅</m:t>
+                              </m:r>
+                            </m:e>
+                            <m:sub>
+                              <m:r>
+                                <a:rPr kumimoji="1" lang="en-US" altLang="ja-JP" b="0" i="1" smtClean="0">
+                                  <a:solidFill>
+                                    <a:srgbClr val="FF0000"/>
+                                  </a:solidFill>
+                                  <a:latin typeface="Cambria Math" panose="02040503050406030204" pitchFamily="18" charset="0"/>
+                                  <a:ea typeface="Cambria Math" panose="02040503050406030204" pitchFamily="18" charset="0"/>
+                                </a:rPr>
+                                <m:t>2</m:t>
+                              </m:r>
+                            </m:sub>
+                          </m:sSub>
+                        </m:den>
+                      </m:f>
+                    </m:oMath>
+                  </m:oMathPara>
+                </a14:m>
+                <a:endParaRPr kumimoji="1" lang="ja-JP" altLang="en-US" dirty="0">
+                  <a:solidFill>
+                    <a:srgbClr val="FF0000"/>
+                  </a:solidFill>
+                </a:endParaRPr>
+              </a:p>
+            </p:txBody>
+          </p:sp>
+        </mc:Choice>
+        <mc:Fallback>
+          <p:sp>
+            <p:nvSpPr>
+              <p:cNvPr id="47" name="テキスト ボックス 46">
+                <a:extLst>
+                  <a:ext uri="{FF2B5EF4-FFF2-40B4-BE49-F238E27FC236}">
+                    <a16:creationId xmlns:a16="http://schemas.microsoft.com/office/drawing/2014/main" id="{4E150C70-06A8-A0A8-31EB-3B307155A69A}"/>
+                  </a:ext>
+                </a:extLst>
+              </p:cNvPr>
+              <p:cNvSpPr txBox="1">
+                <a:spLocks noRot="1" noChangeAspect="1" noMove="1" noResize="1" noEditPoints="1" noAdjustHandles="1" noChangeArrowheads="1" noChangeShapeType="1" noTextEdit="1"/>
+              </p:cNvSpPr>
+              <p:nvPr/>
+            </p:nvSpPr>
+            <p:spPr>
+              <a:xfrm>
+                <a:off x="8129242" y="3227451"/>
+                <a:ext cx="1580753" cy="683392"/>
+              </a:xfrm>
+              <a:prstGeom prst="rect">
+                <a:avLst/>
+              </a:prstGeom>
+              <a:blipFill>
+                <a:blip r:embed="rId6"/>
+                <a:stretch>
+                  <a:fillRect/>
+                </a:stretch>
+              </a:blipFill>
+            </p:spPr>
+            <p:txBody>
+              <a:bodyPr/>
+              <a:lstStyle/>
+              <a:p>
+                <a:r>
+                  <a:rPr lang="ja-JP" altLang="en-US">
+                    <a:noFill/>
+                  </a:rPr>
+                  <a:t> </a:t>
+                </a:r>
+              </a:p>
+            </p:txBody>
+          </p:sp>
+        </mc:Fallback>
+      </mc:AlternateContent>
+      <mc:AlternateContent xmlns:mc="http://schemas.openxmlformats.org/markup-compatibility/2006">
+        <mc:Choice xmlns:a14="http://schemas.microsoft.com/office/drawing/2010/main" Requires="a14">
+          <p:sp>
+            <p:nvSpPr>
+              <p:cNvPr id="48" name="テキスト ボックス 47">
+                <a:extLst>
+                  <a:ext uri="{FF2B5EF4-FFF2-40B4-BE49-F238E27FC236}">
+                    <a16:creationId xmlns:a16="http://schemas.microsoft.com/office/drawing/2014/main" id="{3DE8EA39-C53D-8EB9-4BFA-899266CC1188}"/>
+                  </a:ext>
+                </a:extLst>
+              </p:cNvPr>
+              <p:cNvSpPr txBox="1"/>
+              <p:nvPr/>
+            </p:nvSpPr>
+            <p:spPr>
+              <a:xfrm>
+                <a:off x="7539703" y="2466072"/>
+                <a:ext cx="3912674" cy="646331"/>
+              </a:xfrm>
+              <a:prstGeom prst="rect">
+                <a:avLst/>
+              </a:prstGeom>
+              <a:noFill/>
+            </p:spPr>
+            <p:txBody>
+              <a:bodyPr wrap="none" rtlCol="0">
+                <a:spAutoFit/>
+              </a:bodyPr>
+              <a:lstStyle/>
+              <a:p>
+                <a:r>
+                  <a:rPr kumimoji="1" lang="ja-JP" altLang="en-US" dirty="0">
+                    <a:solidFill>
+                      <a:srgbClr val="FF0000"/>
+                    </a:solidFill>
+                  </a:rPr>
+                  <a:t>電源圧を短絡させると、</a:t>
+                </a:r>
+                <a:endParaRPr kumimoji="1" lang="en-US" altLang="ja-JP" dirty="0">
+                  <a:solidFill>
+                    <a:srgbClr val="FF0000"/>
+                  </a:solidFill>
+                </a:endParaRPr>
+              </a:p>
+              <a:p>
+                <a14:m>
+                  <m:oMath xmlns:m="http://schemas.openxmlformats.org/officeDocument/2006/math">
+                    <m:sSub>
+                      <m:sSubPr>
+                        <m:ctrlPr>
+                          <a:rPr kumimoji="1" lang="en-US" altLang="ja-JP" i="1" smtClean="0">
+                            <a:solidFill>
+                              <a:srgbClr val="FF0000"/>
+                            </a:solidFill>
+                            <a:latin typeface="Cambria Math" panose="02040503050406030204" pitchFamily="18" charset="0"/>
+                          </a:rPr>
+                        </m:ctrlPr>
+                      </m:sSubPr>
+                      <m:e>
+                        <m:r>
+                          <a:rPr kumimoji="1" lang="en-US" altLang="ja-JP" b="0" i="1" smtClean="0">
+                            <a:solidFill>
+                              <a:srgbClr val="FF0000"/>
+                            </a:solidFill>
+                            <a:latin typeface="Cambria Math" panose="02040503050406030204" pitchFamily="18" charset="0"/>
+                          </a:rPr>
+                          <m:t>𝑅</m:t>
+                        </m:r>
+                      </m:e>
+                      <m:sub>
+                        <m:r>
+                          <a:rPr kumimoji="1" lang="en-US" altLang="ja-JP" b="0" i="1" smtClean="0">
+                            <a:solidFill>
+                              <a:srgbClr val="FF0000"/>
+                            </a:solidFill>
+                            <a:latin typeface="Cambria Math" panose="02040503050406030204" pitchFamily="18" charset="0"/>
+                          </a:rPr>
+                          <m:t>1</m:t>
+                        </m:r>
+                      </m:sub>
+                    </m:sSub>
+                    <m:r>
+                      <a:rPr lang="ja-JP" altLang="en-US" i="1">
+                        <a:solidFill>
+                          <a:srgbClr val="FF0000"/>
+                        </a:solidFill>
+                        <a:latin typeface="Cambria Math" panose="02040503050406030204" pitchFamily="18" charset="0"/>
+                      </a:rPr>
+                      <m:t>と</m:t>
+                    </m:r>
+                    <m:sSub>
+                      <m:sSubPr>
+                        <m:ctrlPr>
+                          <a:rPr lang="en-US" altLang="ja-JP" i="1" smtClean="0">
+                            <a:solidFill>
+                              <a:srgbClr val="FF0000"/>
+                            </a:solidFill>
+                            <a:latin typeface="Cambria Math" panose="02040503050406030204" pitchFamily="18" charset="0"/>
+                          </a:rPr>
+                        </m:ctrlPr>
+                      </m:sSubPr>
+                      <m:e>
+                        <m:r>
+                          <a:rPr lang="en-US" altLang="ja-JP" b="0" i="1" smtClean="0">
+                            <a:solidFill>
+                              <a:srgbClr val="FF0000"/>
+                            </a:solidFill>
+                            <a:latin typeface="Cambria Math" panose="02040503050406030204" pitchFamily="18" charset="0"/>
+                          </a:rPr>
+                          <m:t>𝑅</m:t>
+                        </m:r>
+                      </m:e>
+                      <m:sub>
+                        <m:r>
+                          <a:rPr lang="en-US" altLang="ja-JP" b="0" i="1" smtClean="0">
+                            <a:solidFill>
+                              <a:srgbClr val="FF0000"/>
+                            </a:solidFill>
+                            <a:latin typeface="Cambria Math" panose="02040503050406030204" pitchFamily="18" charset="0"/>
+                          </a:rPr>
+                          <m:t>2</m:t>
+                        </m:r>
+                      </m:sub>
+                    </m:sSub>
+                    <m:r>
+                      <a:rPr kumimoji="1" lang="ja-JP" altLang="en-US" i="1" dirty="0">
+                        <a:solidFill>
+                          <a:srgbClr val="FF0000"/>
+                        </a:solidFill>
+                        <a:latin typeface="Cambria Math" panose="02040503050406030204" pitchFamily="18" charset="0"/>
+                      </a:rPr>
+                      <m:t>が</m:t>
+                    </m:r>
+                  </m:oMath>
+                </a14:m>
+                <a:r>
+                  <a:rPr kumimoji="1" lang="ja-JP" altLang="en-US" dirty="0">
+                    <a:solidFill>
+                      <a:srgbClr val="FF0000"/>
+                    </a:solidFill>
+                  </a:rPr>
+                  <a:t>並列接続された回路となる</a:t>
+                </a:r>
+              </a:p>
+            </p:txBody>
+          </p:sp>
+        </mc:Choice>
+        <mc:Fallback>
+          <p:sp>
+            <p:nvSpPr>
+              <p:cNvPr id="48" name="テキスト ボックス 47">
+                <a:extLst>
+                  <a:ext uri="{FF2B5EF4-FFF2-40B4-BE49-F238E27FC236}">
+                    <a16:creationId xmlns:a16="http://schemas.microsoft.com/office/drawing/2014/main" id="{3DE8EA39-C53D-8EB9-4BFA-899266CC1188}"/>
+                  </a:ext>
+                </a:extLst>
+              </p:cNvPr>
+              <p:cNvSpPr txBox="1">
+                <a:spLocks noRot="1" noChangeAspect="1" noMove="1" noResize="1" noEditPoints="1" noAdjustHandles="1" noChangeArrowheads="1" noChangeShapeType="1" noTextEdit="1"/>
+              </p:cNvSpPr>
+              <p:nvPr/>
+            </p:nvSpPr>
+            <p:spPr>
+              <a:xfrm>
+                <a:off x="7539703" y="2466072"/>
+                <a:ext cx="3912674" cy="646331"/>
+              </a:xfrm>
+              <a:prstGeom prst="rect">
+                <a:avLst/>
+              </a:prstGeom>
+              <a:blipFill>
+                <a:blip r:embed="rId7"/>
+                <a:stretch>
+                  <a:fillRect l="-1402" t="-5660" r="-779" b="-15094"/>
+                </a:stretch>
+              </a:blipFill>
+            </p:spPr>
+            <p:txBody>
+              <a:bodyPr/>
+              <a:lstStyle/>
+              <a:p>
+                <a:r>
+                  <a:rPr lang="ja-JP" altLang="en-US">
+                    <a:noFill/>
+                  </a:rPr>
+                  <a:t> </a:t>
+                </a:r>
+              </a:p>
+            </p:txBody>
+          </p:sp>
+        </mc:Fallback>
+      </mc:AlternateContent>
+      <mc:AlternateContent xmlns:mc="http://schemas.openxmlformats.org/markup-compatibility/2006">
+        <mc:Choice xmlns:a14="http://schemas.microsoft.com/office/drawing/2010/main" Requires="a14">
+          <p:sp>
+            <p:nvSpPr>
+              <p:cNvPr id="49" name="テキスト ボックス 48">
+                <a:extLst>
+                  <a:ext uri="{FF2B5EF4-FFF2-40B4-BE49-F238E27FC236}">
+                    <a16:creationId xmlns:a16="http://schemas.microsoft.com/office/drawing/2014/main" id="{C374A5A3-9766-E09B-3986-FEF6F3575EF7}"/>
+                  </a:ext>
+                </a:extLst>
+              </p:cNvPr>
+              <p:cNvSpPr txBox="1"/>
+              <p:nvPr/>
+            </p:nvSpPr>
+            <p:spPr>
+              <a:xfrm>
+                <a:off x="8129242" y="3910843"/>
+                <a:ext cx="1626920" cy="881588"/>
+              </a:xfrm>
+              <a:prstGeom prst="rect">
+                <a:avLst/>
+              </a:prstGeom>
+              <a:noFill/>
+            </p:spPr>
+            <p:txBody>
+              <a:bodyPr wrap="none" rtlCol="0">
+                <a:spAutoFit/>
+              </a:bodyPr>
+              <a:lstStyle/>
+              <a:p>
+                <a:pPr/>
+                <a14:m>
+                  <m:oMathPara xmlns:m="http://schemas.openxmlformats.org/officeDocument/2006/math">
+                    <m:oMathParaPr>
+                      <m:jc m:val="centerGroup"/>
+                    </m:oMathParaPr>
+                    <m:oMath xmlns:m="http://schemas.openxmlformats.org/officeDocument/2006/math">
+                      <m:sSub>
+                        <m:sSubPr>
+                          <m:ctrlPr>
+                            <a:rPr kumimoji="1" lang="en-US" altLang="ja-JP" i="1" smtClean="0">
+                              <a:solidFill>
+                                <a:srgbClr val="FF0000"/>
+                              </a:solidFill>
+                              <a:latin typeface="Cambria Math" panose="02040503050406030204" pitchFamily="18" charset="0"/>
+                              <a:ea typeface="Cambria Math" panose="02040503050406030204" pitchFamily="18" charset="0"/>
+                            </a:rPr>
+                          </m:ctrlPr>
+                        </m:sSubPr>
+                        <m:e>
+                          <m:r>
+                            <a:rPr kumimoji="1" lang="en-US" altLang="ja-JP" b="0" i="1" smtClean="0">
+                              <a:solidFill>
+                                <a:srgbClr val="FF0000"/>
+                              </a:solidFill>
+                              <a:latin typeface="Cambria Math" panose="02040503050406030204" pitchFamily="18" charset="0"/>
+                              <a:ea typeface="Cambria Math" panose="02040503050406030204" pitchFamily="18" charset="0"/>
+                            </a:rPr>
+                            <m:t>𝑅</m:t>
+                          </m:r>
+                        </m:e>
+                        <m:sub>
+                          <m:r>
+                            <a:rPr kumimoji="1" lang="en-US" altLang="ja-JP" b="0" i="1" smtClean="0">
+                              <a:solidFill>
+                                <a:srgbClr val="FF0000"/>
+                              </a:solidFill>
+                              <a:latin typeface="Cambria Math" panose="02040503050406030204" pitchFamily="18" charset="0"/>
+                              <a:ea typeface="Cambria Math" panose="02040503050406030204" pitchFamily="18" charset="0"/>
+                            </a:rPr>
+                            <m:t>𝑥</m:t>
+                          </m:r>
+                        </m:sub>
+                      </m:sSub>
+                      <m:r>
+                        <a:rPr kumimoji="1" lang="en-US" altLang="ja-JP" i="1" smtClean="0">
+                          <a:solidFill>
+                            <a:srgbClr val="FF0000"/>
+                          </a:solidFill>
+                          <a:latin typeface="Cambria Math" panose="02040503050406030204" pitchFamily="18" charset="0"/>
+                          <a:ea typeface="Cambria Math" panose="02040503050406030204" pitchFamily="18" charset="0"/>
+                        </a:rPr>
+                        <m:t>=</m:t>
+                      </m:r>
+                      <m:f>
+                        <m:fPr>
+                          <m:ctrlPr>
+                            <a:rPr kumimoji="1" lang="en-US" altLang="ja-JP" i="1" smtClean="0">
+                              <a:solidFill>
+                                <a:srgbClr val="FF0000"/>
+                              </a:solidFill>
+                              <a:latin typeface="Cambria Math" panose="02040503050406030204" pitchFamily="18" charset="0"/>
+                              <a:ea typeface="Cambria Math" panose="02040503050406030204" pitchFamily="18" charset="0"/>
+                            </a:rPr>
+                          </m:ctrlPr>
+                        </m:fPr>
+                        <m:num>
+                          <m:r>
+                            <a:rPr kumimoji="1" lang="en-US" altLang="ja-JP" b="0" i="1" smtClean="0">
+                              <a:solidFill>
+                                <a:srgbClr val="FF0000"/>
+                              </a:solidFill>
+                              <a:latin typeface="Cambria Math" panose="02040503050406030204" pitchFamily="18" charset="0"/>
+                              <a:ea typeface="Cambria Math" panose="02040503050406030204" pitchFamily="18" charset="0"/>
+                            </a:rPr>
+                            <m:t>1</m:t>
+                          </m:r>
+                        </m:num>
+                        <m:den>
+                          <m:f>
+                            <m:fPr>
+                              <m:ctrlPr>
+                                <a:rPr kumimoji="1" lang="en-US" altLang="ja-JP" i="1" smtClean="0">
+                                  <a:solidFill>
+                                    <a:srgbClr val="FF0000"/>
+                                  </a:solidFill>
+                                  <a:latin typeface="Cambria Math" panose="02040503050406030204" pitchFamily="18" charset="0"/>
+                                  <a:ea typeface="Cambria Math" panose="02040503050406030204" pitchFamily="18" charset="0"/>
+                                </a:rPr>
+                              </m:ctrlPr>
+                            </m:fPr>
+                            <m:num>
+                              <m:r>
+                                <a:rPr kumimoji="1" lang="en-US" altLang="ja-JP" b="0" i="1" smtClean="0">
+                                  <a:solidFill>
+                                    <a:srgbClr val="FF0000"/>
+                                  </a:solidFill>
+                                  <a:latin typeface="Cambria Math" panose="02040503050406030204" pitchFamily="18" charset="0"/>
+                                  <a:ea typeface="Cambria Math" panose="02040503050406030204" pitchFamily="18" charset="0"/>
+                                </a:rPr>
+                                <m:t>1</m:t>
+                              </m:r>
+                            </m:num>
+                            <m:den>
+                              <m:sSub>
+                                <m:sSubPr>
+                                  <m:ctrlPr>
+                                    <a:rPr kumimoji="1" lang="en-US" altLang="ja-JP" i="1" smtClean="0">
+                                      <a:solidFill>
+                                        <a:srgbClr val="FF0000"/>
+                                      </a:solidFill>
+                                      <a:latin typeface="Cambria Math" panose="02040503050406030204" pitchFamily="18" charset="0"/>
+                                      <a:ea typeface="Cambria Math" panose="02040503050406030204" pitchFamily="18" charset="0"/>
+                                    </a:rPr>
+                                  </m:ctrlPr>
+                                </m:sSubPr>
+                                <m:e>
+                                  <m:r>
+                                    <a:rPr kumimoji="1" lang="en-US" altLang="ja-JP" b="0" i="1" smtClean="0">
+                                      <a:solidFill>
+                                        <a:srgbClr val="FF0000"/>
+                                      </a:solidFill>
+                                      <a:latin typeface="Cambria Math" panose="02040503050406030204" pitchFamily="18" charset="0"/>
+                                      <a:ea typeface="Cambria Math" panose="02040503050406030204" pitchFamily="18" charset="0"/>
+                                    </a:rPr>
+                                    <m:t>𝑅</m:t>
+                                  </m:r>
+                                </m:e>
+                                <m:sub>
+                                  <m:r>
+                                    <a:rPr kumimoji="1" lang="en-US" altLang="ja-JP" b="0" i="1" smtClean="0">
+                                      <a:solidFill>
+                                        <a:srgbClr val="FF0000"/>
+                                      </a:solidFill>
+                                      <a:latin typeface="Cambria Math" panose="02040503050406030204" pitchFamily="18" charset="0"/>
+                                      <a:ea typeface="Cambria Math" panose="02040503050406030204" pitchFamily="18" charset="0"/>
+                                    </a:rPr>
+                                    <m:t>1</m:t>
+                                  </m:r>
+                                </m:sub>
+                              </m:sSub>
+                            </m:den>
+                          </m:f>
+                        </m:den>
+                      </m:f>
+                      <m:r>
+                        <a:rPr kumimoji="1" lang="en-US" altLang="ja-JP" b="0" i="1" smtClean="0">
+                          <a:solidFill>
+                            <a:srgbClr val="FF0000"/>
+                          </a:solidFill>
+                          <a:latin typeface="Cambria Math" panose="02040503050406030204" pitchFamily="18" charset="0"/>
+                          <a:ea typeface="Cambria Math" panose="02040503050406030204" pitchFamily="18" charset="0"/>
+                        </a:rPr>
+                        <m:t>+</m:t>
+                      </m:r>
+                      <m:f>
+                        <m:fPr>
+                          <m:ctrlPr>
+                            <a:rPr kumimoji="1" lang="en-US" altLang="ja-JP" b="0" i="1" smtClean="0">
+                              <a:solidFill>
+                                <a:srgbClr val="FF0000"/>
+                              </a:solidFill>
+                              <a:latin typeface="Cambria Math" panose="02040503050406030204" pitchFamily="18" charset="0"/>
+                              <a:ea typeface="Cambria Math" panose="02040503050406030204" pitchFamily="18" charset="0"/>
+                            </a:rPr>
+                          </m:ctrlPr>
+                        </m:fPr>
+                        <m:num>
+                          <m:r>
+                            <a:rPr kumimoji="1" lang="en-US" altLang="ja-JP" b="0" i="1" smtClean="0">
+                              <a:solidFill>
+                                <a:srgbClr val="FF0000"/>
+                              </a:solidFill>
+                              <a:latin typeface="Cambria Math" panose="02040503050406030204" pitchFamily="18" charset="0"/>
+                              <a:ea typeface="Cambria Math" panose="02040503050406030204" pitchFamily="18" charset="0"/>
+                            </a:rPr>
+                            <m:t>1</m:t>
+                          </m:r>
+                        </m:num>
+                        <m:den>
+                          <m:f>
+                            <m:fPr>
+                              <m:ctrlPr>
+                                <a:rPr kumimoji="1" lang="en-US" altLang="ja-JP" b="0" i="1" smtClean="0">
+                                  <a:solidFill>
+                                    <a:srgbClr val="FF0000"/>
+                                  </a:solidFill>
+                                  <a:latin typeface="Cambria Math" panose="02040503050406030204" pitchFamily="18" charset="0"/>
+                                  <a:ea typeface="Cambria Math" panose="02040503050406030204" pitchFamily="18" charset="0"/>
+                                </a:rPr>
+                              </m:ctrlPr>
+                            </m:fPr>
+                            <m:num>
+                              <m:r>
+                                <a:rPr kumimoji="1" lang="en-US" altLang="ja-JP" b="0" i="1" smtClean="0">
+                                  <a:solidFill>
+                                    <a:srgbClr val="FF0000"/>
+                                  </a:solidFill>
+                                  <a:latin typeface="Cambria Math" panose="02040503050406030204" pitchFamily="18" charset="0"/>
+                                  <a:ea typeface="Cambria Math" panose="02040503050406030204" pitchFamily="18" charset="0"/>
+                                </a:rPr>
+                                <m:t>1</m:t>
+                              </m:r>
+                            </m:num>
+                            <m:den>
+                              <m:sSub>
+                                <m:sSubPr>
+                                  <m:ctrlPr>
+                                    <a:rPr kumimoji="1" lang="en-US" altLang="ja-JP" b="0" i="1" smtClean="0">
+                                      <a:solidFill>
+                                        <a:srgbClr val="FF0000"/>
+                                      </a:solidFill>
+                                      <a:latin typeface="Cambria Math" panose="02040503050406030204" pitchFamily="18" charset="0"/>
+                                      <a:ea typeface="Cambria Math" panose="02040503050406030204" pitchFamily="18" charset="0"/>
+                                    </a:rPr>
+                                  </m:ctrlPr>
+                                </m:sSubPr>
+                                <m:e>
+                                  <m:r>
+                                    <a:rPr kumimoji="1" lang="en-US" altLang="ja-JP" b="0" i="1" smtClean="0">
+                                      <a:solidFill>
+                                        <a:srgbClr val="FF0000"/>
+                                      </a:solidFill>
+                                      <a:latin typeface="Cambria Math" panose="02040503050406030204" pitchFamily="18" charset="0"/>
+                                      <a:ea typeface="Cambria Math" panose="02040503050406030204" pitchFamily="18" charset="0"/>
+                                    </a:rPr>
+                                    <m:t>𝑅</m:t>
+                                  </m:r>
+                                </m:e>
+                                <m:sub>
+                                  <m:r>
+                                    <a:rPr kumimoji="1" lang="en-US" altLang="ja-JP" b="0" i="1" smtClean="0">
+                                      <a:solidFill>
+                                        <a:srgbClr val="FF0000"/>
+                                      </a:solidFill>
+                                      <a:latin typeface="Cambria Math" panose="02040503050406030204" pitchFamily="18" charset="0"/>
+                                      <a:ea typeface="Cambria Math" panose="02040503050406030204" pitchFamily="18" charset="0"/>
+                                    </a:rPr>
+                                    <m:t>2</m:t>
+                                  </m:r>
+                                </m:sub>
+                              </m:sSub>
+                            </m:den>
+                          </m:f>
+                        </m:den>
+                      </m:f>
+                    </m:oMath>
+                  </m:oMathPara>
+                </a14:m>
+                <a:endParaRPr kumimoji="1" lang="ja-JP" altLang="en-US" dirty="0">
+                  <a:solidFill>
+                    <a:srgbClr val="FF0000"/>
+                  </a:solidFill>
+                </a:endParaRPr>
+              </a:p>
+            </p:txBody>
+          </p:sp>
+        </mc:Choice>
+        <mc:Fallback>
+          <p:sp>
+            <p:nvSpPr>
+              <p:cNvPr id="49" name="テキスト ボックス 48">
+                <a:extLst>
+                  <a:ext uri="{FF2B5EF4-FFF2-40B4-BE49-F238E27FC236}">
+                    <a16:creationId xmlns:a16="http://schemas.microsoft.com/office/drawing/2014/main" id="{C374A5A3-9766-E09B-3986-FEF6F3575EF7}"/>
+                  </a:ext>
+                </a:extLst>
+              </p:cNvPr>
+              <p:cNvSpPr txBox="1">
+                <a:spLocks noRot="1" noChangeAspect="1" noMove="1" noResize="1" noEditPoints="1" noAdjustHandles="1" noChangeArrowheads="1" noChangeShapeType="1" noTextEdit="1"/>
+              </p:cNvSpPr>
+              <p:nvPr/>
+            </p:nvSpPr>
+            <p:spPr>
+              <a:xfrm>
+                <a:off x="8129242" y="3910843"/>
+                <a:ext cx="1626920" cy="881588"/>
+              </a:xfrm>
+              <a:prstGeom prst="rect">
+                <a:avLst/>
+              </a:prstGeom>
+              <a:blipFill>
+                <a:blip r:embed="rId8"/>
+                <a:stretch>
+                  <a:fillRect/>
+                </a:stretch>
+              </a:blipFill>
+            </p:spPr>
+            <p:txBody>
+              <a:bodyPr/>
+              <a:lstStyle/>
+              <a:p>
+                <a:r>
+                  <a:rPr lang="ja-JP" altLang="en-US">
+                    <a:noFill/>
+                  </a:rPr>
+                  <a:t> </a:t>
+                </a:r>
+              </a:p>
+            </p:txBody>
+          </p:sp>
+        </mc:Fallback>
+      </mc:AlternateContent>
+      <p:sp>
+        <p:nvSpPr>
+          <p:cNvPr id="3" name="テキスト ボックス 2">
+            <a:extLst>
+              <a:ext uri="{FF2B5EF4-FFF2-40B4-BE49-F238E27FC236}">
+                <a16:creationId xmlns:a16="http://schemas.microsoft.com/office/drawing/2014/main" id="{BC250F0C-369F-7F69-880F-B03DBD381320}"/>
+              </a:ext>
+            </a:extLst>
+          </p:cNvPr>
+          <p:cNvSpPr txBox="1"/>
+          <p:nvPr/>
+        </p:nvSpPr>
+        <p:spPr>
+          <a:xfrm>
+            <a:off x="3577362" y="7551422"/>
+            <a:ext cx="2518638" cy="307777"/>
+          </a:xfrm>
+          <a:prstGeom prst="rect">
+            <a:avLst/>
+          </a:prstGeom>
+          <a:noFill/>
+        </p:spPr>
+        <p:txBody>
+          <a:bodyPr wrap="none" rtlCol="0">
+            <a:spAutoFit/>
+          </a:bodyPr>
+          <a:lstStyle/>
+          <a:p>
+            <a:r>
+              <a:rPr kumimoji="1" lang="ja-JP" altLang="en-US" sz="1400" dirty="0"/>
+              <a:t>電圧源は短絡、電流源は開放</a:t>
+            </a:r>
+          </a:p>
+        </p:txBody>
+      </p:sp>
+      <p:sp>
+        <p:nvSpPr>
+          <p:cNvPr id="12" name="正方形/長方形 11">
+            <a:extLst>
+              <a:ext uri="{FF2B5EF4-FFF2-40B4-BE49-F238E27FC236}">
+                <a16:creationId xmlns:a16="http://schemas.microsoft.com/office/drawing/2014/main" id="{2CC044BE-EA3A-AAAE-862A-37EEAAD31C18}"/>
+              </a:ext>
+            </a:extLst>
+          </p:cNvPr>
+          <p:cNvSpPr/>
+          <p:nvPr/>
+        </p:nvSpPr>
+        <p:spPr>
+          <a:xfrm>
+            <a:off x="7442521" y="1134958"/>
+            <a:ext cx="1269679" cy="449526"/>
+          </a:xfrm>
+          <a:prstGeom prst="rect">
+            <a:avLst/>
+          </a:prstGeom>
+          <a:solidFill>
+            <a:schemeClr val="bg1"/>
+          </a:solidFill>
+          <a:ln>
+            <a:noFill/>
+          </a:ln>
+        </p:spPr>
+        <p:style>
+          <a:lnRef idx="2">
+            <a:schemeClr val="accent1">
+              <a:shade val="50000"/>
+            </a:schemeClr>
+          </a:lnRef>
+          <a:fillRef idx="1">
+            <a:schemeClr val="accent1"/>
+          </a:fillRef>
+          <a:effectRef idx="0">
+            <a:schemeClr val="accent1"/>
+          </a:effectRef>
+          <a:fontRef idx="minor">
+            <a:schemeClr val="lt1"/>
+          </a:fontRef>
+        </p:style>
+        <p:txBody>
+          <a:bodyPr rtlCol="0" anchor="ctr"/>
+          <a:lstStyle/>
+          <a:p>
+            <a:pPr algn="ctr"/>
+            <a:endParaRPr kumimoji="1" lang="ja-JP" altLang="en-US"/>
+          </a:p>
+        </p:txBody>
+      </p:sp>
+      <p:cxnSp>
+        <p:nvCxnSpPr>
+          <p:cNvPr id="14" name="直線コネクタ 13">
+            <a:extLst>
+              <a:ext uri="{FF2B5EF4-FFF2-40B4-BE49-F238E27FC236}">
+                <a16:creationId xmlns:a16="http://schemas.microsoft.com/office/drawing/2014/main" id="{411464C1-4DF6-A20B-4B85-0012C47B0775}"/>
+              </a:ext>
+            </a:extLst>
+          </p:cNvPr>
+          <p:cNvCxnSpPr>
+            <a:cxnSpLocks/>
+          </p:cNvCxnSpPr>
+          <p:nvPr/>
+        </p:nvCxnSpPr>
+        <p:spPr>
+          <a:xfrm>
+            <a:off x="8255000" y="1121807"/>
+            <a:ext cx="0" cy="462677"/>
+          </a:xfrm>
+          <a:prstGeom prst="line">
+            <a:avLst/>
+          </a:prstGeom>
+          <a:ln w="19050">
+            <a:solidFill>
+              <a:srgbClr val="FF0000"/>
+            </a:solidFill>
+          </a:ln>
+        </p:spPr>
+        <p:style>
+          <a:lnRef idx="1">
+            <a:schemeClr val="accent1"/>
+          </a:lnRef>
+          <a:fillRef idx="0">
+            <a:schemeClr val="accent1"/>
+          </a:fillRef>
+          <a:effectRef idx="0">
+            <a:schemeClr val="accent1"/>
+          </a:effectRef>
+          <a:fontRef idx="minor">
+            <a:schemeClr val="tx1"/>
+          </a:fontRef>
+        </p:style>
+      </p:cxnSp>
+      <mc:AlternateContent xmlns:mc="http://schemas.openxmlformats.org/markup-compatibility/2006">
+        <mc:Choice xmlns:a14="http://schemas.microsoft.com/office/drawing/2010/main" Requires="a14">
+          <p:sp>
+            <p:nvSpPr>
+              <p:cNvPr id="21" name="テキスト ボックス 20">
+                <a:extLst>
+                  <a:ext uri="{FF2B5EF4-FFF2-40B4-BE49-F238E27FC236}">
+                    <a16:creationId xmlns:a16="http://schemas.microsoft.com/office/drawing/2014/main" id="{435CA0C9-2C90-3D59-9135-A4CE9C94D8BD}"/>
+                  </a:ext>
+                </a:extLst>
+              </p:cNvPr>
+              <p:cNvSpPr txBox="1"/>
+              <p:nvPr/>
+            </p:nvSpPr>
+            <p:spPr>
+              <a:xfrm>
+                <a:off x="8129242" y="4792431"/>
+                <a:ext cx="1515287" cy="836255"/>
+              </a:xfrm>
+              <a:prstGeom prst="rect">
+                <a:avLst/>
+              </a:prstGeom>
+              <a:noFill/>
+            </p:spPr>
+            <p:txBody>
+              <a:bodyPr wrap="none" rtlCol="0">
+                <a:spAutoFit/>
+              </a:bodyPr>
+              <a:lstStyle/>
+              <a:p>
+                <a:pPr/>
+                <a14:m>
+                  <m:oMathPara xmlns:m="http://schemas.openxmlformats.org/officeDocument/2006/math">
+                    <m:oMathParaPr>
+                      <m:jc m:val="centerGroup"/>
+                    </m:oMathParaPr>
+                    <m:oMath xmlns:m="http://schemas.openxmlformats.org/officeDocument/2006/math">
+                      <m:sSub>
+                        <m:sSubPr>
+                          <m:ctrlPr>
+                            <a:rPr kumimoji="1" lang="en-US" altLang="ja-JP" i="1" smtClean="0">
+                              <a:solidFill>
+                                <a:srgbClr val="FF0000"/>
+                              </a:solidFill>
+                              <a:latin typeface="Cambria Math" panose="02040503050406030204" pitchFamily="18" charset="0"/>
+                              <a:ea typeface="Cambria Math" panose="02040503050406030204" pitchFamily="18" charset="0"/>
+                            </a:rPr>
+                          </m:ctrlPr>
+                        </m:sSubPr>
+                        <m:e>
+                          <m:r>
+                            <a:rPr kumimoji="1" lang="en-US" altLang="ja-JP" b="0" i="1" smtClean="0">
+                              <a:solidFill>
+                                <a:srgbClr val="FF0000"/>
+                              </a:solidFill>
+                              <a:latin typeface="Cambria Math" panose="02040503050406030204" pitchFamily="18" charset="0"/>
+                              <a:ea typeface="Cambria Math" panose="02040503050406030204" pitchFamily="18" charset="0"/>
+                            </a:rPr>
+                            <m:t>𝑅</m:t>
+                          </m:r>
+                        </m:e>
+                        <m:sub>
+                          <m:r>
+                            <a:rPr kumimoji="1" lang="en-US" altLang="ja-JP" b="0" i="1" smtClean="0">
+                              <a:solidFill>
+                                <a:srgbClr val="FF0000"/>
+                              </a:solidFill>
+                              <a:latin typeface="Cambria Math" panose="02040503050406030204" pitchFamily="18" charset="0"/>
+                              <a:ea typeface="Cambria Math" panose="02040503050406030204" pitchFamily="18" charset="0"/>
+                            </a:rPr>
+                            <m:t>𝑥</m:t>
+                          </m:r>
+                        </m:sub>
+                      </m:sSub>
+                      <m:r>
+                        <a:rPr kumimoji="1" lang="en-US" altLang="ja-JP" i="1" smtClean="0">
+                          <a:solidFill>
+                            <a:srgbClr val="FF0000"/>
+                          </a:solidFill>
+                          <a:latin typeface="Cambria Math" panose="02040503050406030204" pitchFamily="18" charset="0"/>
+                          <a:ea typeface="Cambria Math" panose="02040503050406030204" pitchFamily="18" charset="0"/>
+                        </a:rPr>
+                        <m:t>=</m:t>
+                      </m:r>
+                      <m:f>
+                        <m:fPr>
+                          <m:ctrlPr>
+                            <a:rPr kumimoji="1" lang="en-US" altLang="ja-JP" i="1" smtClean="0">
+                              <a:solidFill>
+                                <a:srgbClr val="FF0000"/>
+                              </a:solidFill>
+                              <a:latin typeface="Cambria Math" panose="02040503050406030204" pitchFamily="18" charset="0"/>
+                              <a:ea typeface="Cambria Math" panose="02040503050406030204" pitchFamily="18" charset="0"/>
+                            </a:rPr>
+                          </m:ctrlPr>
+                        </m:fPr>
+                        <m:num>
+                          <m:r>
+                            <a:rPr kumimoji="1" lang="en-US" altLang="ja-JP" b="0" i="1" smtClean="0">
+                              <a:solidFill>
+                                <a:srgbClr val="FF0000"/>
+                              </a:solidFill>
+                              <a:latin typeface="Cambria Math" panose="02040503050406030204" pitchFamily="18" charset="0"/>
+                              <a:ea typeface="Cambria Math" panose="02040503050406030204" pitchFamily="18" charset="0"/>
+                            </a:rPr>
+                            <m:t>1</m:t>
+                          </m:r>
+                        </m:num>
+                        <m:den>
+                          <m:f>
+                            <m:fPr>
+                              <m:ctrlPr>
+                                <a:rPr kumimoji="1" lang="en-US" altLang="ja-JP" i="1" smtClean="0">
+                                  <a:solidFill>
+                                    <a:srgbClr val="FF0000"/>
+                                  </a:solidFill>
+                                  <a:latin typeface="Cambria Math" panose="02040503050406030204" pitchFamily="18" charset="0"/>
+                                  <a:ea typeface="Cambria Math" panose="02040503050406030204" pitchFamily="18" charset="0"/>
+                                </a:rPr>
+                              </m:ctrlPr>
+                            </m:fPr>
+                            <m:num>
+                              <m:r>
+                                <a:rPr kumimoji="1" lang="en-US" altLang="ja-JP" b="0" i="1" smtClean="0">
+                                  <a:solidFill>
+                                    <a:srgbClr val="FF0000"/>
+                                  </a:solidFill>
+                                  <a:latin typeface="Cambria Math" panose="02040503050406030204" pitchFamily="18" charset="0"/>
+                                  <a:ea typeface="Cambria Math" panose="02040503050406030204" pitchFamily="18" charset="0"/>
+                                </a:rPr>
+                                <m:t>1</m:t>
+                              </m:r>
+                            </m:num>
+                            <m:den>
+                              <m:r>
+                                <a:rPr lang="en-US" altLang="ja-JP" b="0" i="1" smtClean="0">
+                                  <a:solidFill>
+                                    <a:srgbClr val="FF0000"/>
+                                  </a:solidFill>
+                                  <a:latin typeface="Cambria Math" panose="02040503050406030204" pitchFamily="18" charset="0"/>
+                                  <a:ea typeface="Cambria Math" panose="02040503050406030204" pitchFamily="18" charset="0"/>
+                                </a:rPr>
+                                <m:t>1</m:t>
+                              </m:r>
+                            </m:den>
+                          </m:f>
+                        </m:den>
+                      </m:f>
+                      <m:r>
+                        <a:rPr kumimoji="1" lang="en-US" altLang="ja-JP" b="0" i="1" smtClean="0">
+                          <a:solidFill>
+                            <a:srgbClr val="FF0000"/>
+                          </a:solidFill>
+                          <a:latin typeface="Cambria Math" panose="02040503050406030204" pitchFamily="18" charset="0"/>
+                          <a:ea typeface="Cambria Math" panose="02040503050406030204" pitchFamily="18" charset="0"/>
+                        </a:rPr>
+                        <m:t>+</m:t>
+                      </m:r>
+                      <m:f>
+                        <m:fPr>
+                          <m:ctrlPr>
+                            <a:rPr kumimoji="1" lang="en-US" altLang="ja-JP" b="0" i="1" smtClean="0">
+                              <a:solidFill>
+                                <a:srgbClr val="FF0000"/>
+                              </a:solidFill>
+                              <a:latin typeface="Cambria Math" panose="02040503050406030204" pitchFamily="18" charset="0"/>
+                              <a:ea typeface="Cambria Math" panose="02040503050406030204" pitchFamily="18" charset="0"/>
+                            </a:rPr>
+                          </m:ctrlPr>
+                        </m:fPr>
+                        <m:num>
+                          <m:r>
+                            <a:rPr kumimoji="1" lang="en-US" altLang="ja-JP" b="0" i="1" smtClean="0">
+                              <a:solidFill>
+                                <a:srgbClr val="FF0000"/>
+                              </a:solidFill>
+                              <a:latin typeface="Cambria Math" panose="02040503050406030204" pitchFamily="18" charset="0"/>
+                              <a:ea typeface="Cambria Math" panose="02040503050406030204" pitchFamily="18" charset="0"/>
+                            </a:rPr>
+                            <m:t>1</m:t>
+                          </m:r>
+                        </m:num>
+                        <m:den>
+                          <m:f>
+                            <m:fPr>
+                              <m:ctrlPr>
+                                <a:rPr kumimoji="1" lang="en-US" altLang="ja-JP" b="0" i="1" smtClean="0">
+                                  <a:solidFill>
+                                    <a:srgbClr val="FF0000"/>
+                                  </a:solidFill>
+                                  <a:latin typeface="Cambria Math" panose="02040503050406030204" pitchFamily="18" charset="0"/>
+                                  <a:ea typeface="Cambria Math" panose="02040503050406030204" pitchFamily="18" charset="0"/>
+                                </a:rPr>
+                              </m:ctrlPr>
+                            </m:fPr>
+                            <m:num>
+                              <m:r>
+                                <a:rPr kumimoji="1" lang="en-US" altLang="ja-JP" b="0" i="1" smtClean="0">
+                                  <a:solidFill>
+                                    <a:srgbClr val="FF0000"/>
+                                  </a:solidFill>
+                                  <a:latin typeface="Cambria Math" panose="02040503050406030204" pitchFamily="18" charset="0"/>
+                                  <a:ea typeface="Cambria Math" panose="02040503050406030204" pitchFamily="18" charset="0"/>
+                                </a:rPr>
+                                <m:t>1</m:t>
+                              </m:r>
+                            </m:num>
+                            <m:den>
+                              <m:r>
+                                <a:rPr kumimoji="1" lang="en-US" altLang="ja-JP" b="0" i="1" smtClean="0">
+                                  <a:solidFill>
+                                    <a:srgbClr val="FF0000"/>
+                                  </a:solidFill>
+                                  <a:latin typeface="Cambria Math" panose="02040503050406030204" pitchFamily="18" charset="0"/>
+                                  <a:ea typeface="Cambria Math" panose="02040503050406030204" pitchFamily="18" charset="0"/>
+                                </a:rPr>
+                                <m:t>20</m:t>
+                              </m:r>
+                            </m:den>
+                          </m:f>
+                        </m:den>
+                      </m:f>
+                    </m:oMath>
+                  </m:oMathPara>
+                </a14:m>
+                <a:endParaRPr kumimoji="1" lang="ja-JP" altLang="en-US" dirty="0">
+                  <a:solidFill>
+                    <a:srgbClr val="FF0000"/>
+                  </a:solidFill>
+                </a:endParaRPr>
+              </a:p>
+            </p:txBody>
+          </p:sp>
+        </mc:Choice>
+        <mc:Fallback>
+          <p:sp>
+            <p:nvSpPr>
+              <p:cNvPr id="21" name="テキスト ボックス 20">
+                <a:extLst>
+                  <a:ext uri="{FF2B5EF4-FFF2-40B4-BE49-F238E27FC236}">
+                    <a16:creationId xmlns:a16="http://schemas.microsoft.com/office/drawing/2014/main" id="{435CA0C9-2C90-3D59-9135-A4CE9C94D8BD}"/>
+                  </a:ext>
+                </a:extLst>
+              </p:cNvPr>
+              <p:cNvSpPr txBox="1">
+                <a:spLocks noRot="1" noChangeAspect="1" noMove="1" noResize="1" noEditPoints="1" noAdjustHandles="1" noChangeArrowheads="1" noChangeShapeType="1" noTextEdit="1"/>
+              </p:cNvSpPr>
+              <p:nvPr/>
+            </p:nvSpPr>
+            <p:spPr>
+              <a:xfrm>
+                <a:off x="8129242" y="4792431"/>
+                <a:ext cx="1515287" cy="836255"/>
+              </a:xfrm>
+              <a:prstGeom prst="rect">
+                <a:avLst/>
+              </a:prstGeom>
+              <a:blipFill>
+                <a:blip r:embed="rId9"/>
+                <a:stretch>
+                  <a:fillRect/>
+                </a:stretch>
+              </a:blipFill>
+            </p:spPr>
+            <p:txBody>
+              <a:bodyPr/>
+              <a:lstStyle/>
+              <a:p>
+                <a:r>
+                  <a:rPr lang="ja-JP" altLang="en-US">
+                    <a:noFill/>
+                  </a:rPr>
+                  <a:t> </a:t>
+                </a:r>
+              </a:p>
+            </p:txBody>
+          </p:sp>
+        </mc:Fallback>
+      </mc:AlternateContent>
+      <mc:AlternateContent xmlns:mc="http://schemas.openxmlformats.org/markup-compatibility/2006">
+        <mc:Choice xmlns:a14="http://schemas.microsoft.com/office/drawing/2010/main" Requires="a14">
+          <p:sp>
+            <p:nvSpPr>
+              <p:cNvPr id="23" name="テキスト ボックス 22">
+                <a:extLst>
+                  <a:ext uri="{FF2B5EF4-FFF2-40B4-BE49-F238E27FC236}">
+                    <a16:creationId xmlns:a16="http://schemas.microsoft.com/office/drawing/2014/main" id="{261028AB-7968-51C1-1863-B6E9DFA2AD0E}"/>
+                  </a:ext>
+                </a:extLst>
+              </p:cNvPr>
+              <p:cNvSpPr txBox="1"/>
+              <p:nvPr/>
+            </p:nvSpPr>
+            <p:spPr>
+              <a:xfrm>
+                <a:off x="8129242" y="5618572"/>
+                <a:ext cx="1088247" cy="836255"/>
+              </a:xfrm>
+              <a:prstGeom prst="rect">
+                <a:avLst/>
+              </a:prstGeom>
+              <a:noFill/>
+            </p:spPr>
+            <p:txBody>
+              <a:bodyPr wrap="none" rtlCol="0">
+                <a:spAutoFit/>
+              </a:bodyPr>
+              <a:lstStyle/>
+              <a:p>
+                <a:pPr/>
+                <a14:m>
+                  <m:oMathPara xmlns:m="http://schemas.openxmlformats.org/officeDocument/2006/math">
+                    <m:oMathParaPr>
+                      <m:jc m:val="centerGroup"/>
+                    </m:oMathParaPr>
+                    <m:oMath xmlns:m="http://schemas.openxmlformats.org/officeDocument/2006/math">
+                      <m:sSub>
+                        <m:sSubPr>
+                          <m:ctrlPr>
+                            <a:rPr kumimoji="1" lang="en-US" altLang="ja-JP" i="1" smtClean="0">
+                              <a:solidFill>
+                                <a:srgbClr val="FF0000"/>
+                              </a:solidFill>
+                              <a:latin typeface="Cambria Math" panose="02040503050406030204" pitchFamily="18" charset="0"/>
+                              <a:ea typeface="Cambria Math" panose="02040503050406030204" pitchFamily="18" charset="0"/>
+                            </a:rPr>
+                          </m:ctrlPr>
+                        </m:sSubPr>
+                        <m:e>
+                          <m:r>
+                            <a:rPr kumimoji="1" lang="en-US" altLang="ja-JP" b="0" i="1" smtClean="0">
+                              <a:solidFill>
+                                <a:srgbClr val="FF0000"/>
+                              </a:solidFill>
+                              <a:latin typeface="Cambria Math" panose="02040503050406030204" pitchFamily="18" charset="0"/>
+                              <a:ea typeface="Cambria Math" panose="02040503050406030204" pitchFamily="18" charset="0"/>
+                            </a:rPr>
+                            <m:t>𝑅</m:t>
+                          </m:r>
+                        </m:e>
+                        <m:sub>
+                          <m:r>
+                            <a:rPr kumimoji="1" lang="en-US" altLang="ja-JP" b="0" i="1" smtClean="0">
+                              <a:solidFill>
+                                <a:srgbClr val="FF0000"/>
+                              </a:solidFill>
+                              <a:latin typeface="Cambria Math" panose="02040503050406030204" pitchFamily="18" charset="0"/>
+                              <a:ea typeface="Cambria Math" panose="02040503050406030204" pitchFamily="18" charset="0"/>
+                            </a:rPr>
+                            <m:t>𝑥</m:t>
+                          </m:r>
+                        </m:sub>
+                      </m:sSub>
+                      <m:r>
+                        <a:rPr kumimoji="1" lang="en-US" altLang="ja-JP" i="1" smtClean="0">
+                          <a:solidFill>
+                            <a:srgbClr val="FF0000"/>
+                          </a:solidFill>
+                          <a:latin typeface="Cambria Math" panose="02040503050406030204" pitchFamily="18" charset="0"/>
+                          <a:ea typeface="Cambria Math" panose="02040503050406030204" pitchFamily="18" charset="0"/>
+                        </a:rPr>
+                        <m:t>=</m:t>
+                      </m:r>
+                      <m:f>
+                        <m:fPr>
+                          <m:ctrlPr>
+                            <a:rPr kumimoji="1" lang="en-US" altLang="ja-JP" b="0" i="1" smtClean="0">
+                              <a:solidFill>
+                                <a:srgbClr val="FF0000"/>
+                              </a:solidFill>
+                              <a:latin typeface="Cambria Math" panose="02040503050406030204" pitchFamily="18" charset="0"/>
+                              <a:ea typeface="Cambria Math" panose="02040503050406030204" pitchFamily="18" charset="0"/>
+                            </a:rPr>
+                          </m:ctrlPr>
+                        </m:fPr>
+                        <m:num>
+                          <m:r>
+                            <a:rPr kumimoji="1" lang="en-US" altLang="ja-JP" b="0" i="1" smtClean="0">
+                              <a:solidFill>
+                                <a:srgbClr val="FF0000"/>
+                              </a:solidFill>
+                              <a:latin typeface="Cambria Math" panose="02040503050406030204" pitchFamily="18" charset="0"/>
+                              <a:ea typeface="Cambria Math" panose="02040503050406030204" pitchFamily="18" charset="0"/>
+                            </a:rPr>
+                            <m:t>1</m:t>
+                          </m:r>
+                        </m:num>
+                        <m:den>
+                          <m:f>
+                            <m:fPr>
+                              <m:ctrlPr>
+                                <a:rPr kumimoji="1" lang="en-US" altLang="ja-JP" b="0" i="1" smtClean="0">
+                                  <a:solidFill>
+                                    <a:srgbClr val="FF0000"/>
+                                  </a:solidFill>
+                                  <a:latin typeface="Cambria Math" panose="02040503050406030204" pitchFamily="18" charset="0"/>
+                                  <a:ea typeface="Cambria Math" panose="02040503050406030204" pitchFamily="18" charset="0"/>
+                                </a:rPr>
+                              </m:ctrlPr>
+                            </m:fPr>
+                            <m:num>
+                              <m:r>
+                                <a:rPr kumimoji="1" lang="en-US" altLang="ja-JP" b="0" i="1" smtClean="0">
+                                  <a:solidFill>
+                                    <a:srgbClr val="FF0000"/>
+                                  </a:solidFill>
+                                  <a:latin typeface="Cambria Math" panose="02040503050406030204" pitchFamily="18" charset="0"/>
+                                  <a:ea typeface="Cambria Math" panose="02040503050406030204" pitchFamily="18" charset="0"/>
+                                </a:rPr>
+                                <m:t>2</m:t>
+                              </m:r>
+                              <m:r>
+                                <a:rPr kumimoji="1" lang="en-US" altLang="ja-JP" b="0" i="1" smtClean="0">
+                                  <a:solidFill>
+                                    <a:srgbClr val="FF0000"/>
+                                  </a:solidFill>
+                                  <a:latin typeface="Cambria Math" panose="02040503050406030204" pitchFamily="18" charset="0"/>
+                                  <a:ea typeface="Cambria Math" panose="02040503050406030204" pitchFamily="18" charset="0"/>
+                                </a:rPr>
+                                <m:t>1</m:t>
+                              </m:r>
+                            </m:num>
+                            <m:den>
+                              <m:r>
+                                <a:rPr kumimoji="1" lang="en-US" altLang="ja-JP" b="0" i="1" smtClean="0">
+                                  <a:solidFill>
+                                    <a:srgbClr val="FF0000"/>
+                                  </a:solidFill>
+                                  <a:latin typeface="Cambria Math" panose="02040503050406030204" pitchFamily="18" charset="0"/>
+                                  <a:ea typeface="Cambria Math" panose="02040503050406030204" pitchFamily="18" charset="0"/>
+                                </a:rPr>
+                                <m:t>20</m:t>
+                              </m:r>
+                            </m:den>
+                          </m:f>
+                        </m:den>
+                      </m:f>
+                    </m:oMath>
+                  </m:oMathPara>
+                </a14:m>
+                <a:endParaRPr kumimoji="1" lang="ja-JP" altLang="en-US" dirty="0">
+                  <a:solidFill>
+                    <a:srgbClr val="FF0000"/>
+                  </a:solidFill>
+                </a:endParaRPr>
+              </a:p>
+            </p:txBody>
+          </p:sp>
+        </mc:Choice>
+        <mc:Fallback>
+          <p:sp>
+            <p:nvSpPr>
+              <p:cNvPr id="23" name="テキスト ボックス 22">
+                <a:extLst>
+                  <a:ext uri="{FF2B5EF4-FFF2-40B4-BE49-F238E27FC236}">
+                    <a16:creationId xmlns:a16="http://schemas.microsoft.com/office/drawing/2014/main" id="{261028AB-7968-51C1-1863-B6E9DFA2AD0E}"/>
+                  </a:ext>
+                </a:extLst>
+              </p:cNvPr>
+              <p:cNvSpPr txBox="1">
+                <a:spLocks noRot="1" noChangeAspect="1" noMove="1" noResize="1" noEditPoints="1" noAdjustHandles="1" noChangeArrowheads="1" noChangeShapeType="1" noTextEdit="1"/>
+              </p:cNvSpPr>
+              <p:nvPr/>
+            </p:nvSpPr>
+            <p:spPr>
+              <a:xfrm>
+                <a:off x="8129242" y="5618572"/>
+                <a:ext cx="1088247" cy="836255"/>
+              </a:xfrm>
+              <a:prstGeom prst="rect">
+                <a:avLst/>
+              </a:prstGeom>
+              <a:blipFill>
+                <a:blip r:embed="rId10"/>
+                <a:stretch>
+                  <a:fillRect/>
+                </a:stretch>
+              </a:blipFill>
+            </p:spPr>
+            <p:txBody>
+              <a:bodyPr/>
+              <a:lstStyle/>
+              <a:p>
+                <a:r>
+                  <a:rPr lang="ja-JP" altLang="en-US">
+                    <a:noFill/>
+                  </a:rPr>
+                  <a:t> </a:t>
+                </a:r>
+              </a:p>
+            </p:txBody>
+          </p:sp>
+        </mc:Fallback>
+      </mc:AlternateContent>
+      <mc:AlternateContent xmlns:mc="http://schemas.openxmlformats.org/markup-compatibility/2006">
+        <mc:Choice xmlns:a14="http://schemas.microsoft.com/office/drawing/2010/main" Requires="a14">
+          <p:sp>
+            <p:nvSpPr>
+              <p:cNvPr id="26" name="テキスト ボックス 25">
+                <a:extLst>
+                  <a:ext uri="{FF2B5EF4-FFF2-40B4-BE49-F238E27FC236}">
+                    <a16:creationId xmlns:a16="http://schemas.microsoft.com/office/drawing/2014/main" id="{D8F436E0-1A7A-213B-F0A9-8618044CDBCA}"/>
+                  </a:ext>
+                </a:extLst>
+              </p:cNvPr>
+              <p:cNvSpPr txBox="1"/>
+              <p:nvPr/>
+            </p:nvSpPr>
+            <p:spPr>
+              <a:xfrm>
+                <a:off x="9199284" y="5629727"/>
+                <a:ext cx="1260730" cy="610936"/>
+              </a:xfrm>
+              <a:prstGeom prst="rect">
+                <a:avLst/>
+              </a:prstGeom>
+              <a:noFill/>
+            </p:spPr>
+            <p:txBody>
+              <a:bodyPr wrap="none" rtlCol="0">
+                <a:spAutoFit/>
+              </a:bodyPr>
+              <a:lstStyle/>
+              <a:p>
+                <a:pPr/>
+                <a14:m>
+                  <m:oMathPara xmlns:m="http://schemas.openxmlformats.org/officeDocument/2006/math">
+                    <m:oMathParaPr>
+                      <m:jc m:val="centerGroup"/>
+                    </m:oMathParaPr>
+                    <m:oMath xmlns:m="http://schemas.openxmlformats.org/officeDocument/2006/math">
+                      <m:sSub>
+                        <m:sSubPr>
+                          <m:ctrlPr>
+                            <a:rPr kumimoji="1" lang="en-US" altLang="ja-JP" i="1" smtClean="0">
+                              <a:solidFill>
+                                <a:srgbClr val="FF0000"/>
+                              </a:solidFill>
+                              <a:latin typeface="Cambria Math" panose="02040503050406030204" pitchFamily="18" charset="0"/>
+                              <a:ea typeface="Cambria Math" panose="02040503050406030204" pitchFamily="18" charset="0"/>
+                            </a:rPr>
+                          </m:ctrlPr>
+                        </m:sSubPr>
+                        <m:e>
+                          <m:r>
+                            <a:rPr kumimoji="1" lang="en-US" altLang="ja-JP" b="0" i="1" smtClean="0">
+                              <a:solidFill>
+                                <a:srgbClr val="FF0000"/>
+                              </a:solidFill>
+                              <a:latin typeface="Cambria Math" panose="02040503050406030204" pitchFamily="18" charset="0"/>
+                              <a:ea typeface="Cambria Math" panose="02040503050406030204" pitchFamily="18" charset="0"/>
+                            </a:rPr>
+                            <m:t>𝑅</m:t>
+                          </m:r>
+                        </m:e>
+                        <m:sub>
+                          <m:r>
+                            <a:rPr kumimoji="1" lang="en-US" altLang="ja-JP" b="0" i="1" smtClean="0">
+                              <a:solidFill>
+                                <a:srgbClr val="FF0000"/>
+                              </a:solidFill>
+                              <a:latin typeface="Cambria Math" panose="02040503050406030204" pitchFamily="18" charset="0"/>
+                              <a:ea typeface="Cambria Math" panose="02040503050406030204" pitchFamily="18" charset="0"/>
+                            </a:rPr>
+                            <m:t>𝑥</m:t>
+                          </m:r>
+                        </m:sub>
+                      </m:sSub>
+                      <m:r>
+                        <a:rPr kumimoji="1" lang="en-US" altLang="ja-JP" i="1" smtClean="0">
+                          <a:solidFill>
+                            <a:srgbClr val="FF0000"/>
+                          </a:solidFill>
+                          <a:latin typeface="Cambria Math" panose="02040503050406030204" pitchFamily="18" charset="0"/>
+                          <a:ea typeface="Cambria Math" panose="02040503050406030204" pitchFamily="18" charset="0"/>
+                        </a:rPr>
+                        <m:t>=</m:t>
+                      </m:r>
+                      <m:f>
+                        <m:fPr>
+                          <m:ctrlPr>
+                            <a:rPr kumimoji="1" lang="en-US" altLang="ja-JP" b="0" i="1" smtClean="0">
+                              <a:solidFill>
+                                <a:srgbClr val="FF0000"/>
+                              </a:solidFill>
+                              <a:latin typeface="Cambria Math" panose="02040503050406030204" pitchFamily="18" charset="0"/>
+                              <a:ea typeface="Cambria Math" panose="02040503050406030204" pitchFamily="18" charset="0"/>
+                            </a:rPr>
+                          </m:ctrlPr>
+                        </m:fPr>
+                        <m:num>
+                          <m:r>
+                            <a:rPr kumimoji="1" lang="en-US" altLang="ja-JP" b="0" i="1" smtClean="0">
+                              <a:solidFill>
+                                <a:srgbClr val="FF0000"/>
+                              </a:solidFill>
+                              <a:latin typeface="Cambria Math" panose="02040503050406030204" pitchFamily="18" charset="0"/>
+                              <a:ea typeface="Cambria Math" panose="02040503050406030204" pitchFamily="18" charset="0"/>
+                            </a:rPr>
+                            <m:t>20</m:t>
+                          </m:r>
+                        </m:num>
+                        <m:den>
+                          <m:r>
+                            <a:rPr kumimoji="1" lang="en-US" altLang="ja-JP" b="0" i="1" smtClean="0">
+                              <a:solidFill>
+                                <a:srgbClr val="FF0000"/>
+                              </a:solidFill>
+                              <a:latin typeface="Cambria Math" panose="02040503050406030204" pitchFamily="18" charset="0"/>
+                              <a:ea typeface="Cambria Math" panose="02040503050406030204" pitchFamily="18" charset="0"/>
+                            </a:rPr>
+                            <m:t>21</m:t>
+                          </m:r>
+                        </m:den>
+                      </m:f>
+                      <m:r>
+                        <m:rPr>
+                          <m:sty m:val="p"/>
+                        </m:rPr>
+                        <a:rPr lang="en-US" altLang="ja-JP" i="1">
+                          <a:solidFill>
+                            <a:srgbClr val="FF0000"/>
+                          </a:solidFill>
+                          <a:latin typeface="Cambria Math" panose="02040503050406030204" pitchFamily="18" charset="0"/>
+                          <a:ea typeface="Cambria Math" panose="02040503050406030204" pitchFamily="18" charset="0"/>
+                        </a:rPr>
+                        <m:t>Ω</m:t>
+                      </m:r>
+                    </m:oMath>
+                  </m:oMathPara>
+                </a14:m>
+                <a:endParaRPr kumimoji="1" lang="ja-JP" altLang="en-US" dirty="0">
+                  <a:solidFill>
+                    <a:srgbClr val="FF0000"/>
+                  </a:solidFill>
+                </a:endParaRPr>
+              </a:p>
+            </p:txBody>
+          </p:sp>
+        </mc:Choice>
+        <mc:Fallback>
+          <p:sp>
+            <p:nvSpPr>
+              <p:cNvPr id="26" name="テキスト ボックス 25">
+                <a:extLst>
+                  <a:ext uri="{FF2B5EF4-FFF2-40B4-BE49-F238E27FC236}">
+                    <a16:creationId xmlns:a16="http://schemas.microsoft.com/office/drawing/2014/main" id="{D8F436E0-1A7A-213B-F0A9-8618044CDBCA}"/>
+                  </a:ext>
+                </a:extLst>
+              </p:cNvPr>
+              <p:cNvSpPr txBox="1">
+                <a:spLocks noRot="1" noChangeAspect="1" noMove="1" noResize="1" noEditPoints="1" noAdjustHandles="1" noChangeArrowheads="1" noChangeShapeType="1" noTextEdit="1"/>
+              </p:cNvSpPr>
+              <p:nvPr/>
+            </p:nvSpPr>
+            <p:spPr>
+              <a:xfrm>
+                <a:off x="9199284" y="5629727"/>
+                <a:ext cx="1260730" cy="610936"/>
+              </a:xfrm>
+              <a:prstGeom prst="rect">
+                <a:avLst/>
+              </a:prstGeom>
+              <a:blipFill>
+                <a:blip r:embed="rId11"/>
+                <a:stretch>
+                  <a:fillRect/>
+                </a:stretch>
+              </a:blipFill>
+            </p:spPr>
+            <p:txBody>
+              <a:bodyPr/>
+              <a:lstStyle/>
+              <a:p>
+                <a:r>
+                  <a:rPr lang="ja-JP" altLang="en-US">
+                    <a:noFill/>
+                  </a:rPr>
+                  <a:t> </a:t>
+                </a:r>
+              </a:p>
+            </p:txBody>
+          </p:sp>
+        </mc:Fallback>
+      </mc:AlternateContent>
+    </p:spTree>
+    <p:extLst>
+      <p:ext uri="{BB962C8B-B14F-4D97-AF65-F5344CB8AC3E}">
+        <p14:creationId xmlns:p14="http://schemas.microsoft.com/office/powerpoint/2010/main" val="3370012524"/>
+      </p:ext>
+    </p:extLst>
+  </p:cSld>
+  <p:clrMapOvr>
+    <a:masterClrMapping/>
+  </p:clrMapOvr>
+</p:sld>
+</file>
+
+<file path=ppt/slides/slide11.xml><?xml version="1.0" encoding="utf-8"?>
+<p:sld xmlns:a="http://schemas.openxmlformats.org/drawingml/2006/main" xmlns:r="http://schemas.openxmlformats.org/officeDocument/2006/relationships" xmlns:p="http://schemas.openxmlformats.org/presentationml/2006/main">
+  <p:cSld>
+    <p:spTree>
+      <p:nvGrpSpPr>
+        <p:cNvPr id="1" name=""/>
+        <p:cNvGrpSpPr/>
+        <p:nvPr/>
+      </p:nvGrpSpPr>
+      <p:grpSpPr>
+        <a:xfrm>
+          <a:off x="0" y="0"/>
+          <a:ext cx="0" cy="0"/>
+          <a:chOff x="0" y="0"/>
+          <a:chExt cx="0" cy="0"/>
+        </a:xfrm>
+      </p:grpSpPr>
+      <p:sp>
+        <p:nvSpPr>
+          <p:cNvPr id="4" name="正方形/長方形 3">
+            <a:extLst>
+              <a:ext uri="{FF2B5EF4-FFF2-40B4-BE49-F238E27FC236}">
+                <a16:creationId xmlns:a16="http://schemas.microsoft.com/office/drawing/2014/main" id="{67A440F3-030B-8B4C-8C3D-A360D2BBFF34}"/>
+              </a:ext>
+            </a:extLst>
+          </p:cNvPr>
+          <p:cNvSpPr/>
+          <p:nvPr/>
+        </p:nvSpPr>
+        <p:spPr>
+          <a:xfrm rot="21438279">
+            <a:off x="1820956" y="2197100"/>
+            <a:ext cx="2946400" cy="3556000"/>
+          </a:xfrm>
+          <a:prstGeom prst="rect">
+            <a:avLst/>
+          </a:prstGeom>
+          <a:scene3d>
+            <a:camera prst="orthographicFront">
+              <a:rot lat="2400000" lon="18600000" rev="19199999"/>
+            </a:camera>
+            <a:lightRig rig="threePt" dir="t"/>
+          </a:scene3d>
+        </p:spPr>
+        <p:style>
+          <a:lnRef idx="2">
+            <a:schemeClr val="dk1"/>
+          </a:lnRef>
+          <a:fillRef idx="1">
+            <a:schemeClr val="lt1"/>
+          </a:fillRef>
+          <a:effectRef idx="0">
+            <a:schemeClr val="dk1"/>
+          </a:effectRef>
+          <a:fontRef idx="minor">
+            <a:schemeClr val="dk1"/>
+          </a:fontRef>
+        </p:style>
+        <p:txBody>
+          <a:bodyPr rtlCol="0" anchor="ctr"/>
+          <a:lstStyle/>
+          <a:p>
+            <a:pPr algn="ctr"/>
+            <a:endParaRPr kumimoji="1" lang="ja-JP" altLang="en-US"/>
+          </a:p>
+        </p:txBody>
+      </p:sp>
+      <p:cxnSp>
+        <p:nvCxnSpPr>
+          <p:cNvPr id="6" name="直線コネクタ 5">
+            <a:extLst>
+              <a:ext uri="{FF2B5EF4-FFF2-40B4-BE49-F238E27FC236}">
+                <a16:creationId xmlns:a16="http://schemas.microsoft.com/office/drawing/2014/main" id="{4BB95332-8655-10F1-B75F-B2A8EB8ECEB3}"/>
+              </a:ext>
+            </a:extLst>
+          </p:cNvPr>
+          <p:cNvCxnSpPr/>
+          <p:nvPr/>
+        </p:nvCxnSpPr>
+        <p:spPr>
+          <a:xfrm>
+            <a:off x="2146300" y="2819400"/>
+            <a:ext cx="0" cy="1041400"/>
+          </a:xfrm>
+          <a:prstGeom prst="line">
+            <a:avLst/>
+          </a:prstGeom>
+        </p:spPr>
+        <p:style>
+          <a:lnRef idx="1">
+            <a:schemeClr val="dk1"/>
+          </a:lnRef>
+          <a:fillRef idx="0">
+            <a:schemeClr val="dk1"/>
+          </a:fillRef>
+          <a:effectRef idx="0">
+            <a:schemeClr val="dk1"/>
+          </a:effectRef>
+          <a:fontRef idx="minor">
+            <a:schemeClr val="tx1"/>
+          </a:fontRef>
+        </p:style>
+      </p:cxnSp>
+      <p:cxnSp>
+        <p:nvCxnSpPr>
+          <p:cNvPr id="7" name="直線コネクタ 6">
+            <a:extLst>
+              <a:ext uri="{FF2B5EF4-FFF2-40B4-BE49-F238E27FC236}">
+                <a16:creationId xmlns:a16="http://schemas.microsoft.com/office/drawing/2014/main" id="{3237C825-ED8D-5096-329E-A5F0D8909BCB}"/>
+              </a:ext>
+            </a:extLst>
+          </p:cNvPr>
+          <p:cNvCxnSpPr>
+            <a:cxnSpLocks/>
+          </p:cNvCxnSpPr>
+          <p:nvPr/>
+        </p:nvCxnSpPr>
+        <p:spPr>
+          <a:xfrm flipH="1">
+            <a:off x="2146300" y="1892300"/>
+            <a:ext cx="774700" cy="927100"/>
+          </a:xfrm>
+          <a:prstGeom prst="line">
+            <a:avLst/>
+          </a:prstGeom>
+        </p:spPr>
+        <p:style>
+          <a:lnRef idx="1">
+            <a:schemeClr val="dk1"/>
+          </a:lnRef>
+          <a:fillRef idx="0">
+            <a:schemeClr val="dk1"/>
+          </a:fillRef>
+          <a:effectRef idx="0">
+            <a:schemeClr val="dk1"/>
+          </a:effectRef>
+          <a:fontRef idx="minor">
+            <a:schemeClr val="tx1"/>
+          </a:fontRef>
+        </p:style>
+      </p:cxnSp>
+      <p:cxnSp>
+        <p:nvCxnSpPr>
+          <p:cNvPr id="10" name="直線コネクタ 9">
+            <a:extLst>
+              <a:ext uri="{FF2B5EF4-FFF2-40B4-BE49-F238E27FC236}">
+                <a16:creationId xmlns:a16="http://schemas.microsoft.com/office/drawing/2014/main" id="{FCF9A36C-C580-B160-F8DA-FC928E6BCADB}"/>
+              </a:ext>
+            </a:extLst>
+          </p:cNvPr>
+          <p:cNvCxnSpPr>
+            <a:cxnSpLocks/>
+          </p:cNvCxnSpPr>
+          <p:nvPr/>
+        </p:nvCxnSpPr>
+        <p:spPr>
+          <a:xfrm flipH="1">
+            <a:off x="2921000" y="1892300"/>
+            <a:ext cx="825500" cy="0"/>
+          </a:xfrm>
+          <a:prstGeom prst="line">
+            <a:avLst/>
+          </a:prstGeom>
+        </p:spPr>
+        <p:style>
+          <a:lnRef idx="1">
+            <a:schemeClr val="dk1"/>
+          </a:lnRef>
+          <a:fillRef idx="0">
+            <a:schemeClr val="dk1"/>
+          </a:fillRef>
+          <a:effectRef idx="0">
+            <a:schemeClr val="dk1"/>
+          </a:effectRef>
+          <a:fontRef idx="minor">
+            <a:schemeClr val="tx1"/>
+          </a:fontRef>
+        </p:style>
+      </p:cxnSp>
+      <p:cxnSp>
+        <p:nvCxnSpPr>
+          <p:cNvPr id="17" name="直線コネクタ 16">
+            <a:extLst>
+              <a:ext uri="{FF2B5EF4-FFF2-40B4-BE49-F238E27FC236}">
+                <a16:creationId xmlns:a16="http://schemas.microsoft.com/office/drawing/2014/main" id="{81019DD8-B229-84F0-3987-E40B5EF7BB2B}"/>
+              </a:ext>
+            </a:extLst>
+          </p:cNvPr>
+          <p:cNvCxnSpPr>
+            <a:cxnSpLocks/>
+          </p:cNvCxnSpPr>
+          <p:nvPr/>
+        </p:nvCxnSpPr>
+        <p:spPr>
+          <a:xfrm flipH="1" flipV="1">
+            <a:off x="3746500" y="1892300"/>
+            <a:ext cx="533400" cy="463550"/>
+          </a:xfrm>
+          <a:prstGeom prst="line">
+            <a:avLst/>
+          </a:prstGeom>
+        </p:spPr>
+        <p:style>
+          <a:lnRef idx="1">
+            <a:schemeClr val="dk1"/>
+          </a:lnRef>
+          <a:fillRef idx="0">
+            <a:schemeClr val="dk1"/>
+          </a:fillRef>
+          <a:effectRef idx="0">
+            <a:schemeClr val="dk1"/>
+          </a:effectRef>
+          <a:fontRef idx="minor">
+            <a:schemeClr val="tx1"/>
+          </a:fontRef>
+        </p:style>
+      </p:cxnSp>
+      <p:cxnSp>
+        <p:nvCxnSpPr>
+          <p:cNvPr id="19" name="直線コネクタ 18">
+            <a:extLst>
+              <a:ext uri="{FF2B5EF4-FFF2-40B4-BE49-F238E27FC236}">
+                <a16:creationId xmlns:a16="http://schemas.microsoft.com/office/drawing/2014/main" id="{FD4D9526-D217-491D-B7FD-E32F76CEB6FA}"/>
+              </a:ext>
+            </a:extLst>
+          </p:cNvPr>
+          <p:cNvCxnSpPr>
+            <a:cxnSpLocks/>
+          </p:cNvCxnSpPr>
+          <p:nvPr/>
+        </p:nvCxnSpPr>
+        <p:spPr>
+          <a:xfrm flipH="1">
+            <a:off x="4279900" y="2355850"/>
+            <a:ext cx="1073150" cy="0"/>
+          </a:xfrm>
+          <a:prstGeom prst="line">
+            <a:avLst/>
+          </a:prstGeom>
+        </p:spPr>
+        <p:style>
+          <a:lnRef idx="1">
+            <a:schemeClr val="dk1"/>
+          </a:lnRef>
+          <a:fillRef idx="0">
+            <a:schemeClr val="dk1"/>
+          </a:fillRef>
+          <a:effectRef idx="0">
+            <a:schemeClr val="dk1"/>
+          </a:effectRef>
+          <a:fontRef idx="minor">
+            <a:schemeClr val="tx1"/>
+          </a:fontRef>
+        </p:style>
+      </p:cxnSp>
+      <p:cxnSp>
+        <p:nvCxnSpPr>
+          <p:cNvPr id="24" name="直線コネクタ 23">
+            <a:extLst>
+              <a:ext uri="{FF2B5EF4-FFF2-40B4-BE49-F238E27FC236}">
+                <a16:creationId xmlns:a16="http://schemas.microsoft.com/office/drawing/2014/main" id="{EB95898B-16DC-41E8-E080-26EDB941A1B3}"/>
+              </a:ext>
+            </a:extLst>
+          </p:cNvPr>
+          <p:cNvCxnSpPr>
+            <a:cxnSpLocks/>
+          </p:cNvCxnSpPr>
+          <p:nvPr/>
+        </p:nvCxnSpPr>
+        <p:spPr>
+          <a:xfrm flipH="1">
+            <a:off x="4432300" y="2355850"/>
+            <a:ext cx="942182" cy="1168001"/>
+          </a:xfrm>
+          <a:prstGeom prst="line">
+            <a:avLst/>
+          </a:prstGeom>
+        </p:spPr>
+        <p:style>
+          <a:lnRef idx="1">
+            <a:schemeClr val="dk1"/>
+          </a:lnRef>
+          <a:fillRef idx="0">
+            <a:schemeClr val="dk1"/>
+          </a:fillRef>
+          <a:effectRef idx="0">
+            <a:schemeClr val="dk1"/>
+          </a:effectRef>
+          <a:fontRef idx="minor">
+            <a:schemeClr val="tx1"/>
+          </a:fontRef>
+        </p:style>
+      </p:cxnSp>
+      <p:cxnSp>
+        <p:nvCxnSpPr>
+          <p:cNvPr id="28" name="直線コネクタ 27">
+            <a:extLst>
+              <a:ext uri="{FF2B5EF4-FFF2-40B4-BE49-F238E27FC236}">
+                <a16:creationId xmlns:a16="http://schemas.microsoft.com/office/drawing/2014/main" id="{9DE7FBEB-BAB4-6554-AFEF-003E82FE2256}"/>
+              </a:ext>
+            </a:extLst>
+          </p:cNvPr>
+          <p:cNvCxnSpPr>
+            <a:cxnSpLocks/>
+          </p:cNvCxnSpPr>
+          <p:nvPr/>
+        </p:nvCxnSpPr>
+        <p:spPr>
+          <a:xfrm flipH="1">
+            <a:off x="4279900" y="3523851"/>
+            <a:ext cx="152400" cy="747890"/>
+          </a:xfrm>
+          <a:prstGeom prst="line">
+            <a:avLst/>
+          </a:prstGeom>
+        </p:spPr>
+        <p:style>
+          <a:lnRef idx="1">
+            <a:schemeClr val="dk1"/>
+          </a:lnRef>
+          <a:fillRef idx="0">
+            <a:schemeClr val="dk1"/>
+          </a:fillRef>
+          <a:effectRef idx="0">
+            <a:schemeClr val="dk1"/>
+          </a:effectRef>
+          <a:fontRef idx="minor">
+            <a:schemeClr val="tx1"/>
+          </a:fontRef>
+        </p:style>
+      </p:cxnSp>
+      <p:sp>
+        <p:nvSpPr>
+          <p:cNvPr id="31" name="テキスト ボックス 30">
+            <a:extLst>
+              <a:ext uri="{FF2B5EF4-FFF2-40B4-BE49-F238E27FC236}">
+                <a16:creationId xmlns:a16="http://schemas.microsoft.com/office/drawing/2014/main" id="{EE3B00ED-DEF2-EC93-924D-8D83FACE988F}"/>
+              </a:ext>
+            </a:extLst>
+          </p:cNvPr>
+          <p:cNvSpPr txBox="1"/>
+          <p:nvPr/>
+        </p:nvSpPr>
+        <p:spPr>
+          <a:xfrm>
+            <a:off x="1644650" y="3131520"/>
+            <a:ext cx="357664" cy="646331"/>
+          </a:xfrm>
+          <a:prstGeom prst="rect">
+            <a:avLst/>
+          </a:prstGeom>
+          <a:noFill/>
+        </p:spPr>
+        <p:txBody>
+          <a:bodyPr wrap="square" rtlCol="0">
+            <a:spAutoFit/>
+          </a:bodyPr>
+          <a:lstStyle/>
+          <a:p>
+            <a:r>
+              <a:rPr lang="en-US" altLang="ja-JP" dirty="0"/>
+              <a:t>V</a:t>
+            </a:r>
+          </a:p>
+          <a:p>
+            <a:endParaRPr lang="en-US" altLang="ja-JP" dirty="0"/>
+          </a:p>
+        </p:txBody>
+      </p:sp>
+      <mc:AlternateContent xmlns:mc="http://schemas.openxmlformats.org/markup-compatibility/2006">
+        <mc:Choice xmlns:a14="http://schemas.microsoft.com/office/drawing/2010/main" Requires="a14">
+          <p:sp>
+            <p:nvSpPr>
+              <p:cNvPr id="32" name="テキスト ボックス 31">
+                <a:extLst>
+                  <a:ext uri="{FF2B5EF4-FFF2-40B4-BE49-F238E27FC236}">
+                    <a16:creationId xmlns:a16="http://schemas.microsoft.com/office/drawing/2014/main" id="{E1B573E3-EC64-7541-69A5-BE37A8D514C7}"/>
+                  </a:ext>
+                </a:extLst>
+              </p:cNvPr>
+              <p:cNvSpPr txBox="1"/>
+              <p:nvPr/>
+            </p:nvSpPr>
+            <p:spPr>
+              <a:xfrm>
+                <a:off x="3910521" y="1698182"/>
+                <a:ext cx="905954" cy="276999"/>
+              </a:xfrm>
+              <a:prstGeom prst="rect">
+                <a:avLst/>
+              </a:prstGeom>
+              <a:noFill/>
+            </p:spPr>
+            <p:txBody>
+              <a:bodyPr wrap="none" lIns="0" tIns="0" rIns="0" bIns="0" rtlCol="0">
+                <a:spAutoFit/>
+              </a:bodyPr>
+              <a:lstStyle/>
+              <a:p>
+                <a:pPr/>
+                <a14:m>
+                  <m:oMathPara xmlns:m="http://schemas.openxmlformats.org/officeDocument/2006/math">
+                    <m:oMathParaPr>
+                      <m:jc m:val="centerGroup"/>
+                    </m:oMathParaPr>
+                    <m:oMath xmlns:m="http://schemas.openxmlformats.org/officeDocument/2006/math">
+                      <m:sSub>
+                        <m:sSubPr>
+                          <m:ctrlPr>
+                            <a:rPr kumimoji="1" lang="en-US" altLang="ja-JP" i="1" smtClean="0">
+                              <a:latin typeface="Cambria Math" panose="02040503050406030204" pitchFamily="18" charset="0"/>
+                            </a:rPr>
+                          </m:ctrlPr>
+                        </m:sSubPr>
+                        <m:e>
+                          <m:r>
+                            <a:rPr kumimoji="1" lang="en-US" altLang="ja-JP" b="0" i="1" smtClean="0">
+                              <a:latin typeface="Cambria Math" panose="02040503050406030204" pitchFamily="18" charset="0"/>
+                            </a:rPr>
+                            <m:t>𝑅</m:t>
+                          </m:r>
+                        </m:e>
+                        <m:sub>
+                          <m:r>
+                            <a:rPr kumimoji="1" lang="en-US" altLang="ja-JP" b="0" i="1" smtClean="0">
+                              <a:latin typeface="Cambria Math" panose="02040503050406030204" pitchFamily="18" charset="0"/>
+                            </a:rPr>
+                            <m:t>1</m:t>
+                          </m:r>
+                        </m:sub>
+                      </m:sSub>
+                      <m:r>
+                        <a:rPr kumimoji="1" lang="en-US" altLang="ja-JP" b="0" i="1" smtClean="0">
+                          <a:latin typeface="Cambria Math" panose="02040503050406030204" pitchFamily="18" charset="0"/>
+                        </a:rPr>
+                        <m:t>=1</m:t>
+                      </m:r>
+                      <m:r>
+                        <m:rPr>
+                          <m:sty m:val="p"/>
+                        </m:rPr>
+                        <a:rPr lang="en-US" altLang="ja-JP" i="1">
+                          <a:latin typeface="Cambria Math" panose="02040503050406030204" pitchFamily="18" charset="0"/>
+                        </a:rPr>
+                        <m:t>Ω</m:t>
+                      </m:r>
+                    </m:oMath>
+                  </m:oMathPara>
+                </a14:m>
+                <a:endParaRPr kumimoji="1" lang="ja-JP" altLang="en-US" dirty="0"/>
+              </a:p>
+            </p:txBody>
+          </p:sp>
+        </mc:Choice>
+        <mc:Fallback>
+          <p:sp>
+            <p:nvSpPr>
+              <p:cNvPr id="32" name="テキスト ボックス 31">
+                <a:extLst>
+                  <a:ext uri="{FF2B5EF4-FFF2-40B4-BE49-F238E27FC236}">
+                    <a16:creationId xmlns:a16="http://schemas.microsoft.com/office/drawing/2014/main" id="{E1B573E3-EC64-7541-69A5-BE37A8D514C7}"/>
+                  </a:ext>
+                </a:extLst>
+              </p:cNvPr>
+              <p:cNvSpPr txBox="1">
+                <a:spLocks noRot="1" noChangeAspect="1" noMove="1" noResize="1" noEditPoints="1" noAdjustHandles="1" noChangeArrowheads="1" noChangeShapeType="1" noTextEdit="1"/>
+              </p:cNvSpPr>
+              <p:nvPr/>
+            </p:nvSpPr>
+            <p:spPr>
+              <a:xfrm>
+                <a:off x="3910521" y="1698182"/>
+                <a:ext cx="905954" cy="276999"/>
+              </a:xfrm>
+              <a:prstGeom prst="rect">
+                <a:avLst/>
+              </a:prstGeom>
+              <a:blipFill>
+                <a:blip r:embed="rId2"/>
+                <a:stretch>
+                  <a:fillRect l="-4027" r="-4698" b="-15556"/>
+                </a:stretch>
+              </a:blipFill>
+            </p:spPr>
+            <p:txBody>
+              <a:bodyPr/>
+              <a:lstStyle/>
+              <a:p>
+                <a:r>
+                  <a:rPr lang="ja-JP" altLang="en-US">
+                    <a:noFill/>
+                  </a:rPr>
+                  <a:t> </a:t>
+                </a:r>
+              </a:p>
+            </p:txBody>
+          </p:sp>
+        </mc:Fallback>
+      </mc:AlternateContent>
+      <p:cxnSp>
+        <p:nvCxnSpPr>
+          <p:cNvPr id="35" name="直線矢印コネクタ 34">
+            <a:extLst>
+              <a:ext uri="{FF2B5EF4-FFF2-40B4-BE49-F238E27FC236}">
+                <a16:creationId xmlns:a16="http://schemas.microsoft.com/office/drawing/2014/main" id="{333683FF-FF82-A2DF-5C29-FE4713D159BE}"/>
+              </a:ext>
+            </a:extLst>
+          </p:cNvPr>
+          <p:cNvCxnSpPr>
+            <a:cxnSpLocks/>
+          </p:cNvCxnSpPr>
+          <p:nvPr/>
+        </p:nvCxnSpPr>
+        <p:spPr>
+          <a:xfrm flipH="1">
+            <a:off x="4865501" y="2551761"/>
+            <a:ext cx="471385" cy="627850"/>
+          </a:xfrm>
+          <a:prstGeom prst="straightConnector1">
+            <a:avLst/>
+          </a:prstGeom>
+          <a:ln>
+            <a:tailEnd type="triangle"/>
+          </a:ln>
+        </p:spPr>
+        <p:style>
+          <a:lnRef idx="1">
+            <a:schemeClr val="dk1"/>
+          </a:lnRef>
+          <a:fillRef idx="0">
+            <a:schemeClr val="dk1"/>
+          </a:fillRef>
+          <a:effectRef idx="0">
+            <a:schemeClr val="dk1"/>
+          </a:effectRef>
+          <a:fontRef idx="minor">
+            <a:schemeClr val="tx1"/>
+          </a:fontRef>
+        </p:style>
+      </p:cxnSp>
+      <mc:AlternateContent xmlns:mc="http://schemas.openxmlformats.org/markup-compatibility/2006">
+        <mc:Choice xmlns:a14="http://schemas.microsoft.com/office/drawing/2010/main" Requires="a14">
+          <p:sp>
+            <p:nvSpPr>
+              <p:cNvPr id="36" name="テキスト ボックス 35">
+                <a:extLst>
+                  <a:ext uri="{FF2B5EF4-FFF2-40B4-BE49-F238E27FC236}">
+                    <a16:creationId xmlns:a16="http://schemas.microsoft.com/office/drawing/2014/main" id="{D7BA17BC-36F5-833D-42E3-8C3C1C35BDF5}"/>
+                  </a:ext>
+                </a:extLst>
+              </p:cNvPr>
+              <p:cNvSpPr txBox="1"/>
+              <p:nvPr/>
+            </p:nvSpPr>
+            <p:spPr>
+              <a:xfrm>
+                <a:off x="5336886" y="2542401"/>
+                <a:ext cx="825419" cy="276999"/>
+              </a:xfrm>
+              <a:prstGeom prst="rect">
+                <a:avLst/>
+              </a:prstGeom>
+              <a:noFill/>
+            </p:spPr>
+            <p:txBody>
+              <a:bodyPr wrap="none" lIns="0" tIns="0" rIns="0" bIns="0" rtlCol="0">
+                <a:spAutoFit/>
+              </a:bodyPr>
+              <a:lstStyle/>
+              <a:p>
+                <a:pPr/>
+                <a14:m>
+                  <m:oMathPara xmlns:m="http://schemas.openxmlformats.org/officeDocument/2006/math">
+                    <m:oMathParaPr>
+                      <m:jc m:val="centerGroup"/>
+                    </m:oMathParaPr>
+                    <m:oMath xmlns:m="http://schemas.openxmlformats.org/officeDocument/2006/math">
+                      <m:sSub>
+                        <m:sSubPr>
+                          <m:ctrlPr>
+                            <a:rPr kumimoji="1" lang="en-US" altLang="ja-JP" i="1" smtClean="0">
+                              <a:latin typeface="Cambria Math" panose="02040503050406030204" pitchFamily="18" charset="0"/>
+                            </a:rPr>
+                          </m:ctrlPr>
+                        </m:sSubPr>
+                        <m:e>
+                          <m:r>
+                            <a:rPr kumimoji="1" lang="en-US" altLang="ja-JP" b="0" i="1" smtClean="0">
+                              <a:latin typeface="Cambria Math" panose="02040503050406030204" pitchFamily="18" charset="0"/>
+                            </a:rPr>
+                            <m:t>𝐼</m:t>
+                          </m:r>
+                        </m:e>
+                        <m:sub>
+                          <m:r>
+                            <a:rPr kumimoji="1" lang="en-US" altLang="ja-JP" b="0" i="1" smtClean="0">
+                              <a:latin typeface="Cambria Math" panose="02040503050406030204" pitchFamily="18" charset="0"/>
+                            </a:rPr>
+                            <m:t>2</m:t>
+                          </m:r>
+                        </m:sub>
+                      </m:sSub>
+                      <m:r>
+                        <a:rPr kumimoji="1" lang="en-US" altLang="ja-JP" b="0" i="1" smtClean="0">
+                          <a:latin typeface="Cambria Math" panose="02040503050406030204" pitchFamily="18" charset="0"/>
+                        </a:rPr>
+                        <m:t>=5</m:t>
+                      </m:r>
+                      <m:r>
+                        <a:rPr kumimoji="1" lang="en-US" altLang="ja-JP" b="0" i="1" smtClean="0">
+                          <a:latin typeface="Cambria Math" panose="02040503050406030204" pitchFamily="18" charset="0"/>
+                        </a:rPr>
+                        <m:t>𝐴</m:t>
+                      </m:r>
+                    </m:oMath>
+                  </m:oMathPara>
+                </a14:m>
+                <a:endParaRPr kumimoji="1" lang="ja-JP" altLang="en-US" dirty="0"/>
+              </a:p>
+            </p:txBody>
+          </p:sp>
+        </mc:Choice>
+        <mc:Fallback>
+          <p:sp>
+            <p:nvSpPr>
+              <p:cNvPr id="36" name="テキスト ボックス 35">
+                <a:extLst>
+                  <a:ext uri="{FF2B5EF4-FFF2-40B4-BE49-F238E27FC236}">
+                    <a16:creationId xmlns:a16="http://schemas.microsoft.com/office/drawing/2014/main" id="{D7BA17BC-36F5-833D-42E3-8C3C1C35BDF5}"/>
+                  </a:ext>
+                </a:extLst>
+              </p:cNvPr>
+              <p:cNvSpPr txBox="1">
+                <a:spLocks noRot="1" noChangeAspect="1" noMove="1" noResize="1" noEditPoints="1" noAdjustHandles="1" noChangeArrowheads="1" noChangeShapeType="1" noTextEdit="1"/>
+              </p:cNvSpPr>
+              <p:nvPr/>
+            </p:nvSpPr>
+            <p:spPr>
+              <a:xfrm>
+                <a:off x="5336886" y="2542401"/>
+                <a:ext cx="825419" cy="276999"/>
+              </a:xfrm>
+              <a:prstGeom prst="rect">
+                <a:avLst/>
+              </a:prstGeom>
+              <a:blipFill>
+                <a:blip r:embed="rId3"/>
+                <a:stretch>
+                  <a:fillRect l="-5147" r="-5147" b="-15217"/>
+                </a:stretch>
+              </a:blipFill>
+            </p:spPr>
+            <p:txBody>
+              <a:bodyPr/>
+              <a:lstStyle/>
+              <a:p>
+                <a:r>
+                  <a:rPr lang="ja-JP" altLang="en-US">
+                    <a:noFill/>
+                  </a:rPr>
+                  <a:t> </a:t>
+                </a:r>
+              </a:p>
+            </p:txBody>
+          </p:sp>
+        </mc:Fallback>
+      </mc:AlternateContent>
+      <p:cxnSp>
+        <p:nvCxnSpPr>
+          <p:cNvPr id="39" name="直線矢印コネクタ 38">
+            <a:extLst>
+              <a:ext uri="{FF2B5EF4-FFF2-40B4-BE49-F238E27FC236}">
+                <a16:creationId xmlns:a16="http://schemas.microsoft.com/office/drawing/2014/main" id="{61DB9BF5-D6DD-4543-A2DB-5990CA4F2723}"/>
+              </a:ext>
+            </a:extLst>
+          </p:cNvPr>
+          <p:cNvCxnSpPr>
+            <a:cxnSpLocks/>
+          </p:cNvCxnSpPr>
+          <p:nvPr/>
+        </p:nvCxnSpPr>
+        <p:spPr>
+          <a:xfrm>
+            <a:off x="4173080" y="3523851"/>
+            <a:ext cx="0" cy="758520"/>
+          </a:xfrm>
+          <a:prstGeom prst="straightConnector1">
+            <a:avLst/>
+          </a:prstGeom>
+          <a:ln>
+            <a:headEnd type="triangle"/>
+            <a:tailEnd type="triangle"/>
+          </a:ln>
+        </p:spPr>
+        <p:style>
+          <a:lnRef idx="1">
+            <a:schemeClr val="dk1"/>
+          </a:lnRef>
+          <a:fillRef idx="0">
+            <a:schemeClr val="dk1"/>
+          </a:fillRef>
+          <a:effectRef idx="0">
+            <a:schemeClr val="dk1"/>
+          </a:effectRef>
+          <a:fontRef idx="minor">
+            <a:schemeClr val="tx1"/>
+          </a:fontRef>
+        </p:style>
+      </p:cxnSp>
+      <mc:AlternateContent xmlns:mc="http://schemas.openxmlformats.org/markup-compatibility/2006">
+        <mc:Choice xmlns:a14="http://schemas.microsoft.com/office/drawing/2010/main" Requires="a14">
+          <p:sp>
+            <p:nvSpPr>
+              <p:cNvPr id="41" name="テキスト ボックス 40">
+                <a:extLst>
+                  <a:ext uri="{FF2B5EF4-FFF2-40B4-BE49-F238E27FC236}">
+                    <a16:creationId xmlns:a16="http://schemas.microsoft.com/office/drawing/2014/main" id="{28CA9854-55AA-77DC-9986-389C19AD0A4F}"/>
+                  </a:ext>
+                </a:extLst>
+              </p:cNvPr>
+              <p:cNvSpPr txBox="1"/>
+              <p:nvPr/>
+            </p:nvSpPr>
+            <p:spPr>
+              <a:xfrm>
+                <a:off x="3138641" y="3860800"/>
+                <a:ext cx="1054969" cy="276999"/>
+              </a:xfrm>
+              <a:prstGeom prst="rect">
+                <a:avLst/>
+              </a:prstGeom>
+              <a:noFill/>
+            </p:spPr>
+            <p:txBody>
+              <a:bodyPr wrap="none" lIns="0" tIns="0" rIns="0" bIns="0" rtlCol="0">
+                <a:spAutoFit/>
+              </a:bodyPr>
+              <a:lstStyle/>
+              <a:p>
+                <a:pPr/>
+                <a14:m>
+                  <m:oMathPara xmlns:m="http://schemas.openxmlformats.org/officeDocument/2006/math">
+                    <m:oMathParaPr>
+                      <m:jc m:val="centerGroup"/>
+                    </m:oMathParaPr>
+                    <m:oMath xmlns:m="http://schemas.openxmlformats.org/officeDocument/2006/math">
+                      <m:r>
+                        <a:rPr kumimoji="1" lang="en-US" altLang="ja-JP" b="0" i="1" smtClean="0">
+                          <a:latin typeface="Cambria Math" panose="02040503050406030204" pitchFamily="18" charset="0"/>
+                        </a:rPr>
+                        <m:t>𝑉</m:t>
+                      </m:r>
+                      <m:r>
+                        <a:rPr kumimoji="1" lang="en-US" altLang="ja-JP" b="0" i="1" smtClean="0">
+                          <a:latin typeface="Cambria Math" panose="02040503050406030204" pitchFamily="18" charset="0"/>
+                        </a:rPr>
+                        <m:t>=100</m:t>
+                      </m:r>
+                      <m:r>
+                        <a:rPr kumimoji="1" lang="en-US" altLang="ja-JP" b="0" i="1" smtClean="0">
+                          <a:latin typeface="Cambria Math" panose="02040503050406030204" pitchFamily="18" charset="0"/>
+                        </a:rPr>
+                        <m:t>𝑉</m:t>
+                      </m:r>
+                    </m:oMath>
+                  </m:oMathPara>
+                </a14:m>
+                <a:endParaRPr kumimoji="1" lang="ja-JP" altLang="en-US" dirty="0"/>
+              </a:p>
+            </p:txBody>
+          </p:sp>
+        </mc:Choice>
+        <mc:Fallback>
+          <p:sp>
+            <p:nvSpPr>
+              <p:cNvPr id="41" name="テキスト ボックス 40">
+                <a:extLst>
+                  <a:ext uri="{FF2B5EF4-FFF2-40B4-BE49-F238E27FC236}">
+                    <a16:creationId xmlns:a16="http://schemas.microsoft.com/office/drawing/2014/main" id="{28CA9854-55AA-77DC-9986-389C19AD0A4F}"/>
+                  </a:ext>
+                </a:extLst>
+              </p:cNvPr>
+              <p:cNvSpPr txBox="1">
+                <a:spLocks noRot="1" noChangeAspect="1" noMove="1" noResize="1" noEditPoints="1" noAdjustHandles="1" noChangeArrowheads="1" noChangeShapeType="1" noTextEdit="1"/>
+              </p:cNvSpPr>
+              <p:nvPr/>
+            </p:nvSpPr>
+            <p:spPr>
+              <a:xfrm>
+                <a:off x="3138641" y="3860800"/>
+                <a:ext cx="1054969" cy="276999"/>
+              </a:xfrm>
+              <a:prstGeom prst="rect">
+                <a:avLst/>
+              </a:prstGeom>
+              <a:blipFill>
+                <a:blip r:embed="rId4"/>
+                <a:stretch>
+                  <a:fillRect l="-4624" r="-4046" b="-6522"/>
+                </a:stretch>
+              </a:blipFill>
+            </p:spPr>
+            <p:txBody>
+              <a:bodyPr/>
+              <a:lstStyle/>
+              <a:p>
+                <a:r>
+                  <a:rPr lang="ja-JP" altLang="en-US">
+                    <a:noFill/>
+                  </a:rPr>
+                  <a:t> </a:t>
+                </a:r>
+              </a:p>
+            </p:txBody>
+          </p:sp>
+        </mc:Fallback>
+      </mc:AlternateContent>
+      <mc:AlternateContent xmlns:mc="http://schemas.openxmlformats.org/markup-compatibility/2006">
+        <mc:Choice xmlns:a14="http://schemas.microsoft.com/office/drawing/2010/main" Requires="a14">
+          <p:sp>
+            <p:nvSpPr>
+              <p:cNvPr id="11" name="テキスト ボックス 10">
+                <a:extLst>
+                  <a:ext uri="{FF2B5EF4-FFF2-40B4-BE49-F238E27FC236}">
+                    <a16:creationId xmlns:a16="http://schemas.microsoft.com/office/drawing/2014/main" id="{E7853F9F-8E82-DB6B-735F-414603EDD1E1}"/>
+                  </a:ext>
+                </a:extLst>
+              </p:cNvPr>
+              <p:cNvSpPr txBox="1"/>
+              <p:nvPr/>
+            </p:nvSpPr>
+            <p:spPr>
+              <a:xfrm>
+                <a:off x="461019" y="420235"/>
+                <a:ext cx="2723823" cy="374333"/>
+              </a:xfrm>
+              <a:prstGeom prst="rect">
+                <a:avLst/>
+              </a:prstGeom>
+              <a:noFill/>
+            </p:spPr>
+            <p:txBody>
+              <a:bodyPr wrap="none" rtlCol="0">
+                <a:spAutoFit/>
+              </a:bodyPr>
+              <a:lstStyle/>
+              <a:p>
+                <a14:m>
+                  <m:oMath xmlns:m="http://schemas.openxmlformats.org/officeDocument/2006/math">
+                    <m:r>
+                      <a:rPr lang="ja-JP" altLang="en-US" i="1" dirty="0" smtClean="0">
+                        <a:solidFill>
+                          <a:schemeClr val="tx1"/>
+                        </a:solidFill>
+                        <a:latin typeface="Cambria Math" panose="02040503050406030204" pitchFamily="18" charset="0"/>
+                      </a:rPr>
+                      <m:t>テブナンの定理</m:t>
+                    </m:r>
+                    <m:r>
+                      <a:rPr kumimoji="1" lang="ja-JP" altLang="en-US" i="1" dirty="0" smtClean="0">
+                        <a:solidFill>
+                          <a:schemeClr val="tx1"/>
+                        </a:solidFill>
+                        <a:latin typeface="Cambria Math" panose="02040503050406030204" pitchFamily="18" charset="0"/>
+                      </a:rPr>
+                      <m:t>を</m:t>
+                    </m:r>
+                  </m:oMath>
+                </a14:m>
+                <a:r>
+                  <a:rPr kumimoji="1" lang="ja-JP" altLang="en-US" dirty="0">
+                    <a:solidFill>
+                      <a:schemeClr val="tx1"/>
+                    </a:solidFill>
+                  </a:rPr>
+                  <a:t>用いる</a:t>
+                </a:r>
+              </a:p>
+            </p:txBody>
+          </p:sp>
+        </mc:Choice>
+        <mc:Fallback>
+          <p:sp>
+            <p:nvSpPr>
+              <p:cNvPr id="11" name="テキスト ボックス 10">
+                <a:extLst>
+                  <a:ext uri="{FF2B5EF4-FFF2-40B4-BE49-F238E27FC236}">
+                    <a16:creationId xmlns:a16="http://schemas.microsoft.com/office/drawing/2014/main" id="{E7853F9F-8E82-DB6B-735F-414603EDD1E1}"/>
+                  </a:ext>
+                </a:extLst>
+              </p:cNvPr>
+              <p:cNvSpPr txBox="1">
+                <a:spLocks noRot="1" noChangeAspect="1" noMove="1" noResize="1" noEditPoints="1" noAdjustHandles="1" noChangeArrowheads="1" noChangeShapeType="1" noTextEdit="1"/>
+              </p:cNvSpPr>
+              <p:nvPr/>
+            </p:nvSpPr>
+            <p:spPr>
+              <a:xfrm>
+                <a:off x="461019" y="420235"/>
+                <a:ext cx="2723823" cy="374333"/>
+              </a:xfrm>
+              <a:prstGeom prst="rect">
+                <a:avLst/>
+              </a:prstGeom>
+              <a:blipFill>
+                <a:blip r:embed="rId5"/>
+                <a:stretch>
+                  <a:fillRect l="-897" t="-6557" r="-1345" b="-27869"/>
+                </a:stretch>
+              </a:blipFill>
+            </p:spPr>
+            <p:txBody>
+              <a:bodyPr/>
+              <a:lstStyle/>
+              <a:p>
+                <a:r>
+                  <a:rPr lang="ja-JP" altLang="en-US">
+                    <a:noFill/>
+                  </a:rPr>
+                  <a:t> </a:t>
+                </a:r>
+              </a:p>
+            </p:txBody>
+          </p:sp>
+        </mc:Fallback>
+      </mc:AlternateContent>
+      <mc:AlternateContent xmlns:mc="http://schemas.openxmlformats.org/markup-compatibility/2006">
+        <mc:Choice xmlns:a14="http://schemas.microsoft.com/office/drawing/2010/main" Requires="a14">
+          <p:sp>
+            <p:nvSpPr>
+              <p:cNvPr id="15" name="テキスト ボックス 14">
+                <a:extLst>
+                  <a:ext uri="{FF2B5EF4-FFF2-40B4-BE49-F238E27FC236}">
+                    <a16:creationId xmlns:a16="http://schemas.microsoft.com/office/drawing/2014/main" id="{C49D95DB-49BC-A84B-46B5-C9D7ADD83A62}"/>
+                  </a:ext>
+                </a:extLst>
+              </p:cNvPr>
+              <p:cNvSpPr txBox="1"/>
+              <p:nvPr/>
+            </p:nvSpPr>
+            <p:spPr>
+              <a:xfrm>
+                <a:off x="3202884" y="4137799"/>
+                <a:ext cx="1031501" cy="276999"/>
+              </a:xfrm>
+              <a:prstGeom prst="rect">
+                <a:avLst/>
+              </a:prstGeom>
+              <a:noFill/>
+            </p:spPr>
+            <p:txBody>
+              <a:bodyPr wrap="none" lIns="0" tIns="0" rIns="0" bIns="0" rtlCol="0">
+                <a:spAutoFit/>
+              </a:bodyPr>
+              <a:lstStyle/>
+              <a:p>
+                <a:pPr/>
+                <a14:m>
+                  <m:oMathPara xmlns:m="http://schemas.openxmlformats.org/officeDocument/2006/math">
+                    <m:oMathParaPr>
+                      <m:jc m:val="centerGroup"/>
+                    </m:oMathParaPr>
+                    <m:oMath xmlns:m="http://schemas.openxmlformats.org/officeDocument/2006/math">
+                      <m:sSub>
+                        <m:sSubPr>
+                          <m:ctrlPr>
+                            <a:rPr kumimoji="1" lang="en-US" altLang="ja-JP" i="1" smtClean="0">
+                              <a:solidFill>
+                                <a:schemeClr val="tx1"/>
+                              </a:solidFill>
+                              <a:latin typeface="Cambria Math" panose="02040503050406030204" pitchFamily="18" charset="0"/>
+                            </a:rPr>
+                          </m:ctrlPr>
+                        </m:sSubPr>
+                        <m:e>
+                          <m:r>
+                            <a:rPr kumimoji="1" lang="en-US" altLang="ja-JP" b="0" i="1" smtClean="0">
+                              <a:solidFill>
+                                <a:schemeClr val="tx1"/>
+                              </a:solidFill>
+                              <a:latin typeface="Cambria Math" panose="02040503050406030204" pitchFamily="18" charset="0"/>
+                            </a:rPr>
+                            <m:t>𝑅</m:t>
+                          </m:r>
+                        </m:e>
+                        <m:sub>
+                          <m:r>
+                            <a:rPr kumimoji="1" lang="en-US" altLang="ja-JP" b="0" i="1" smtClean="0">
+                              <a:solidFill>
+                                <a:schemeClr val="tx1"/>
+                              </a:solidFill>
+                              <a:latin typeface="Cambria Math" panose="02040503050406030204" pitchFamily="18" charset="0"/>
+                            </a:rPr>
+                            <m:t>2</m:t>
+                          </m:r>
+                        </m:sub>
+                      </m:sSub>
+                      <m:r>
+                        <a:rPr kumimoji="1" lang="en-US" altLang="ja-JP" b="0" i="1" smtClean="0">
+                          <a:solidFill>
+                            <a:schemeClr val="tx1"/>
+                          </a:solidFill>
+                          <a:latin typeface="Cambria Math" panose="02040503050406030204" pitchFamily="18" charset="0"/>
+                        </a:rPr>
+                        <m:t>=20</m:t>
+                      </m:r>
+                      <m:r>
+                        <m:rPr>
+                          <m:sty m:val="p"/>
+                        </m:rPr>
+                        <a:rPr lang="en-US" altLang="ja-JP" i="1">
+                          <a:solidFill>
+                            <a:schemeClr val="tx1"/>
+                          </a:solidFill>
+                          <a:latin typeface="Cambria Math" panose="02040503050406030204" pitchFamily="18" charset="0"/>
+                        </a:rPr>
+                        <m:t>Ω</m:t>
+                      </m:r>
+                    </m:oMath>
+                  </m:oMathPara>
+                </a14:m>
+                <a:endParaRPr kumimoji="1" lang="ja-JP" altLang="en-US" dirty="0">
+                  <a:solidFill>
+                    <a:schemeClr val="tx1"/>
+                  </a:solidFill>
+                </a:endParaRPr>
+              </a:p>
+            </p:txBody>
+          </p:sp>
+        </mc:Choice>
+        <mc:Fallback>
+          <p:sp>
+            <p:nvSpPr>
+              <p:cNvPr id="15" name="テキスト ボックス 14">
+                <a:extLst>
+                  <a:ext uri="{FF2B5EF4-FFF2-40B4-BE49-F238E27FC236}">
+                    <a16:creationId xmlns:a16="http://schemas.microsoft.com/office/drawing/2014/main" id="{C49D95DB-49BC-A84B-46B5-C9D7ADD83A62}"/>
+                  </a:ext>
+                </a:extLst>
+              </p:cNvPr>
+              <p:cNvSpPr txBox="1">
+                <a:spLocks noRot="1" noChangeAspect="1" noMove="1" noResize="1" noEditPoints="1" noAdjustHandles="1" noChangeArrowheads="1" noChangeShapeType="1" noTextEdit="1"/>
+              </p:cNvSpPr>
+              <p:nvPr/>
+            </p:nvSpPr>
+            <p:spPr>
+              <a:xfrm>
+                <a:off x="3202884" y="4137799"/>
+                <a:ext cx="1031501" cy="276999"/>
+              </a:xfrm>
+              <a:prstGeom prst="rect">
+                <a:avLst/>
+              </a:prstGeom>
+              <a:blipFill>
+                <a:blip r:embed="rId6"/>
+                <a:stretch>
+                  <a:fillRect l="-4118" r="-4706" b="-15556"/>
+                </a:stretch>
+              </a:blipFill>
+            </p:spPr>
+            <p:txBody>
+              <a:bodyPr/>
+              <a:lstStyle/>
+              <a:p>
+                <a:r>
+                  <a:rPr lang="ja-JP" altLang="en-US">
+                    <a:noFill/>
+                  </a:rPr>
+                  <a:t> </a:t>
+                </a:r>
+              </a:p>
+            </p:txBody>
+          </p:sp>
+        </mc:Fallback>
+      </mc:AlternateContent>
+      <mc:AlternateContent xmlns:mc="http://schemas.openxmlformats.org/markup-compatibility/2006">
+        <mc:Choice xmlns:a14="http://schemas.microsoft.com/office/drawing/2010/main" Requires="a14">
+          <p:sp>
+            <p:nvSpPr>
+              <p:cNvPr id="2" name="テキスト ボックス 1">
+                <a:extLst>
+                  <a:ext uri="{FF2B5EF4-FFF2-40B4-BE49-F238E27FC236}">
+                    <a16:creationId xmlns:a16="http://schemas.microsoft.com/office/drawing/2014/main" id="{E7D101A4-6388-7371-EF61-41E3E6DEF829}"/>
+                  </a:ext>
+                </a:extLst>
+              </p:cNvPr>
+              <p:cNvSpPr txBox="1"/>
+              <p:nvPr/>
+            </p:nvSpPr>
+            <p:spPr>
+              <a:xfrm>
+                <a:off x="0" y="0"/>
+                <a:ext cx="1005403" cy="523220"/>
+              </a:xfrm>
+              <a:prstGeom prst="rect">
+                <a:avLst/>
+              </a:prstGeom>
+              <a:noFill/>
+            </p:spPr>
+            <p:txBody>
+              <a:bodyPr wrap="none" rtlCol="0">
+                <a:spAutoFit/>
+              </a:bodyPr>
+              <a:lstStyle/>
+              <a:p>
+                <a:pPr/>
+                <a14:m>
+                  <m:oMathPara xmlns:m="http://schemas.openxmlformats.org/officeDocument/2006/math">
+                    <m:oMathParaPr>
+                      <m:jc m:val="centerGroup"/>
+                    </m:oMathParaPr>
+                    <m:oMath xmlns:m="http://schemas.openxmlformats.org/officeDocument/2006/math">
+                      <m:r>
+                        <a:rPr lang="ja-JP" altLang="en-US" sz="2800" b="1" i="1">
+                          <a:solidFill>
+                            <a:srgbClr val="FF0000"/>
+                          </a:solidFill>
+                          <a:latin typeface="Cambria Math" panose="02040503050406030204" pitchFamily="18" charset="0"/>
+                        </a:rPr>
+                        <m:t>別解</m:t>
+                      </m:r>
+                    </m:oMath>
+                  </m:oMathPara>
+                </a14:m>
+                <a:endParaRPr kumimoji="1" lang="ja-JP" altLang="en-US" sz="2800" b="1" dirty="0">
+                  <a:solidFill>
+                    <a:srgbClr val="FF0000"/>
+                  </a:solidFill>
+                </a:endParaRPr>
+              </a:p>
+            </p:txBody>
+          </p:sp>
+        </mc:Choice>
+        <mc:Fallback>
+          <p:sp>
+            <p:nvSpPr>
+              <p:cNvPr id="2" name="テキスト ボックス 1">
+                <a:extLst>
+                  <a:ext uri="{FF2B5EF4-FFF2-40B4-BE49-F238E27FC236}">
+                    <a16:creationId xmlns:a16="http://schemas.microsoft.com/office/drawing/2014/main" id="{E7D101A4-6388-7371-EF61-41E3E6DEF829}"/>
+                  </a:ext>
+                </a:extLst>
+              </p:cNvPr>
+              <p:cNvSpPr txBox="1">
+                <a:spLocks noRot="1" noChangeAspect="1" noMove="1" noResize="1" noEditPoints="1" noAdjustHandles="1" noChangeArrowheads="1" noChangeShapeType="1" noTextEdit="1"/>
+              </p:cNvSpPr>
+              <p:nvPr/>
+            </p:nvSpPr>
+            <p:spPr>
+              <a:xfrm>
+                <a:off x="0" y="0"/>
+                <a:ext cx="1005403" cy="523220"/>
+              </a:xfrm>
+              <a:prstGeom prst="rect">
+                <a:avLst/>
+              </a:prstGeom>
+              <a:blipFill>
+                <a:blip r:embed="rId7"/>
+                <a:stretch>
+                  <a:fillRect/>
+                </a:stretch>
+              </a:blipFill>
+            </p:spPr>
+            <p:txBody>
+              <a:bodyPr/>
+              <a:lstStyle/>
+              <a:p>
+                <a:r>
+                  <a:rPr lang="ja-JP" altLang="en-US">
+                    <a:noFill/>
+                  </a:rPr>
+                  <a:t> </a:t>
+                </a:r>
+              </a:p>
+            </p:txBody>
+          </p:sp>
+        </mc:Fallback>
+      </mc:AlternateContent>
+      <p:pic>
+        <p:nvPicPr>
+          <p:cNvPr id="9" name="図 8">
+            <a:extLst>
+              <a:ext uri="{FF2B5EF4-FFF2-40B4-BE49-F238E27FC236}">
+                <a16:creationId xmlns:a16="http://schemas.microsoft.com/office/drawing/2014/main" id="{5020A6AB-2E8D-F8B9-D3D0-12FF72CF11BD}"/>
+              </a:ext>
+            </a:extLst>
+          </p:cNvPr>
+          <p:cNvPicPr>
+            <a:picLocks noChangeAspect="1"/>
+          </p:cNvPicPr>
+          <p:nvPr/>
+        </p:nvPicPr>
+        <p:blipFill>
+          <a:blip r:embed="rId8"/>
+          <a:stretch>
+            <a:fillRect/>
+          </a:stretch>
+        </p:blipFill>
+        <p:spPr>
+          <a:xfrm>
+            <a:off x="7442521" y="304763"/>
+            <a:ext cx="3200847" cy="2057687"/>
+          </a:xfrm>
+          <a:prstGeom prst="rect">
+            <a:avLst/>
+          </a:prstGeom>
+        </p:spPr>
+      </p:pic>
+      <p:cxnSp>
+        <p:nvCxnSpPr>
+          <p:cNvPr id="18" name="直線コネクタ 17">
+            <a:extLst>
+              <a:ext uri="{FF2B5EF4-FFF2-40B4-BE49-F238E27FC236}">
+                <a16:creationId xmlns:a16="http://schemas.microsoft.com/office/drawing/2014/main" id="{65FAC652-C9DC-AA85-C42E-814BE20FD62B}"/>
+              </a:ext>
+            </a:extLst>
+          </p:cNvPr>
+          <p:cNvCxnSpPr/>
+          <p:nvPr/>
+        </p:nvCxnSpPr>
+        <p:spPr>
+          <a:xfrm flipV="1">
+            <a:off x="9795021" y="453035"/>
+            <a:ext cx="551499" cy="344157"/>
+          </a:xfrm>
+          <a:prstGeom prst="line">
+            <a:avLst/>
+          </a:prstGeom>
+          <a:ln>
+            <a:solidFill>
+              <a:srgbClr val="FF0000"/>
+            </a:solidFill>
+          </a:ln>
+        </p:spPr>
+        <p:style>
+          <a:lnRef idx="1">
+            <a:schemeClr val="accent1"/>
+          </a:lnRef>
+          <a:fillRef idx="0">
+            <a:schemeClr val="accent1"/>
+          </a:fillRef>
+          <a:effectRef idx="0">
+            <a:schemeClr val="accent1"/>
+          </a:effectRef>
+          <a:fontRef idx="minor">
+            <a:schemeClr val="tx1"/>
+          </a:fontRef>
+        </p:style>
+      </p:cxnSp>
+      <p:cxnSp>
+        <p:nvCxnSpPr>
+          <p:cNvPr id="20" name="直線コネクタ 19">
+            <a:extLst>
+              <a:ext uri="{FF2B5EF4-FFF2-40B4-BE49-F238E27FC236}">
+                <a16:creationId xmlns:a16="http://schemas.microsoft.com/office/drawing/2014/main" id="{E06989B7-EDAD-7295-46CE-42B80E087E02}"/>
+              </a:ext>
+            </a:extLst>
+          </p:cNvPr>
+          <p:cNvCxnSpPr>
+            <a:cxnSpLocks/>
+          </p:cNvCxnSpPr>
+          <p:nvPr/>
+        </p:nvCxnSpPr>
+        <p:spPr>
+          <a:xfrm>
+            <a:off x="9795020" y="1938575"/>
+            <a:ext cx="551499" cy="213412"/>
+          </a:xfrm>
+          <a:prstGeom prst="line">
+            <a:avLst/>
+          </a:prstGeom>
+          <a:ln>
+            <a:solidFill>
+              <a:srgbClr val="FF0000"/>
+            </a:solidFill>
+          </a:ln>
+        </p:spPr>
+        <p:style>
+          <a:lnRef idx="1">
+            <a:schemeClr val="accent1"/>
+          </a:lnRef>
+          <a:fillRef idx="0">
+            <a:schemeClr val="accent1"/>
+          </a:fillRef>
+          <a:effectRef idx="0">
+            <a:schemeClr val="accent1"/>
+          </a:effectRef>
+          <a:fontRef idx="minor">
+            <a:schemeClr val="tx1"/>
+          </a:fontRef>
+        </p:style>
+      </p:cxnSp>
+      <p:cxnSp>
+        <p:nvCxnSpPr>
+          <p:cNvPr id="22" name="直線コネクタ 21">
+            <a:extLst>
+              <a:ext uri="{FF2B5EF4-FFF2-40B4-BE49-F238E27FC236}">
+                <a16:creationId xmlns:a16="http://schemas.microsoft.com/office/drawing/2014/main" id="{10B6EDBD-3549-1F37-F8C2-010A595094C5}"/>
+              </a:ext>
+            </a:extLst>
+          </p:cNvPr>
+          <p:cNvCxnSpPr>
+            <a:cxnSpLocks/>
+          </p:cNvCxnSpPr>
+          <p:nvPr/>
+        </p:nvCxnSpPr>
+        <p:spPr>
+          <a:xfrm>
+            <a:off x="5353050" y="2368837"/>
+            <a:ext cx="1174750" cy="0"/>
+          </a:xfrm>
+          <a:prstGeom prst="line">
+            <a:avLst/>
+          </a:prstGeom>
+          <a:ln>
+            <a:solidFill>
+              <a:srgbClr val="FF0000"/>
+            </a:solidFill>
+          </a:ln>
+        </p:spPr>
+        <p:style>
+          <a:lnRef idx="1">
+            <a:schemeClr val="accent1"/>
+          </a:lnRef>
+          <a:fillRef idx="0">
+            <a:schemeClr val="accent1"/>
+          </a:fillRef>
+          <a:effectRef idx="0">
+            <a:schemeClr val="accent1"/>
+          </a:effectRef>
+          <a:fontRef idx="minor">
+            <a:schemeClr val="tx1"/>
+          </a:fontRef>
+        </p:style>
+      </p:cxnSp>
+      <p:cxnSp>
+        <p:nvCxnSpPr>
+          <p:cNvPr id="25" name="直線コネクタ 24">
+            <a:extLst>
+              <a:ext uri="{FF2B5EF4-FFF2-40B4-BE49-F238E27FC236}">
+                <a16:creationId xmlns:a16="http://schemas.microsoft.com/office/drawing/2014/main" id="{2F6C25C3-0DB9-9464-71FD-51A41BB4DF34}"/>
+              </a:ext>
+            </a:extLst>
+          </p:cNvPr>
+          <p:cNvCxnSpPr>
+            <a:cxnSpLocks/>
+          </p:cNvCxnSpPr>
+          <p:nvPr/>
+        </p:nvCxnSpPr>
+        <p:spPr>
+          <a:xfrm>
+            <a:off x="3940882" y="4511306"/>
+            <a:ext cx="948618" cy="0"/>
+          </a:xfrm>
+          <a:prstGeom prst="line">
+            <a:avLst/>
+          </a:prstGeom>
+          <a:ln>
+            <a:solidFill>
+              <a:srgbClr val="FF0000"/>
+            </a:solidFill>
+          </a:ln>
+        </p:spPr>
+        <p:style>
+          <a:lnRef idx="1">
+            <a:schemeClr val="accent1"/>
+          </a:lnRef>
+          <a:fillRef idx="0">
+            <a:schemeClr val="accent1"/>
+          </a:fillRef>
+          <a:effectRef idx="0">
+            <a:schemeClr val="accent1"/>
+          </a:effectRef>
+          <a:fontRef idx="minor">
+            <a:schemeClr val="tx1"/>
+          </a:fontRef>
+        </p:style>
+      </p:cxnSp>
+      <p:cxnSp>
+        <p:nvCxnSpPr>
+          <p:cNvPr id="29" name="直線矢印コネクタ 28">
+            <a:extLst>
+              <a:ext uri="{FF2B5EF4-FFF2-40B4-BE49-F238E27FC236}">
+                <a16:creationId xmlns:a16="http://schemas.microsoft.com/office/drawing/2014/main" id="{F9F2E868-87C5-6A26-9F71-7876B3959A13}"/>
+              </a:ext>
+            </a:extLst>
+          </p:cNvPr>
+          <p:cNvCxnSpPr>
+            <a:cxnSpLocks/>
+          </p:cNvCxnSpPr>
+          <p:nvPr/>
+        </p:nvCxnSpPr>
+        <p:spPr>
+          <a:xfrm flipH="1">
+            <a:off x="4913581" y="2389694"/>
+            <a:ext cx="1588803" cy="2123902"/>
+          </a:xfrm>
+          <a:prstGeom prst="straightConnector1">
+            <a:avLst/>
+          </a:prstGeom>
+          <a:ln>
+            <a:solidFill>
+              <a:srgbClr val="FF0000"/>
+            </a:solidFill>
+            <a:headEnd type="triangle"/>
+            <a:tailEnd type="triangle"/>
+          </a:ln>
+        </p:spPr>
+        <p:style>
+          <a:lnRef idx="1">
+            <a:schemeClr val="dk1"/>
+          </a:lnRef>
+          <a:fillRef idx="0">
+            <a:schemeClr val="dk1"/>
+          </a:fillRef>
+          <a:effectRef idx="0">
+            <a:schemeClr val="dk1"/>
+          </a:effectRef>
+          <a:fontRef idx="minor">
+            <a:schemeClr val="tx1"/>
+          </a:fontRef>
+        </p:style>
+      </p:cxnSp>
+      <p:sp>
+        <p:nvSpPr>
+          <p:cNvPr id="42" name="テキスト ボックス 41">
+            <a:extLst>
+              <a:ext uri="{FF2B5EF4-FFF2-40B4-BE49-F238E27FC236}">
+                <a16:creationId xmlns:a16="http://schemas.microsoft.com/office/drawing/2014/main" id="{39B6CD13-7878-AEC6-0459-5C7F12A5F1C9}"/>
+              </a:ext>
+            </a:extLst>
+          </p:cNvPr>
+          <p:cNvSpPr txBox="1"/>
+          <p:nvPr/>
+        </p:nvSpPr>
+        <p:spPr>
+          <a:xfrm>
+            <a:off x="7440879" y="2452533"/>
+            <a:ext cx="312906" cy="369332"/>
+          </a:xfrm>
+          <a:prstGeom prst="rect">
+            <a:avLst/>
+          </a:prstGeom>
+          <a:noFill/>
+        </p:spPr>
+        <p:txBody>
+          <a:bodyPr wrap="none" rtlCol="0">
+            <a:spAutoFit/>
+          </a:bodyPr>
+          <a:lstStyle/>
+          <a:p>
+            <a:r>
+              <a:rPr lang="en-US" altLang="ja-JP" dirty="0"/>
+              <a:t>a</a:t>
+            </a:r>
+            <a:endParaRPr kumimoji="1" lang="ja-JP" altLang="en-US" dirty="0"/>
+          </a:p>
+        </p:txBody>
+      </p:sp>
+      <p:sp>
+        <p:nvSpPr>
+          <p:cNvPr id="43" name="テキスト ボックス 42">
+            <a:extLst>
+              <a:ext uri="{FF2B5EF4-FFF2-40B4-BE49-F238E27FC236}">
+                <a16:creationId xmlns:a16="http://schemas.microsoft.com/office/drawing/2014/main" id="{0C23FFDE-C09E-FF62-FC33-20D0AB71BB20}"/>
+              </a:ext>
+            </a:extLst>
+          </p:cNvPr>
+          <p:cNvSpPr txBox="1"/>
+          <p:nvPr/>
+        </p:nvSpPr>
+        <p:spPr>
+          <a:xfrm>
+            <a:off x="5877109" y="4675144"/>
+            <a:ext cx="319318" cy="369332"/>
+          </a:xfrm>
+          <a:prstGeom prst="rect">
+            <a:avLst/>
+          </a:prstGeom>
+          <a:noFill/>
+        </p:spPr>
+        <p:txBody>
+          <a:bodyPr wrap="none" rtlCol="0">
+            <a:spAutoFit/>
+          </a:bodyPr>
+          <a:lstStyle/>
+          <a:p>
+            <a:r>
+              <a:rPr lang="en-US" altLang="ja-JP" dirty="0"/>
+              <a:t>b</a:t>
+            </a:r>
+            <a:endParaRPr kumimoji="1" lang="ja-JP" altLang="en-US" dirty="0"/>
+          </a:p>
+        </p:txBody>
+      </p:sp>
+      <mc:AlternateContent xmlns:mc="http://schemas.openxmlformats.org/markup-compatibility/2006">
+        <mc:Choice xmlns:a14="http://schemas.microsoft.com/office/drawing/2010/main" Requires="a14">
+          <p:sp>
+            <p:nvSpPr>
+              <p:cNvPr id="44" name="テキスト ボックス 43">
+                <a:extLst>
+                  <a:ext uri="{FF2B5EF4-FFF2-40B4-BE49-F238E27FC236}">
+                    <a16:creationId xmlns:a16="http://schemas.microsoft.com/office/drawing/2014/main" id="{AE1ADDD0-BEF4-D33B-2B60-CE131CD38A30}"/>
+                  </a:ext>
+                </a:extLst>
+              </p:cNvPr>
+              <p:cNvSpPr txBox="1"/>
+              <p:nvPr/>
+            </p:nvSpPr>
+            <p:spPr>
+              <a:xfrm>
+                <a:off x="476824" y="765626"/>
+                <a:ext cx="4859472" cy="369332"/>
+              </a:xfrm>
+              <a:prstGeom prst="rect">
+                <a:avLst/>
+              </a:prstGeom>
+              <a:noFill/>
+            </p:spPr>
+            <p:txBody>
+              <a:bodyPr wrap="none" rtlCol="0">
+                <a:spAutoFit/>
+              </a:bodyPr>
+              <a:lstStyle/>
+              <a:p>
+                <a:r>
+                  <a:rPr lang="ja-JP" altLang="en-US" dirty="0">
+                    <a:solidFill>
+                      <a:schemeClr val="tx1"/>
+                    </a:solidFill>
+                  </a:rPr>
+                  <a:t>端子</a:t>
+                </a:r>
+                <a:r>
+                  <a:rPr lang="en-US" altLang="ja-JP" dirty="0">
+                    <a:solidFill>
+                      <a:schemeClr val="tx1"/>
+                    </a:solidFill>
+                  </a:rPr>
+                  <a:t>ab</a:t>
+                </a:r>
+                <a:r>
+                  <a:rPr lang="ja-JP" altLang="en-US" dirty="0">
+                    <a:solidFill>
+                      <a:schemeClr val="tx1"/>
+                    </a:solidFill>
+                  </a:rPr>
+                  <a:t>間を開放した時の合成抵抗</a:t>
+                </a:r>
+                <a14:m>
+                  <m:oMath xmlns:m="http://schemas.openxmlformats.org/officeDocument/2006/math">
+                    <m:sSub>
+                      <m:sSubPr>
+                        <m:ctrlPr>
+                          <a:rPr lang="en-US" altLang="ja-JP" i="1" smtClean="0">
+                            <a:solidFill>
+                              <a:schemeClr val="tx1"/>
+                            </a:solidFill>
+                            <a:latin typeface="Cambria Math" panose="02040503050406030204" pitchFamily="18" charset="0"/>
+                          </a:rPr>
+                        </m:ctrlPr>
+                      </m:sSubPr>
+                      <m:e>
+                        <m:r>
+                          <a:rPr lang="en-US" altLang="ja-JP" b="0" i="1" smtClean="0">
+                            <a:solidFill>
+                              <a:schemeClr val="tx1"/>
+                            </a:solidFill>
+                            <a:latin typeface="Cambria Math" panose="02040503050406030204" pitchFamily="18" charset="0"/>
+                          </a:rPr>
+                          <m:t>𝑅</m:t>
+                        </m:r>
+                      </m:e>
+                      <m:sub>
+                        <m:r>
+                          <a:rPr lang="en-US" altLang="ja-JP" b="0" i="1" smtClean="0">
+                            <a:solidFill>
+                              <a:schemeClr val="tx1"/>
+                            </a:solidFill>
+                            <a:latin typeface="Cambria Math" panose="02040503050406030204" pitchFamily="18" charset="0"/>
+                          </a:rPr>
+                          <m:t>𝑥</m:t>
+                        </m:r>
+                      </m:sub>
+                    </m:sSub>
+                    <m:r>
+                      <a:rPr kumimoji="1" lang="ja-JP" altLang="en-US" i="1">
+                        <a:solidFill>
+                          <a:schemeClr val="tx1"/>
+                        </a:solidFill>
+                        <a:latin typeface="Cambria Math" panose="02040503050406030204" pitchFamily="18" charset="0"/>
+                      </a:rPr>
+                      <m:t>を</m:t>
+                    </m:r>
+                  </m:oMath>
+                </a14:m>
+                <a:r>
+                  <a:rPr kumimoji="1" lang="ja-JP" altLang="en-US" dirty="0">
+                    <a:solidFill>
+                      <a:schemeClr val="tx1"/>
+                    </a:solidFill>
+                  </a:rPr>
+                  <a:t>求める</a:t>
+                </a:r>
+              </a:p>
+            </p:txBody>
+          </p:sp>
+        </mc:Choice>
+        <mc:Fallback>
+          <p:sp>
+            <p:nvSpPr>
+              <p:cNvPr id="44" name="テキスト ボックス 43">
+                <a:extLst>
+                  <a:ext uri="{FF2B5EF4-FFF2-40B4-BE49-F238E27FC236}">
+                    <a16:creationId xmlns:a16="http://schemas.microsoft.com/office/drawing/2014/main" id="{AE1ADDD0-BEF4-D33B-2B60-CE131CD38A30}"/>
+                  </a:ext>
+                </a:extLst>
+              </p:cNvPr>
+              <p:cNvSpPr txBox="1">
+                <a:spLocks noRot="1" noChangeAspect="1" noMove="1" noResize="1" noEditPoints="1" noAdjustHandles="1" noChangeArrowheads="1" noChangeShapeType="1" noTextEdit="1"/>
+              </p:cNvSpPr>
+              <p:nvPr/>
+            </p:nvSpPr>
+            <p:spPr>
+              <a:xfrm>
+                <a:off x="476824" y="765626"/>
+                <a:ext cx="4859472" cy="369332"/>
+              </a:xfrm>
+              <a:prstGeom prst="rect">
+                <a:avLst/>
+              </a:prstGeom>
+              <a:blipFill>
+                <a:blip r:embed="rId9"/>
+                <a:stretch>
+                  <a:fillRect l="-1004" t="-8333" r="-502" b="-28333"/>
+                </a:stretch>
+              </a:blipFill>
+            </p:spPr>
+            <p:txBody>
+              <a:bodyPr/>
+              <a:lstStyle/>
+              <a:p>
+                <a:r>
+                  <a:rPr lang="ja-JP" altLang="en-US">
+                    <a:noFill/>
+                  </a:rPr>
+                  <a:t> </a:t>
+                </a:r>
+              </a:p>
+            </p:txBody>
+          </p:sp>
+        </mc:Fallback>
+      </mc:AlternateContent>
+      <mc:AlternateContent xmlns:mc="http://schemas.openxmlformats.org/markup-compatibility/2006">
+        <mc:Choice xmlns:a14="http://schemas.microsoft.com/office/drawing/2010/main" Requires="a14">
+          <p:sp>
+            <p:nvSpPr>
+              <p:cNvPr id="47" name="テキスト ボックス 46">
+                <a:extLst>
+                  <a:ext uri="{FF2B5EF4-FFF2-40B4-BE49-F238E27FC236}">
+                    <a16:creationId xmlns:a16="http://schemas.microsoft.com/office/drawing/2014/main" id="{4E150C70-06A8-A0A8-31EB-3B307155A69A}"/>
+                  </a:ext>
+                </a:extLst>
+              </p:cNvPr>
+              <p:cNvSpPr txBox="1"/>
+              <p:nvPr/>
+            </p:nvSpPr>
+            <p:spPr>
+              <a:xfrm>
+                <a:off x="8129242" y="2465516"/>
+                <a:ext cx="1861920" cy="656205"/>
+              </a:xfrm>
+              <a:prstGeom prst="rect">
+                <a:avLst/>
+              </a:prstGeom>
+              <a:noFill/>
+            </p:spPr>
+            <p:txBody>
+              <a:bodyPr wrap="none" rtlCol="0">
+                <a:spAutoFit/>
+              </a:bodyPr>
+              <a:lstStyle/>
+              <a:p>
+                <a:pPr/>
+                <a14:m>
+                  <m:oMathPara xmlns:m="http://schemas.openxmlformats.org/officeDocument/2006/math">
+                    <m:oMathParaPr>
+                      <m:jc m:val="centerGroup"/>
+                    </m:oMathParaPr>
+                    <m:oMath xmlns:m="http://schemas.openxmlformats.org/officeDocument/2006/math">
+                      <m:sSub>
+                        <m:sSubPr>
+                          <m:ctrlPr>
+                            <a:rPr kumimoji="1" lang="en-US" altLang="ja-JP" i="1" smtClean="0">
+                              <a:solidFill>
+                                <a:srgbClr val="FF0000"/>
+                              </a:solidFill>
+                              <a:latin typeface="Cambria Math" panose="02040503050406030204" pitchFamily="18" charset="0"/>
+                            </a:rPr>
+                          </m:ctrlPr>
+                        </m:sSubPr>
+                        <m:e>
+                          <m:r>
+                            <a:rPr kumimoji="1" lang="en-US" altLang="ja-JP" b="0" i="1" smtClean="0">
+                              <a:solidFill>
+                                <a:srgbClr val="FF0000"/>
+                              </a:solidFill>
+                              <a:latin typeface="Cambria Math" panose="02040503050406030204" pitchFamily="18" charset="0"/>
+                            </a:rPr>
+                            <m:t>𝑉</m:t>
+                          </m:r>
+                        </m:e>
+                        <m:sub>
+                          <m:r>
+                            <a:rPr kumimoji="1" lang="en-US" altLang="ja-JP" b="0" i="1" smtClean="0">
+                              <a:solidFill>
+                                <a:srgbClr val="FF0000"/>
+                              </a:solidFill>
+                              <a:latin typeface="Cambria Math" panose="02040503050406030204" pitchFamily="18" charset="0"/>
+                            </a:rPr>
+                            <m:t>0</m:t>
+                          </m:r>
+                        </m:sub>
+                      </m:sSub>
+                      <m:r>
+                        <a:rPr kumimoji="1" lang="en-US" altLang="ja-JP" b="0" i="1" smtClean="0">
+                          <a:solidFill>
+                            <a:srgbClr val="FF0000"/>
+                          </a:solidFill>
+                          <a:latin typeface="Cambria Math" panose="02040503050406030204" pitchFamily="18" charset="0"/>
+                        </a:rPr>
+                        <m:t>=</m:t>
+                      </m:r>
+                      <m:f>
+                        <m:fPr>
+                          <m:ctrlPr>
+                            <a:rPr kumimoji="1" lang="en-US" altLang="ja-JP" b="0" i="1" smtClean="0">
+                              <a:solidFill>
+                                <a:srgbClr val="FF0000"/>
+                              </a:solidFill>
+                              <a:latin typeface="Cambria Math" panose="02040503050406030204" pitchFamily="18" charset="0"/>
+                            </a:rPr>
+                          </m:ctrlPr>
+                        </m:fPr>
+                        <m:num>
+                          <m:sSub>
+                            <m:sSubPr>
+                              <m:ctrlPr>
+                                <a:rPr kumimoji="1" lang="en-US" altLang="ja-JP" b="0" i="1" smtClean="0">
+                                  <a:solidFill>
+                                    <a:srgbClr val="FF0000"/>
+                                  </a:solidFill>
+                                  <a:latin typeface="Cambria Math" panose="02040503050406030204" pitchFamily="18" charset="0"/>
+                                </a:rPr>
+                              </m:ctrlPr>
+                            </m:sSubPr>
+                            <m:e>
+                              <m:r>
+                                <a:rPr kumimoji="1" lang="en-US" altLang="ja-JP" b="0" i="1" smtClean="0">
+                                  <a:solidFill>
+                                    <a:srgbClr val="FF0000"/>
+                                  </a:solidFill>
+                                  <a:latin typeface="Cambria Math" panose="02040503050406030204" pitchFamily="18" charset="0"/>
+                                </a:rPr>
+                                <m:t>𝑅</m:t>
+                              </m:r>
+                            </m:e>
+                            <m:sub>
+                              <m:r>
+                                <a:rPr kumimoji="1" lang="en-US" altLang="ja-JP" b="0" i="1" smtClean="0">
+                                  <a:solidFill>
+                                    <a:srgbClr val="FF0000"/>
+                                  </a:solidFill>
+                                  <a:latin typeface="Cambria Math" panose="02040503050406030204" pitchFamily="18" charset="0"/>
+                                </a:rPr>
+                                <m:t>2</m:t>
+                              </m:r>
+                            </m:sub>
+                          </m:sSub>
+                        </m:num>
+                        <m:den>
+                          <m:sSub>
+                            <m:sSubPr>
+                              <m:ctrlPr>
+                                <a:rPr kumimoji="1" lang="en-US" altLang="ja-JP" b="0" i="1" smtClean="0">
+                                  <a:solidFill>
+                                    <a:srgbClr val="FF0000"/>
+                                  </a:solidFill>
+                                  <a:latin typeface="Cambria Math" panose="02040503050406030204" pitchFamily="18" charset="0"/>
+                                </a:rPr>
+                              </m:ctrlPr>
+                            </m:sSubPr>
+                            <m:e>
+                              <m:r>
+                                <a:rPr kumimoji="1" lang="en-US" altLang="ja-JP" b="0" i="1" smtClean="0">
+                                  <a:solidFill>
+                                    <a:srgbClr val="FF0000"/>
+                                  </a:solidFill>
+                                  <a:latin typeface="Cambria Math" panose="02040503050406030204" pitchFamily="18" charset="0"/>
+                                </a:rPr>
+                                <m:t>𝑅</m:t>
+                              </m:r>
+                            </m:e>
+                            <m:sub>
+                              <m:r>
+                                <a:rPr kumimoji="1" lang="en-US" altLang="ja-JP" b="0" i="1" smtClean="0">
+                                  <a:solidFill>
+                                    <a:srgbClr val="FF0000"/>
+                                  </a:solidFill>
+                                  <a:latin typeface="Cambria Math" panose="02040503050406030204" pitchFamily="18" charset="0"/>
+                                </a:rPr>
+                                <m:t>1</m:t>
+                              </m:r>
+                            </m:sub>
+                          </m:sSub>
+                          <m:r>
+                            <a:rPr kumimoji="1" lang="en-US" altLang="ja-JP" b="0" i="1" smtClean="0">
+                              <a:solidFill>
+                                <a:srgbClr val="FF0000"/>
+                              </a:solidFill>
+                              <a:latin typeface="Cambria Math" panose="02040503050406030204" pitchFamily="18" charset="0"/>
+                            </a:rPr>
+                            <m:t>+</m:t>
+                          </m:r>
+                          <m:sSub>
+                            <m:sSubPr>
+                              <m:ctrlPr>
+                                <a:rPr kumimoji="1" lang="en-US" altLang="ja-JP" b="0" i="1" smtClean="0">
+                                  <a:solidFill>
+                                    <a:srgbClr val="FF0000"/>
+                                  </a:solidFill>
+                                  <a:latin typeface="Cambria Math" panose="02040503050406030204" pitchFamily="18" charset="0"/>
+                                </a:rPr>
+                              </m:ctrlPr>
+                            </m:sSubPr>
+                            <m:e>
+                              <m:r>
+                                <a:rPr kumimoji="1" lang="en-US" altLang="ja-JP" b="0" i="1" smtClean="0">
+                                  <a:solidFill>
+                                    <a:srgbClr val="FF0000"/>
+                                  </a:solidFill>
+                                  <a:latin typeface="Cambria Math" panose="02040503050406030204" pitchFamily="18" charset="0"/>
+                                </a:rPr>
+                                <m:t>𝑅</m:t>
+                              </m:r>
+                            </m:e>
+                            <m:sub>
+                              <m:r>
+                                <a:rPr kumimoji="1" lang="en-US" altLang="ja-JP" b="0" i="1" smtClean="0">
+                                  <a:solidFill>
+                                    <a:srgbClr val="FF0000"/>
+                                  </a:solidFill>
+                                  <a:latin typeface="Cambria Math" panose="02040503050406030204" pitchFamily="18" charset="0"/>
+                                </a:rPr>
+                                <m:t>2</m:t>
+                              </m:r>
+                            </m:sub>
+                          </m:sSub>
+                        </m:den>
+                      </m:f>
+                      <m:sSub>
+                        <m:sSubPr>
+                          <m:ctrlPr>
+                            <a:rPr kumimoji="1" lang="en-US" altLang="ja-JP" b="0" i="1" smtClean="0">
+                              <a:solidFill>
+                                <a:srgbClr val="FF0000"/>
+                              </a:solidFill>
+                              <a:latin typeface="Cambria Math" panose="02040503050406030204" pitchFamily="18" charset="0"/>
+                            </a:rPr>
+                          </m:ctrlPr>
+                        </m:sSubPr>
+                        <m:e>
+                          <m:r>
+                            <a:rPr kumimoji="1" lang="en-US" altLang="ja-JP" b="0" i="1" smtClean="0">
+                              <a:solidFill>
+                                <a:srgbClr val="FF0000"/>
+                              </a:solidFill>
+                              <a:latin typeface="Cambria Math" panose="02040503050406030204" pitchFamily="18" charset="0"/>
+                            </a:rPr>
+                            <m:t>𝑉</m:t>
+                          </m:r>
+                        </m:e>
+                        <m:sub>
+                          <m:r>
+                            <a:rPr kumimoji="1" lang="en-US" altLang="ja-JP" b="0" i="1" smtClean="0">
+                              <a:solidFill>
+                                <a:srgbClr val="FF0000"/>
+                              </a:solidFill>
+                              <a:latin typeface="Cambria Math" panose="02040503050406030204" pitchFamily="18" charset="0"/>
+                            </a:rPr>
+                            <m:t>1</m:t>
+                          </m:r>
+                        </m:sub>
+                      </m:sSub>
+                    </m:oMath>
+                  </m:oMathPara>
+                </a14:m>
+                <a:endParaRPr kumimoji="1" lang="ja-JP" altLang="en-US" dirty="0">
+                  <a:solidFill>
+                    <a:srgbClr val="FF0000"/>
+                  </a:solidFill>
+                </a:endParaRPr>
+              </a:p>
+            </p:txBody>
+          </p:sp>
+        </mc:Choice>
+        <mc:Fallback>
+          <p:sp>
+            <p:nvSpPr>
+              <p:cNvPr id="47" name="テキスト ボックス 46">
+                <a:extLst>
+                  <a:ext uri="{FF2B5EF4-FFF2-40B4-BE49-F238E27FC236}">
+                    <a16:creationId xmlns:a16="http://schemas.microsoft.com/office/drawing/2014/main" id="{4E150C70-06A8-A0A8-31EB-3B307155A69A}"/>
+                  </a:ext>
+                </a:extLst>
+              </p:cNvPr>
+              <p:cNvSpPr txBox="1">
+                <a:spLocks noRot="1" noChangeAspect="1" noMove="1" noResize="1" noEditPoints="1" noAdjustHandles="1" noChangeArrowheads="1" noChangeShapeType="1" noTextEdit="1"/>
+              </p:cNvSpPr>
+              <p:nvPr/>
+            </p:nvSpPr>
+            <p:spPr>
+              <a:xfrm>
+                <a:off x="8129242" y="2465516"/>
+                <a:ext cx="1861920" cy="656205"/>
+              </a:xfrm>
+              <a:prstGeom prst="rect">
+                <a:avLst/>
+              </a:prstGeom>
+              <a:blipFill>
+                <a:blip r:embed="rId10"/>
+                <a:stretch>
+                  <a:fillRect/>
+                </a:stretch>
+              </a:blipFill>
+            </p:spPr>
+            <p:txBody>
+              <a:bodyPr/>
+              <a:lstStyle/>
+              <a:p>
+                <a:r>
+                  <a:rPr lang="ja-JP" altLang="en-US">
+                    <a:noFill/>
+                  </a:rPr>
+                  <a:t> </a:t>
+                </a:r>
+              </a:p>
+            </p:txBody>
+          </p:sp>
+        </mc:Fallback>
+      </mc:AlternateContent>
+      <p:sp>
+        <p:nvSpPr>
+          <p:cNvPr id="3" name="テキスト ボックス 2">
+            <a:extLst>
+              <a:ext uri="{FF2B5EF4-FFF2-40B4-BE49-F238E27FC236}">
+                <a16:creationId xmlns:a16="http://schemas.microsoft.com/office/drawing/2014/main" id="{BC250F0C-369F-7F69-880F-B03DBD381320}"/>
+              </a:ext>
+            </a:extLst>
+          </p:cNvPr>
+          <p:cNvSpPr txBox="1"/>
+          <p:nvPr/>
+        </p:nvSpPr>
+        <p:spPr>
+          <a:xfrm>
+            <a:off x="3577362" y="7551422"/>
+            <a:ext cx="2518638" cy="307777"/>
+          </a:xfrm>
+          <a:prstGeom prst="rect">
+            <a:avLst/>
+          </a:prstGeom>
+          <a:noFill/>
+        </p:spPr>
+        <p:txBody>
+          <a:bodyPr wrap="none" rtlCol="0">
+            <a:spAutoFit/>
+          </a:bodyPr>
+          <a:lstStyle/>
+          <a:p>
+            <a:r>
+              <a:rPr kumimoji="1" lang="ja-JP" altLang="en-US" sz="1400" dirty="0"/>
+              <a:t>電圧源は短絡、電流源は開放</a:t>
+            </a:r>
+          </a:p>
+        </p:txBody>
+      </p:sp>
+      <p:sp>
+        <p:nvSpPr>
+          <p:cNvPr id="12" name="正方形/長方形 11">
+            <a:extLst>
+              <a:ext uri="{FF2B5EF4-FFF2-40B4-BE49-F238E27FC236}">
+                <a16:creationId xmlns:a16="http://schemas.microsoft.com/office/drawing/2014/main" id="{2CC044BE-EA3A-AAAE-862A-37EEAAD31C18}"/>
+              </a:ext>
+            </a:extLst>
+          </p:cNvPr>
+          <p:cNvSpPr/>
+          <p:nvPr/>
+        </p:nvSpPr>
+        <p:spPr>
+          <a:xfrm>
+            <a:off x="7442521" y="1134958"/>
+            <a:ext cx="1269679" cy="449526"/>
+          </a:xfrm>
+          <a:prstGeom prst="rect">
+            <a:avLst/>
+          </a:prstGeom>
+          <a:solidFill>
+            <a:schemeClr val="bg1"/>
+          </a:solidFill>
+          <a:ln>
+            <a:noFill/>
+          </a:ln>
+        </p:spPr>
+        <p:style>
+          <a:lnRef idx="2">
+            <a:schemeClr val="accent1">
+              <a:shade val="50000"/>
+            </a:schemeClr>
+          </a:lnRef>
+          <a:fillRef idx="1">
+            <a:schemeClr val="accent1"/>
+          </a:fillRef>
+          <a:effectRef idx="0">
+            <a:schemeClr val="accent1"/>
+          </a:effectRef>
+          <a:fontRef idx="minor">
+            <a:schemeClr val="lt1"/>
+          </a:fontRef>
+        </p:style>
+        <p:txBody>
+          <a:bodyPr rtlCol="0" anchor="ctr"/>
+          <a:lstStyle/>
+          <a:p>
+            <a:pPr algn="ctr"/>
+            <a:endParaRPr kumimoji="1" lang="ja-JP" altLang="en-US"/>
+          </a:p>
+        </p:txBody>
+      </p:sp>
+      <p:cxnSp>
+        <p:nvCxnSpPr>
+          <p:cNvPr id="14" name="直線コネクタ 13">
+            <a:extLst>
+              <a:ext uri="{FF2B5EF4-FFF2-40B4-BE49-F238E27FC236}">
+                <a16:creationId xmlns:a16="http://schemas.microsoft.com/office/drawing/2014/main" id="{411464C1-4DF6-A20B-4B85-0012C47B0775}"/>
+              </a:ext>
+            </a:extLst>
+          </p:cNvPr>
+          <p:cNvCxnSpPr>
+            <a:cxnSpLocks/>
+          </p:cNvCxnSpPr>
+          <p:nvPr/>
+        </p:nvCxnSpPr>
+        <p:spPr>
+          <a:xfrm>
+            <a:off x="8255000" y="1121807"/>
+            <a:ext cx="0" cy="462677"/>
+          </a:xfrm>
+          <a:prstGeom prst="line">
+            <a:avLst/>
+          </a:prstGeom>
+          <a:ln w="19050">
+            <a:solidFill>
+              <a:srgbClr val="FF0000"/>
+            </a:solidFill>
+          </a:ln>
+        </p:spPr>
+        <p:style>
+          <a:lnRef idx="1">
+            <a:schemeClr val="accent1"/>
+          </a:lnRef>
+          <a:fillRef idx="0">
+            <a:schemeClr val="accent1"/>
+          </a:fillRef>
+          <a:effectRef idx="0">
+            <a:schemeClr val="accent1"/>
+          </a:effectRef>
+          <a:fontRef idx="minor">
+            <a:schemeClr val="tx1"/>
+          </a:fontRef>
+        </p:style>
+      </p:cxnSp>
+      <mc:AlternateContent xmlns:mc="http://schemas.openxmlformats.org/markup-compatibility/2006">
+        <mc:Choice xmlns:a14="http://schemas.microsoft.com/office/drawing/2010/main" Requires="a14">
+          <p:sp>
+            <p:nvSpPr>
+              <p:cNvPr id="5" name="テキスト ボックス 4">
+                <a:extLst>
+                  <a:ext uri="{FF2B5EF4-FFF2-40B4-BE49-F238E27FC236}">
+                    <a16:creationId xmlns:a16="http://schemas.microsoft.com/office/drawing/2014/main" id="{0D1B5452-063F-B5A8-4081-569BCE2024BF}"/>
+                  </a:ext>
+                </a:extLst>
+              </p:cNvPr>
+              <p:cNvSpPr txBox="1"/>
+              <p:nvPr/>
+            </p:nvSpPr>
+            <p:spPr>
+              <a:xfrm>
+                <a:off x="476824" y="1107462"/>
+                <a:ext cx="2490233" cy="369332"/>
+              </a:xfrm>
+              <a:prstGeom prst="rect">
+                <a:avLst/>
+              </a:prstGeom>
+              <a:noFill/>
+            </p:spPr>
+            <p:txBody>
+              <a:bodyPr wrap="none" rtlCol="0">
+                <a:spAutoFit/>
+              </a:bodyPr>
+              <a:lstStyle/>
+              <a:p>
+                <a14:m>
+                  <m:oMath xmlns:m="http://schemas.openxmlformats.org/officeDocument/2006/math">
+                    <m:sSub>
+                      <m:sSubPr>
+                        <m:ctrlPr>
+                          <a:rPr lang="en-US" altLang="ja-JP" i="1" smtClean="0">
+                            <a:solidFill>
+                              <a:srgbClr val="FF0000"/>
+                            </a:solidFill>
+                            <a:latin typeface="Cambria Math" panose="02040503050406030204" pitchFamily="18" charset="0"/>
+                          </a:rPr>
+                        </m:ctrlPr>
+                      </m:sSubPr>
+                      <m:e>
+                        <m:r>
+                          <a:rPr lang="en-US" altLang="ja-JP" b="0" i="1" smtClean="0">
+                            <a:solidFill>
+                              <a:srgbClr val="FF0000"/>
+                            </a:solidFill>
+                            <a:latin typeface="Cambria Math" panose="02040503050406030204" pitchFamily="18" charset="0"/>
+                          </a:rPr>
+                          <m:t>𝑅</m:t>
+                        </m:r>
+                      </m:e>
+                      <m:sub>
+                        <m:r>
+                          <a:rPr lang="en-US" altLang="ja-JP" b="0" i="1" smtClean="0">
+                            <a:solidFill>
+                              <a:srgbClr val="FF0000"/>
+                            </a:solidFill>
+                            <a:latin typeface="Cambria Math" panose="02040503050406030204" pitchFamily="18" charset="0"/>
+                          </a:rPr>
+                          <m:t>𝑥</m:t>
+                        </m:r>
+                      </m:sub>
+                    </m:sSub>
+                    <m:r>
+                      <a:rPr lang="ja-JP" altLang="en-US" i="1">
+                        <a:solidFill>
+                          <a:srgbClr val="FF0000"/>
+                        </a:solidFill>
+                        <a:latin typeface="Cambria Math" panose="02040503050406030204" pitchFamily="18" charset="0"/>
+                      </a:rPr>
+                      <m:t>と</m:t>
+                    </m:r>
+                    <m:sSub>
+                      <m:sSubPr>
+                        <m:ctrlPr>
+                          <a:rPr lang="en-US" altLang="ja-JP" i="1" smtClean="0">
+                            <a:solidFill>
+                              <a:srgbClr val="FF0000"/>
+                            </a:solidFill>
+                            <a:latin typeface="Cambria Math" panose="02040503050406030204" pitchFamily="18" charset="0"/>
+                          </a:rPr>
+                        </m:ctrlPr>
+                      </m:sSubPr>
+                      <m:e>
+                        <m:r>
+                          <a:rPr lang="en-US" altLang="ja-JP" b="0" i="1" smtClean="0">
+                            <a:solidFill>
+                              <a:srgbClr val="FF0000"/>
+                            </a:solidFill>
+                            <a:latin typeface="Cambria Math" panose="02040503050406030204" pitchFamily="18" charset="0"/>
+                          </a:rPr>
+                          <m:t>𝑅</m:t>
+                        </m:r>
+                      </m:e>
+                      <m:sub>
+                        <m:r>
+                          <a:rPr lang="en-US" altLang="ja-JP" b="0" i="1" smtClean="0">
+                            <a:solidFill>
+                              <a:srgbClr val="FF0000"/>
+                            </a:solidFill>
+                            <a:latin typeface="Cambria Math" panose="02040503050406030204" pitchFamily="18" charset="0"/>
+                          </a:rPr>
+                          <m:t>3</m:t>
+                        </m:r>
+                      </m:sub>
+                    </m:sSub>
+                    <m:r>
+                      <a:rPr kumimoji="1" lang="ja-JP" altLang="en-US" i="1" dirty="0">
+                        <a:solidFill>
+                          <a:srgbClr val="FF0000"/>
+                        </a:solidFill>
+                        <a:latin typeface="Cambria Math" panose="02040503050406030204" pitchFamily="18" charset="0"/>
+                      </a:rPr>
+                      <m:t>から</m:t>
+                    </m:r>
+                    <m:sSub>
+                      <m:sSubPr>
+                        <m:ctrlPr>
+                          <a:rPr kumimoji="1" lang="en-US" altLang="ja-JP" i="1" dirty="0" smtClean="0">
+                            <a:solidFill>
+                              <a:srgbClr val="FF0000"/>
+                            </a:solidFill>
+                            <a:latin typeface="Cambria Math" panose="02040503050406030204" pitchFamily="18" charset="0"/>
+                          </a:rPr>
+                        </m:ctrlPr>
+                      </m:sSubPr>
+                      <m:e>
+                        <m:r>
+                          <a:rPr kumimoji="1" lang="en-US" altLang="ja-JP" b="0" i="1" dirty="0" smtClean="0">
+                            <a:solidFill>
+                              <a:srgbClr val="FF0000"/>
+                            </a:solidFill>
+                            <a:latin typeface="Cambria Math" panose="02040503050406030204" pitchFamily="18" charset="0"/>
+                          </a:rPr>
+                          <m:t>𝐼</m:t>
+                        </m:r>
+                      </m:e>
+                      <m:sub>
+                        <m:r>
+                          <a:rPr kumimoji="1" lang="en-US" altLang="ja-JP" b="0" i="1" dirty="0" smtClean="0">
+                            <a:solidFill>
+                              <a:srgbClr val="FF0000"/>
+                            </a:solidFill>
+                            <a:latin typeface="Cambria Math" panose="02040503050406030204" pitchFamily="18" charset="0"/>
+                          </a:rPr>
+                          <m:t>3</m:t>
+                        </m:r>
+                      </m:sub>
+                    </m:sSub>
+                    <m:r>
+                      <a:rPr lang="ja-JP" altLang="en-US" i="1" dirty="0">
+                        <a:solidFill>
+                          <a:srgbClr val="FF0000"/>
+                        </a:solidFill>
+                        <a:latin typeface="Cambria Math" panose="02040503050406030204" pitchFamily="18" charset="0"/>
+                      </a:rPr>
+                      <m:t>を</m:t>
+                    </m:r>
+                  </m:oMath>
+                </a14:m>
+                <a:r>
+                  <a:rPr kumimoji="1" lang="ja-JP" altLang="en-US" dirty="0">
+                    <a:solidFill>
+                      <a:srgbClr val="FF0000"/>
+                    </a:solidFill>
+                  </a:rPr>
+                  <a:t>求める</a:t>
+                </a:r>
+              </a:p>
+            </p:txBody>
+          </p:sp>
+        </mc:Choice>
+        <mc:Fallback>
+          <p:sp>
+            <p:nvSpPr>
+              <p:cNvPr id="5" name="テキスト ボックス 4">
+                <a:extLst>
+                  <a:ext uri="{FF2B5EF4-FFF2-40B4-BE49-F238E27FC236}">
+                    <a16:creationId xmlns:a16="http://schemas.microsoft.com/office/drawing/2014/main" id="{0D1B5452-063F-B5A8-4081-569BCE2024BF}"/>
+                  </a:ext>
+                </a:extLst>
+              </p:cNvPr>
+              <p:cNvSpPr txBox="1">
+                <a:spLocks noRot="1" noChangeAspect="1" noMove="1" noResize="1" noEditPoints="1" noAdjustHandles="1" noChangeArrowheads="1" noChangeShapeType="1" noTextEdit="1"/>
+              </p:cNvSpPr>
+              <p:nvPr/>
+            </p:nvSpPr>
+            <p:spPr>
+              <a:xfrm>
+                <a:off x="476824" y="1107462"/>
+                <a:ext cx="2490233" cy="369332"/>
+              </a:xfrm>
+              <a:prstGeom prst="rect">
+                <a:avLst/>
+              </a:prstGeom>
+              <a:blipFill>
+                <a:blip r:embed="rId11"/>
+                <a:stretch>
+                  <a:fillRect t="-8333" r="-1467" b="-28333"/>
+                </a:stretch>
+              </a:blipFill>
+            </p:spPr>
+            <p:txBody>
+              <a:bodyPr/>
+              <a:lstStyle/>
+              <a:p>
+                <a:r>
+                  <a:rPr lang="ja-JP" altLang="en-US">
+                    <a:noFill/>
+                  </a:rPr>
+                  <a:t> </a:t>
+                </a:r>
+              </a:p>
+            </p:txBody>
+          </p:sp>
+        </mc:Fallback>
+      </mc:AlternateContent>
+      <mc:AlternateContent xmlns:mc="http://schemas.openxmlformats.org/markup-compatibility/2006">
+        <mc:Choice xmlns:a14="http://schemas.microsoft.com/office/drawing/2010/main" Requires="a14">
+          <p:sp>
+            <p:nvSpPr>
+              <p:cNvPr id="8" name="テキスト ボックス 7">
+                <a:extLst>
+                  <a:ext uri="{FF2B5EF4-FFF2-40B4-BE49-F238E27FC236}">
+                    <a16:creationId xmlns:a16="http://schemas.microsoft.com/office/drawing/2014/main" id="{4831B7B4-EB0B-10E2-E286-C7D4DEC2C76C}"/>
+                  </a:ext>
+                </a:extLst>
+              </p:cNvPr>
+              <p:cNvSpPr txBox="1"/>
+              <p:nvPr/>
+            </p:nvSpPr>
+            <p:spPr>
+              <a:xfrm>
+                <a:off x="2721771" y="3073969"/>
+                <a:ext cx="1260730" cy="610936"/>
+              </a:xfrm>
+              <a:prstGeom prst="rect">
+                <a:avLst/>
+              </a:prstGeom>
+              <a:noFill/>
+            </p:spPr>
+            <p:txBody>
+              <a:bodyPr wrap="none" rtlCol="0">
+                <a:spAutoFit/>
+              </a:bodyPr>
+              <a:lstStyle/>
+              <a:p>
+                <a:pPr/>
+                <a14:m>
+                  <m:oMathPara xmlns:m="http://schemas.openxmlformats.org/officeDocument/2006/math">
+                    <m:oMathParaPr>
+                      <m:jc m:val="centerGroup"/>
+                    </m:oMathParaPr>
+                    <m:oMath xmlns:m="http://schemas.openxmlformats.org/officeDocument/2006/math">
+                      <m:sSub>
+                        <m:sSubPr>
+                          <m:ctrlPr>
+                            <a:rPr kumimoji="1" lang="en-US" altLang="ja-JP" i="1" smtClean="0">
+                              <a:solidFill>
+                                <a:schemeClr val="tx1"/>
+                              </a:solidFill>
+                              <a:latin typeface="Cambria Math" panose="02040503050406030204" pitchFamily="18" charset="0"/>
+                              <a:ea typeface="Cambria Math" panose="02040503050406030204" pitchFamily="18" charset="0"/>
+                            </a:rPr>
+                          </m:ctrlPr>
+                        </m:sSubPr>
+                        <m:e>
+                          <m:r>
+                            <a:rPr kumimoji="1" lang="en-US" altLang="ja-JP" b="0" i="1" smtClean="0">
+                              <a:solidFill>
+                                <a:schemeClr val="tx1"/>
+                              </a:solidFill>
+                              <a:latin typeface="Cambria Math" panose="02040503050406030204" pitchFamily="18" charset="0"/>
+                              <a:ea typeface="Cambria Math" panose="02040503050406030204" pitchFamily="18" charset="0"/>
+                            </a:rPr>
+                            <m:t>𝑅</m:t>
+                          </m:r>
+                        </m:e>
+                        <m:sub>
+                          <m:r>
+                            <a:rPr kumimoji="1" lang="en-US" altLang="ja-JP" b="0" i="1" smtClean="0">
+                              <a:solidFill>
+                                <a:schemeClr val="tx1"/>
+                              </a:solidFill>
+                              <a:latin typeface="Cambria Math" panose="02040503050406030204" pitchFamily="18" charset="0"/>
+                              <a:ea typeface="Cambria Math" panose="02040503050406030204" pitchFamily="18" charset="0"/>
+                            </a:rPr>
+                            <m:t>𝑥</m:t>
+                          </m:r>
+                        </m:sub>
+                      </m:sSub>
+                      <m:r>
+                        <a:rPr kumimoji="1" lang="en-US" altLang="ja-JP" i="1" smtClean="0">
+                          <a:solidFill>
+                            <a:schemeClr val="tx1"/>
+                          </a:solidFill>
+                          <a:latin typeface="Cambria Math" panose="02040503050406030204" pitchFamily="18" charset="0"/>
+                          <a:ea typeface="Cambria Math" panose="02040503050406030204" pitchFamily="18" charset="0"/>
+                        </a:rPr>
+                        <m:t>=</m:t>
+                      </m:r>
+                      <m:f>
+                        <m:fPr>
+                          <m:ctrlPr>
+                            <a:rPr kumimoji="1" lang="en-US" altLang="ja-JP" b="0" i="1" smtClean="0">
+                              <a:solidFill>
+                                <a:schemeClr val="tx1"/>
+                              </a:solidFill>
+                              <a:latin typeface="Cambria Math" panose="02040503050406030204" pitchFamily="18" charset="0"/>
+                              <a:ea typeface="Cambria Math" panose="02040503050406030204" pitchFamily="18" charset="0"/>
+                            </a:rPr>
+                          </m:ctrlPr>
+                        </m:fPr>
+                        <m:num>
+                          <m:r>
+                            <a:rPr kumimoji="1" lang="en-US" altLang="ja-JP" b="0" i="1" smtClean="0">
+                              <a:solidFill>
+                                <a:schemeClr val="tx1"/>
+                              </a:solidFill>
+                              <a:latin typeface="Cambria Math" panose="02040503050406030204" pitchFamily="18" charset="0"/>
+                              <a:ea typeface="Cambria Math" panose="02040503050406030204" pitchFamily="18" charset="0"/>
+                            </a:rPr>
+                            <m:t>20</m:t>
+                          </m:r>
+                        </m:num>
+                        <m:den>
+                          <m:r>
+                            <a:rPr kumimoji="1" lang="en-US" altLang="ja-JP" b="0" i="1" smtClean="0">
+                              <a:solidFill>
+                                <a:schemeClr val="tx1"/>
+                              </a:solidFill>
+                              <a:latin typeface="Cambria Math" panose="02040503050406030204" pitchFamily="18" charset="0"/>
+                              <a:ea typeface="Cambria Math" panose="02040503050406030204" pitchFamily="18" charset="0"/>
+                            </a:rPr>
+                            <m:t>21</m:t>
+                          </m:r>
+                        </m:den>
+                      </m:f>
+                      <m:r>
+                        <m:rPr>
+                          <m:sty m:val="p"/>
+                        </m:rPr>
+                        <a:rPr lang="en-US" altLang="ja-JP" i="1">
+                          <a:solidFill>
+                            <a:schemeClr val="tx1"/>
+                          </a:solidFill>
+                          <a:latin typeface="Cambria Math" panose="02040503050406030204" pitchFamily="18" charset="0"/>
+                          <a:ea typeface="Cambria Math" panose="02040503050406030204" pitchFamily="18" charset="0"/>
+                        </a:rPr>
+                        <m:t>Ω</m:t>
+                      </m:r>
+                    </m:oMath>
+                  </m:oMathPara>
+                </a14:m>
+                <a:endParaRPr kumimoji="1" lang="ja-JP" altLang="en-US" dirty="0">
+                  <a:solidFill>
+                    <a:schemeClr val="tx1"/>
+                  </a:solidFill>
+                </a:endParaRPr>
+              </a:p>
+            </p:txBody>
+          </p:sp>
+        </mc:Choice>
+        <mc:Fallback>
+          <p:sp>
+            <p:nvSpPr>
+              <p:cNvPr id="8" name="テキスト ボックス 7">
+                <a:extLst>
+                  <a:ext uri="{FF2B5EF4-FFF2-40B4-BE49-F238E27FC236}">
+                    <a16:creationId xmlns:a16="http://schemas.microsoft.com/office/drawing/2014/main" id="{4831B7B4-EB0B-10E2-E286-C7D4DEC2C76C}"/>
+                  </a:ext>
+                </a:extLst>
+              </p:cNvPr>
+              <p:cNvSpPr txBox="1">
+                <a:spLocks noRot="1" noChangeAspect="1" noMove="1" noResize="1" noEditPoints="1" noAdjustHandles="1" noChangeArrowheads="1" noChangeShapeType="1" noTextEdit="1"/>
+              </p:cNvSpPr>
+              <p:nvPr/>
+            </p:nvSpPr>
+            <p:spPr>
+              <a:xfrm>
+                <a:off x="2721771" y="3073969"/>
+                <a:ext cx="1260730" cy="610936"/>
+              </a:xfrm>
+              <a:prstGeom prst="rect">
+                <a:avLst/>
+              </a:prstGeom>
+              <a:blipFill>
+                <a:blip r:embed="rId12"/>
+                <a:stretch>
+                  <a:fillRect/>
+                </a:stretch>
+              </a:blipFill>
+            </p:spPr>
+            <p:txBody>
+              <a:bodyPr/>
+              <a:lstStyle/>
+              <a:p>
+                <a:r>
+                  <a:rPr lang="ja-JP" altLang="en-US">
+                    <a:noFill/>
+                  </a:rPr>
+                  <a:t> </a:t>
+                </a:r>
+              </a:p>
+            </p:txBody>
+          </p:sp>
+        </mc:Fallback>
+      </mc:AlternateContent>
+      <mc:AlternateContent xmlns:mc="http://schemas.openxmlformats.org/markup-compatibility/2006">
+        <mc:Choice xmlns:a14="http://schemas.microsoft.com/office/drawing/2010/main" Requires="a14">
+          <p:sp>
+            <p:nvSpPr>
+              <p:cNvPr id="13" name="テキスト ボックス 12">
+                <a:extLst>
+                  <a:ext uri="{FF2B5EF4-FFF2-40B4-BE49-F238E27FC236}">
+                    <a16:creationId xmlns:a16="http://schemas.microsoft.com/office/drawing/2014/main" id="{9CF2F5B3-CC87-0C00-A11D-AC7B8B46EB3F}"/>
+                  </a:ext>
+                </a:extLst>
+              </p:cNvPr>
+              <p:cNvSpPr txBox="1"/>
+              <p:nvPr/>
+            </p:nvSpPr>
+            <p:spPr>
+              <a:xfrm>
+                <a:off x="8129242" y="3175730"/>
+                <a:ext cx="1687257" cy="615490"/>
+              </a:xfrm>
+              <a:prstGeom prst="rect">
+                <a:avLst/>
+              </a:prstGeom>
+              <a:noFill/>
+            </p:spPr>
+            <p:txBody>
+              <a:bodyPr wrap="none" rtlCol="0">
+                <a:spAutoFit/>
+              </a:bodyPr>
+              <a:lstStyle/>
+              <a:p>
+                <a:pPr/>
+                <a14:m>
+                  <m:oMathPara xmlns:m="http://schemas.openxmlformats.org/officeDocument/2006/math">
+                    <m:oMathParaPr>
+                      <m:jc m:val="centerGroup"/>
+                    </m:oMathParaPr>
+                    <m:oMath xmlns:m="http://schemas.openxmlformats.org/officeDocument/2006/math">
+                      <m:sSub>
+                        <m:sSubPr>
+                          <m:ctrlPr>
+                            <a:rPr kumimoji="1" lang="en-US" altLang="ja-JP" i="1" smtClean="0">
+                              <a:solidFill>
+                                <a:srgbClr val="FF0000"/>
+                              </a:solidFill>
+                              <a:latin typeface="Cambria Math" panose="02040503050406030204" pitchFamily="18" charset="0"/>
+                            </a:rPr>
+                          </m:ctrlPr>
+                        </m:sSubPr>
+                        <m:e>
+                          <m:r>
+                            <a:rPr kumimoji="1" lang="en-US" altLang="ja-JP" b="0" i="1" smtClean="0">
+                              <a:solidFill>
+                                <a:srgbClr val="FF0000"/>
+                              </a:solidFill>
+                              <a:latin typeface="Cambria Math" panose="02040503050406030204" pitchFamily="18" charset="0"/>
+                            </a:rPr>
+                            <m:t>𝑉</m:t>
+                          </m:r>
+                        </m:e>
+                        <m:sub>
+                          <m:r>
+                            <a:rPr kumimoji="1" lang="en-US" altLang="ja-JP" b="0" i="1" smtClean="0">
+                              <a:solidFill>
+                                <a:srgbClr val="FF0000"/>
+                              </a:solidFill>
+                              <a:latin typeface="Cambria Math" panose="02040503050406030204" pitchFamily="18" charset="0"/>
+                            </a:rPr>
+                            <m:t>0</m:t>
+                          </m:r>
+                        </m:sub>
+                      </m:sSub>
+                      <m:r>
+                        <a:rPr kumimoji="1" lang="en-US" altLang="ja-JP" b="0" i="1" smtClean="0">
+                          <a:solidFill>
+                            <a:srgbClr val="FF0000"/>
+                          </a:solidFill>
+                          <a:latin typeface="Cambria Math" panose="02040503050406030204" pitchFamily="18" charset="0"/>
+                        </a:rPr>
+                        <m:t>=</m:t>
+                      </m:r>
+                      <m:f>
+                        <m:fPr>
+                          <m:ctrlPr>
+                            <a:rPr kumimoji="1" lang="en-US" altLang="ja-JP" b="0" i="1" smtClean="0">
+                              <a:solidFill>
+                                <a:srgbClr val="FF0000"/>
+                              </a:solidFill>
+                              <a:latin typeface="Cambria Math" panose="02040503050406030204" pitchFamily="18" charset="0"/>
+                            </a:rPr>
+                          </m:ctrlPr>
+                        </m:fPr>
+                        <m:num>
+                          <m:r>
+                            <a:rPr kumimoji="1" lang="en-US" altLang="ja-JP" b="0" i="1" smtClean="0">
+                              <a:solidFill>
+                                <a:srgbClr val="FF0000"/>
+                              </a:solidFill>
+                              <a:latin typeface="Cambria Math" panose="02040503050406030204" pitchFamily="18" charset="0"/>
+                            </a:rPr>
+                            <m:t>20</m:t>
+                          </m:r>
+                        </m:num>
+                        <m:den>
+                          <m:r>
+                            <a:rPr kumimoji="1" lang="en-US" altLang="ja-JP" b="0" i="1" smtClean="0">
+                              <a:solidFill>
+                                <a:srgbClr val="FF0000"/>
+                              </a:solidFill>
+                              <a:latin typeface="Cambria Math" panose="02040503050406030204" pitchFamily="18" charset="0"/>
+                            </a:rPr>
+                            <m:t>1+20</m:t>
+                          </m:r>
+                        </m:den>
+                      </m:f>
+                      <m:sSub>
+                        <m:sSubPr>
+                          <m:ctrlPr>
+                            <a:rPr kumimoji="1" lang="en-US" altLang="ja-JP" b="0" i="1" smtClean="0">
+                              <a:solidFill>
+                                <a:srgbClr val="FF0000"/>
+                              </a:solidFill>
+                              <a:latin typeface="Cambria Math" panose="02040503050406030204" pitchFamily="18" charset="0"/>
+                            </a:rPr>
+                          </m:ctrlPr>
+                        </m:sSubPr>
+                        <m:e>
+                          <m:r>
+                            <a:rPr kumimoji="1" lang="en-US" altLang="ja-JP" b="0" i="1" smtClean="0">
+                              <a:solidFill>
+                                <a:srgbClr val="FF0000"/>
+                              </a:solidFill>
+                              <a:latin typeface="Cambria Math" panose="02040503050406030204" pitchFamily="18" charset="0"/>
+                            </a:rPr>
+                            <m:t>𝑉</m:t>
+                          </m:r>
+                        </m:e>
+                        <m:sub>
+                          <m:r>
+                            <a:rPr kumimoji="1" lang="en-US" altLang="ja-JP" b="0" i="1" smtClean="0">
+                              <a:solidFill>
+                                <a:srgbClr val="FF0000"/>
+                              </a:solidFill>
+                              <a:latin typeface="Cambria Math" panose="02040503050406030204" pitchFamily="18" charset="0"/>
+                            </a:rPr>
+                            <m:t>1</m:t>
+                          </m:r>
+                        </m:sub>
+                      </m:sSub>
+                    </m:oMath>
+                  </m:oMathPara>
+                </a14:m>
+                <a:endParaRPr kumimoji="1" lang="ja-JP" altLang="en-US" dirty="0">
+                  <a:solidFill>
+                    <a:srgbClr val="FF0000"/>
+                  </a:solidFill>
+                </a:endParaRPr>
+              </a:p>
+            </p:txBody>
+          </p:sp>
+        </mc:Choice>
+        <mc:Fallback>
+          <p:sp>
+            <p:nvSpPr>
+              <p:cNvPr id="13" name="テキスト ボックス 12">
+                <a:extLst>
+                  <a:ext uri="{FF2B5EF4-FFF2-40B4-BE49-F238E27FC236}">
+                    <a16:creationId xmlns:a16="http://schemas.microsoft.com/office/drawing/2014/main" id="{9CF2F5B3-CC87-0C00-A11D-AC7B8B46EB3F}"/>
+                  </a:ext>
+                </a:extLst>
+              </p:cNvPr>
+              <p:cNvSpPr txBox="1">
+                <a:spLocks noRot="1" noChangeAspect="1" noMove="1" noResize="1" noEditPoints="1" noAdjustHandles="1" noChangeArrowheads="1" noChangeShapeType="1" noTextEdit="1"/>
+              </p:cNvSpPr>
+              <p:nvPr/>
+            </p:nvSpPr>
+            <p:spPr>
+              <a:xfrm>
+                <a:off x="8129242" y="3175730"/>
+                <a:ext cx="1687257" cy="615490"/>
+              </a:xfrm>
+              <a:prstGeom prst="rect">
+                <a:avLst/>
+              </a:prstGeom>
+              <a:blipFill>
+                <a:blip r:embed="rId13"/>
+                <a:stretch>
+                  <a:fillRect/>
+                </a:stretch>
+              </a:blipFill>
+            </p:spPr>
+            <p:txBody>
+              <a:bodyPr/>
+              <a:lstStyle/>
+              <a:p>
+                <a:r>
+                  <a:rPr lang="ja-JP" altLang="en-US">
+                    <a:noFill/>
+                  </a:rPr>
+                  <a:t> </a:t>
+                </a:r>
+              </a:p>
+            </p:txBody>
+          </p:sp>
+        </mc:Fallback>
+      </mc:AlternateContent>
+      <p:cxnSp>
+        <p:nvCxnSpPr>
+          <p:cNvPr id="16" name="直線コネクタ 15">
+            <a:extLst>
+              <a:ext uri="{FF2B5EF4-FFF2-40B4-BE49-F238E27FC236}">
+                <a16:creationId xmlns:a16="http://schemas.microsoft.com/office/drawing/2014/main" id="{00812F86-55F4-F462-E89F-2A720D793E6F}"/>
+              </a:ext>
+            </a:extLst>
+          </p:cNvPr>
+          <p:cNvCxnSpPr>
+            <a:cxnSpLocks/>
+          </p:cNvCxnSpPr>
+          <p:nvPr/>
+        </p:nvCxnSpPr>
+        <p:spPr>
+          <a:xfrm>
+            <a:off x="4898099" y="4511306"/>
+            <a:ext cx="371475" cy="496849"/>
+          </a:xfrm>
+          <a:prstGeom prst="line">
+            <a:avLst/>
+          </a:prstGeom>
+          <a:ln>
+            <a:solidFill>
+              <a:srgbClr val="FF0000"/>
+            </a:solidFill>
+          </a:ln>
+        </p:spPr>
+        <p:style>
+          <a:lnRef idx="1">
+            <a:schemeClr val="accent1"/>
+          </a:lnRef>
+          <a:fillRef idx="0">
+            <a:schemeClr val="accent1"/>
+          </a:fillRef>
+          <a:effectRef idx="0">
+            <a:schemeClr val="accent1"/>
+          </a:effectRef>
+          <a:fontRef idx="minor">
+            <a:schemeClr val="tx1"/>
+          </a:fontRef>
+        </p:style>
+      </p:cxnSp>
+      <p:cxnSp>
+        <p:nvCxnSpPr>
+          <p:cNvPr id="27" name="直線コネクタ 26">
+            <a:extLst>
+              <a:ext uri="{FF2B5EF4-FFF2-40B4-BE49-F238E27FC236}">
+                <a16:creationId xmlns:a16="http://schemas.microsoft.com/office/drawing/2014/main" id="{0FB4B35E-6217-5B68-E2F2-51B358773C36}"/>
+              </a:ext>
+            </a:extLst>
+          </p:cNvPr>
+          <p:cNvCxnSpPr>
+            <a:cxnSpLocks/>
+          </p:cNvCxnSpPr>
+          <p:nvPr/>
+        </p:nvCxnSpPr>
+        <p:spPr>
+          <a:xfrm>
+            <a:off x="5281696" y="4993619"/>
+            <a:ext cx="742950" cy="17065"/>
+          </a:xfrm>
+          <a:prstGeom prst="line">
+            <a:avLst/>
+          </a:prstGeom>
+          <a:ln>
+            <a:solidFill>
+              <a:srgbClr val="FF0000"/>
+            </a:solidFill>
+          </a:ln>
+        </p:spPr>
+        <p:style>
+          <a:lnRef idx="1">
+            <a:schemeClr val="accent1"/>
+          </a:lnRef>
+          <a:fillRef idx="0">
+            <a:schemeClr val="accent1"/>
+          </a:fillRef>
+          <a:effectRef idx="0">
+            <a:schemeClr val="accent1"/>
+          </a:effectRef>
+          <a:fontRef idx="minor">
+            <a:schemeClr val="tx1"/>
+          </a:fontRef>
+        </p:style>
+      </p:cxnSp>
+      <p:cxnSp>
+        <p:nvCxnSpPr>
+          <p:cNvPr id="30" name="直線コネクタ 29">
+            <a:extLst>
+              <a:ext uri="{FF2B5EF4-FFF2-40B4-BE49-F238E27FC236}">
+                <a16:creationId xmlns:a16="http://schemas.microsoft.com/office/drawing/2014/main" id="{93D30E9E-C4FB-778C-E793-8BEDDD6A0535}"/>
+              </a:ext>
+            </a:extLst>
+          </p:cNvPr>
+          <p:cNvCxnSpPr>
+            <a:cxnSpLocks/>
+          </p:cNvCxnSpPr>
+          <p:nvPr/>
+        </p:nvCxnSpPr>
+        <p:spPr>
+          <a:xfrm>
+            <a:off x="6504642" y="2369120"/>
+            <a:ext cx="371475" cy="496849"/>
+          </a:xfrm>
+          <a:prstGeom prst="line">
+            <a:avLst/>
+          </a:prstGeom>
+          <a:ln>
+            <a:solidFill>
+              <a:srgbClr val="FF0000"/>
+            </a:solidFill>
+          </a:ln>
+        </p:spPr>
+        <p:style>
+          <a:lnRef idx="1">
+            <a:schemeClr val="accent1"/>
+          </a:lnRef>
+          <a:fillRef idx="0">
+            <a:schemeClr val="accent1"/>
+          </a:fillRef>
+          <a:effectRef idx="0">
+            <a:schemeClr val="accent1"/>
+          </a:effectRef>
+          <a:fontRef idx="minor">
+            <a:schemeClr val="tx1"/>
+          </a:fontRef>
+        </p:style>
+      </p:cxnSp>
+      <p:cxnSp>
+        <p:nvCxnSpPr>
+          <p:cNvPr id="33" name="直線コネクタ 32">
+            <a:extLst>
+              <a:ext uri="{FF2B5EF4-FFF2-40B4-BE49-F238E27FC236}">
+                <a16:creationId xmlns:a16="http://schemas.microsoft.com/office/drawing/2014/main" id="{0371FA76-1FF2-F9C1-BACF-77EB4C421237}"/>
+              </a:ext>
+            </a:extLst>
+          </p:cNvPr>
+          <p:cNvCxnSpPr>
+            <a:cxnSpLocks/>
+          </p:cNvCxnSpPr>
+          <p:nvPr/>
+        </p:nvCxnSpPr>
+        <p:spPr>
+          <a:xfrm>
+            <a:off x="6888239" y="2851433"/>
+            <a:ext cx="742950" cy="17065"/>
+          </a:xfrm>
+          <a:prstGeom prst="line">
+            <a:avLst/>
+          </a:prstGeom>
+          <a:ln>
+            <a:solidFill>
+              <a:srgbClr val="FF0000"/>
+            </a:solidFill>
+          </a:ln>
+        </p:spPr>
+        <p:style>
+          <a:lnRef idx="1">
+            <a:schemeClr val="accent1"/>
+          </a:lnRef>
+          <a:fillRef idx="0">
+            <a:schemeClr val="accent1"/>
+          </a:fillRef>
+          <a:effectRef idx="0">
+            <a:schemeClr val="accent1"/>
+          </a:effectRef>
+          <a:fontRef idx="minor">
+            <a:schemeClr val="tx1"/>
+          </a:fontRef>
+        </p:style>
+      </p:cxnSp>
+      <mc:AlternateContent xmlns:mc="http://schemas.openxmlformats.org/markup-compatibility/2006">
+        <mc:Choice xmlns:a14="http://schemas.microsoft.com/office/drawing/2010/main" Requires="a14">
+          <p:sp>
+            <p:nvSpPr>
+              <p:cNvPr id="37" name="テキスト ボックス 36">
+                <a:extLst>
+                  <a:ext uri="{FF2B5EF4-FFF2-40B4-BE49-F238E27FC236}">
+                    <a16:creationId xmlns:a16="http://schemas.microsoft.com/office/drawing/2014/main" id="{DFEB3082-4862-877B-9C90-AF2B7EB0EC31}"/>
+                  </a:ext>
+                </a:extLst>
+              </p:cNvPr>
+              <p:cNvSpPr txBox="1"/>
+              <p:nvPr/>
+            </p:nvSpPr>
+            <p:spPr>
+              <a:xfrm>
+                <a:off x="8129242" y="3897796"/>
+                <a:ext cx="1861920" cy="656205"/>
+              </a:xfrm>
+              <a:prstGeom prst="rect">
+                <a:avLst/>
+              </a:prstGeom>
+              <a:noFill/>
+            </p:spPr>
+            <p:txBody>
+              <a:bodyPr wrap="none" rtlCol="0">
+                <a:spAutoFit/>
+              </a:bodyPr>
+              <a:lstStyle/>
+              <a:p>
+                <a:pPr/>
+                <a14:m>
+                  <m:oMathPara xmlns:m="http://schemas.openxmlformats.org/officeDocument/2006/math">
+                    <m:oMathParaPr>
+                      <m:jc m:val="centerGroup"/>
+                    </m:oMathParaPr>
+                    <m:oMath xmlns:m="http://schemas.openxmlformats.org/officeDocument/2006/math">
+                      <m:sSub>
+                        <m:sSubPr>
+                          <m:ctrlPr>
+                            <a:rPr kumimoji="1" lang="en-US" altLang="ja-JP" i="1" smtClean="0">
+                              <a:solidFill>
+                                <a:srgbClr val="FF0000"/>
+                              </a:solidFill>
+                              <a:latin typeface="Cambria Math" panose="02040503050406030204" pitchFamily="18" charset="0"/>
+                            </a:rPr>
+                          </m:ctrlPr>
+                        </m:sSubPr>
+                        <m:e>
+                          <m:r>
+                            <a:rPr kumimoji="1" lang="en-US" altLang="ja-JP" b="0" i="1" smtClean="0">
+                              <a:solidFill>
+                                <a:srgbClr val="FF0000"/>
+                              </a:solidFill>
+                              <a:latin typeface="Cambria Math" panose="02040503050406030204" pitchFamily="18" charset="0"/>
+                            </a:rPr>
+                            <m:t>𝑉</m:t>
+                          </m:r>
+                        </m:e>
+                        <m:sub>
+                          <m:r>
+                            <a:rPr kumimoji="1" lang="en-US" altLang="ja-JP" b="0" i="1" smtClean="0">
+                              <a:solidFill>
+                                <a:srgbClr val="FF0000"/>
+                              </a:solidFill>
+                              <a:latin typeface="Cambria Math" panose="02040503050406030204" pitchFamily="18" charset="0"/>
+                            </a:rPr>
+                            <m:t>0</m:t>
+                          </m:r>
+                        </m:sub>
+                      </m:sSub>
+                      <m:r>
+                        <a:rPr kumimoji="1" lang="en-US" altLang="ja-JP" b="0" i="1" smtClean="0">
+                          <a:solidFill>
+                            <a:srgbClr val="FF0000"/>
+                          </a:solidFill>
+                          <a:latin typeface="Cambria Math" panose="02040503050406030204" pitchFamily="18" charset="0"/>
+                        </a:rPr>
+                        <m:t>=</m:t>
+                      </m:r>
+                      <m:f>
+                        <m:fPr>
+                          <m:ctrlPr>
+                            <a:rPr kumimoji="1" lang="en-US" altLang="ja-JP" b="0" i="1" smtClean="0">
+                              <a:solidFill>
+                                <a:srgbClr val="FF0000"/>
+                              </a:solidFill>
+                              <a:latin typeface="Cambria Math" panose="02040503050406030204" pitchFamily="18" charset="0"/>
+                            </a:rPr>
+                          </m:ctrlPr>
+                        </m:fPr>
+                        <m:num>
+                          <m:sSub>
+                            <m:sSubPr>
+                              <m:ctrlPr>
+                                <a:rPr kumimoji="1" lang="en-US" altLang="ja-JP" b="0" i="1" smtClean="0">
+                                  <a:solidFill>
+                                    <a:srgbClr val="FF0000"/>
+                                  </a:solidFill>
+                                  <a:latin typeface="Cambria Math" panose="02040503050406030204" pitchFamily="18" charset="0"/>
+                                </a:rPr>
+                              </m:ctrlPr>
+                            </m:sSubPr>
+                            <m:e>
+                              <m:r>
+                                <a:rPr kumimoji="1" lang="en-US" altLang="ja-JP" b="0" i="1" smtClean="0">
+                                  <a:solidFill>
+                                    <a:srgbClr val="FF0000"/>
+                                  </a:solidFill>
+                                  <a:latin typeface="Cambria Math" panose="02040503050406030204" pitchFamily="18" charset="0"/>
+                                </a:rPr>
+                                <m:t>𝑅</m:t>
+                              </m:r>
+                            </m:e>
+                            <m:sub>
+                              <m:r>
+                                <a:rPr kumimoji="1" lang="en-US" altLang="ja-JP" b="0" i="1" smtClean="0">
+                                  <a:solidFill>
+                                    <a:srgbClr val="FF0000"/>
+                                  </a:solidFill>
+                                  <a:latin typeface="Cambria Math" panose="02040503050406030204" pitchFamily="18" charset="0"/>
+                                </a:rPr>
+                                <m:t>2</m:t>
+                              </m:r>
+                            </m:sub>
+                          </m:sSub>
+                        </m:num>
+                        <m:den>
+                          <m:sSub>
+                            <m:sSubPr>
+                              <m:ctrlPr>
+                                <a:rPr kumimoji="1" lang="en-US" altLang="ja-JP" b="0" i="1" smtClean="0">
+                                  <a:solidFill>
+                                    <a:srgbClr val="FF0000"/>
+                                  </a:solidFill>
+                                  <a:latin typeface="Cambria Math" panose="02040503050406030204" pitchFamily="18" charset="0"/>
+                                </a:rPr>
+                              </m:ctrlPr>
+                            </m:sSubPr>
+                            <m:e>
+                              <m:r>
+                                <a:rPr kumimoji="1" lang="en-US" altLang="ja-JP" b="0" i="1" smtClean="0">
+                                  <a:solidFill>
+                                    <a:srgbClr val="FF0000"/>
+                                  </a:solidFill>
+                                  <a:latin typeface="Cambria Math" panose="02040503050406030204" pitchFamily="18" charset="0"/>
+                                </a:rPr>
+                                <m:t>𝑅</m:t>
+                              </m:r>
+                            </m:e>
+                            <m:sub>
+                              <m:r>
+                                <a:rPr kumimoji="1" lang="en-US" altLang="ja-JP" b="0" i="1" smtClean="0">
+                                  <a:solidFill>
+                                    <a:srgbClr val="FF0000"/>
+                                  </a:solidFill>
+                                  <a:latin typeface="Cambria Math" panose="02040503050406030204" pitchFamily="18" charset="0"/>
+                                </a:rPr>
+                                <m:t>1</m:t>
+                              </m:r>
+                            </m:sub>
+                          </m:sSub>
+                          <m:r>
+                            <a:rPr kumimoji="1" lang="en-US" altLang="ja-JP" b="0" i="1" smtClean="0">
+                              <a:solidFill>
+                                <a:srgbClr val="FF0000"/>
+                              </a:solidFill>
+                              <a:latin typeface="Cambria Math" panose="02040503050406030204" pitchFamily="18" charset="0"/>
+                            </a:rPr>
+                            <m:t>+</m:t>
+                          </m:r>
+                          <m:sSub>
+                            <m:sSubPr>
+                              <m:ctrlPr>
+                                <a:rPr kumimoji="1" lang="en-US" altLang="ja-JP" b="0" i="1" smtClean="0">
+                                  <a:solidFill>
+                                    <a:srgbClr val="FF0000"/>
+                                  </a:solidFill>
+                                  <a:latin typeface="Cambria Math" panose="02040503050406030204" pitchFamily="18" charset="0"/>
+                                </a:rPr>
+                              </m:ctrlPr>
+                            </m:sSubPr>
+                            <m:e>
+                              <m:r>
+                                <a:rPr kumimoji="1" lang="en-US" altLang="ja-JP" b="0" i="1" smtClean="0">
+                                  <a:solidFill>
+                                    <a:srgbClr val="FF0000"/>
+                                  </a:solidFill>
+                                  <a:latin typeface="Cambria Math" panose="02040503050406030204" pitchFamily="18" charset="0"/>
+                                </a:rPr>
+                                <m:t>𝑅</m:t>
+                              </m:r>
+                            </m:e>
+                            <m:sub>
+                              <m:r>
+                                <a:rPr kumimoji="1" lang="en-US" altLang="ja-JP" b="0" i="1" smtClean="0">
+                                  <a:solidFill>
+                                    <a:srgbClr val="FF0000"/>
+                                  </a:solidFill>
+                                  <a:latin typeface="Cambria Math" panose="02040503050406030204" pitchFamily="18" charset="0"/>
+                                </a:rPr>
+                                <m:t>2</m:t>
+                              </m:r>
+                            </m:sub>
+                          </m:sSub>
+                        </m:den>
+                      </m:f>
+                      <m:sSub>
+                        <m:sSubPr>
+                          <m:ctrlPr>
+                            <a:rPr kumimoji="1" lang="en-US" altLang="ja-JP" b="0" i="1" smtClean="0">
+                              <a:solidFill>
+                                <a:srgbClr val="FF0000"/>
+                              </a:solidFill>
+                              <a:latin typeface="Cambria Math" panose="02040503050406030204" pitchFamily="18" charset="0"/>
+                            </a:rPr>
+                          </m:ctrlPr>
+                        </m:sSubPr>
+                        <m:e>
+                          <m:r>
+                            <a:rPr kumimoji="1" lang="en-US" altLang="ja-JP" b="0" i="1" smtClean="0">
+                              <a:solidFill>
+                                <a:srgbClr val="FF0000"/>
+                              </a:solidFill>
+                              <a:latin typeface="Cambria Math" panose="02040503050406030204" pitchFamily="18" charset="0"/>
+                            </a:rPr>
+                            <m:t>𝑉</m:t>
+                          </m:r>
+                        </m:e>
+                        <m:sub>
+                          <m:r>
+                            <a:rPr kumimoji="1" lang="en-US" altLang="ja-JP" b="0" i="1" smtClean="0">
+                              <a:solidFill>
+                                <a:srgbClr val="FF0000"/>
+                              </a:solidFill>
+                              <a:latin typeface="Cambria Math" panose="02040503050406030204" pitchFamily="18" charset="0"/>
+                            </a:rPr>
+                            <m:t>1</m:t>
+                          </m:r>
+                        </m:sub>
+                      </m:sSub>
+                    </m:oMath>
+                  </m:oMathPara>
+                </a14:m>
+                <a:endParaRPr kumimoji="1" lang="ja-JP" altLang="en-US" dirty="0">
+                  <a:solidFill>
+                    <a:srgbClr val="FF0000"/>
+                  </a:solidFill>
+                </a:endParaRPr>
+              </a:p>
+            </p:txBody>
+          </p:sp>
+        </mc:Choice>
+        <mc:Fallback>
+          <p:sp>
+            <p:nvSpPr>
+              <p:cNvPr id="37" name="テキスト ボックス 36">
+                <a:extLst>
+                  <a:ext uri="{FF2B5EF4-FFF2-40B4-BE49-F238E27FC236}">
+                    <a16:creationId xmlns:a16="http://schemas.microsoft.com/office/drawing/2014/main" id="{DFEB3082-4862-877B-9C90-AF2B7EB0EC31}"/>
+                  </a:ext>
+                </a:extLst>
+              </p:cNvPr>
+              <p:cNvSpPr txBox="1">
+                <a:spLocks noRot="1" noChangeAspect="1" noMove="1" noResize="1" noEditPoints="1" noAdjustHandles="1" noChangeArrowheads="1" noChangeShapeType="1" noTextEdit="1"/>
+              </p:cNvSpPr>
+              <p:nvPr/>
+            </p:nvSpPr>
+            <p:spPr>
+              <a:xfrm>
+                <a:off x="8129242" y="3897796"/>
+                <a:ext cx="1861920" cy="656205"/>
+              </a:xfrm>
+              <a:prstGeom prst="rect">
+                <a:avLst/>
+              </a:prstGeom>
+              <a:blipFill>
+                <a:blip r:embed="rId14"/>
+                <a:stretch>
+                  <a:fillRect/>
+                </a:stretch>
+              </a:blipFill>
+            </p:spPr>
+            <p:txBody>
+              <a:bodyPr/>
+              <a:lstStyle/>
+              <a:p>
+                <a:r>
+                  <a:rPr lang="ja-JP" altLang="en-US">
+                    <a:noFill/>
+                  </a:rPr>
+                  <a:t> </a:t>
+                </a:r>
+              </a:p>
+            </p:txBody>
+          </p:sp>
+        </mc:Fallback>
+      </mc:AlternateContent>
+    </p:spTree>
+    <p:extLst>
+      <p:ext uri="{BB962C8B-B14F-4D97-AF65-F5344CB8AC3E}">
+        <p14:creationId xmlns:p14="http://schemas.microsoft.com/office/powerpoint/2010/main" val="3302763098"/>
+      </p:ext>
+    </p:extLst>
+  </p:cSld>
+  <p:clrMapOvr>
+    <a:masterClrMapping/>
+  </p:clrMapOvr>
+</p:sld>
+</file>
+
 <file path=ppt/slides/slide2.xml><?xml version="1.0" encoding="utf-8"?>
 <p:sld xmlns:a="http://schemas.openxmlformats.org/drawingml/2006/main" xmlns:r="http://schemas.openxmlformats.org/officeDocument/2006/relationships" xmlns:p="http://schemas.openxmlformats.org/presentationml/2006/main">
   <p:cSld>
@@ -21337,7 +26674,7 @@
             </p:nvSpPr>
             <p:spPr>
               <a:xfrm>
-                <a:off x="7343203" y="2419637"/>
+                <a:off x="8521205" y="3208286"/>
                 <a:ext cx="838883" cy="563872"/>
               </a:xfrm>
               <a:prstGeom prst="rect">
@@ -21362,6 +26699,9 @@
                         <m:sSubPr>
                           <m:ctrlPr>
                             <a:rPr kumimoji="1" lang="en-US" altLang="ja-JP" i="1" smtClean="0">
+                              <a:solidFill>
+                                <a:srgbClr val="FF0000"/>
+                              </a:solidFill>
                               <a:latin typeface="Cambria Math" panose="02040503050406030204" pitchFamily="18" charset="0"/>
                             </a:rPr>
                           </m:ctrlPr>
@@ -21369,6 +26709,9 @@
                         <m:e>
                           <m:r>
                             <a:rPr kumimoji="1" lang="en-US" altLang="ja-JP" b="0" i="1" smtClean="0">
+                              <a:solidFill>
+                                <a:srgbClr val="FF0000"/>
+                              </a:solidFill>
                               <a:latin typeface="Cambria Math" panose="02040503050406030204" pitchFamily="18" charset="0"/>
                             </a:rPr>
                             <m:t>𝑅</m:t>
@@ -21377,6 +26720,9 @@
                         <m:sub>
                           <m:r>
                             <a:rPr kumimoji="1" lang="en-US" altLang="ja-JP" b="0" i="1" smtClean="0">
+                              <a:solidFill>
+                                <a:srgbClr val="FF0000"/>
+                              </a:solidFill>
                               <a:latin typeface="Cambria Math" panose="02040503050406030204" pitchFamily="18" charset="0"/>
                             </a:rPr>
                             <m:t>2</m:t>
@@ -21385,6 +26731,9 @@
                       </m:sSub>
                       <m:r>
                         <a:rPr kumimoji="1" lang="en-US" altLang="ja-JP" b="0" i="1" smtClean="0">
+                          <a:solidFill>
+                            <a:srgbClr val="FF0000"/>
+                          </a:solidFill>
                           <a:latin typeface="Cambria Math" panose="02040503050406030204" pitchFamily="18" charset="0"/>
                         </a:rPr>
                         <m:t>=</m:t>
@@ -21476,7 +26825,11 @@
                     </m:oMath>
                   </m:oMathPara>
                 </a14:m>
-                <a:endParaRPr kumimoji="1" lang="ja-JP" altLang="en-US" dirty="0"/>
+                <a:endParaRPr kumimoji="1" lang="ja-JP" altLang="en-US" dirty="0">
+                  <a:solidFill>
+                    <a:srgbClr val="FF0000"/>
+                  </a:solidFill>
+                </a:endParaRPr>
               </a:p>
             </p:txBody>
           </p:sp>
@@ -21498,7 +26851,7 @@
             </p:nvSpPr>
             <p:spPr>
               <a:xfrm>
-                <a:off x="7343203" y="2419637"/>
+                <a:off x="8521205" y="3208286"/>
                 <a:ext cx="838883" cy="563872"/>
               </a:xfrm>
               <a:prstGeom prst="rect">
@@ -21860,7 +27213,7 @@
             </p:nvSpPr>
             <p:spPr>
               <a:xfrm>
-                <a:off x="8290329" y="2454456"/>
+                <a:off x="9468331" y="3243105"/>
                 <a:ext cx="687689" cy="520463"/>
               </a:xfrm>
               <a:prstGeom prst="rect">
@@ -21883,7 +27236,7 @@
                       <m:r>
                         <a:rPr kumimoji="1" lang="en-US" altLang="ja-JP" b="0" i="1" smtClean="0">
                           <a:solidFill>
-                            <a:schemeClr val="tx1"/>
+                            <a:srgbClr val="FF0000"/>
                           </a:solidFill>
                           <a:latin typeface="Cambria Math" panose="02040503050406030204" pitchFamily="18" charset="0"/>
                         </a:rPr>
@@ -21952,7 +27305,7 @@
             </p:nvSpPr>
             <p:spPr>
               <a:xfrm>
-                <a:off x="8290329" y="2454456"/>
+                <a:off x="9468331" y="3243105"/>
                 <a:ext cx="687689" cy="520463"/>
               </a:xfrm>
               <a:prstGeom prst="rect">
@@ -21996,7 +27349,7 @@
             </p:nvSpPr>
             <p:spPr>
               <a:xfrm>
-                <a:off x="9035507" y="2563073"/>
+                <a:off x="10213509" y="3351722"/>
                 <a:ext cx="724557" cy="276999"/>
               </a:xfrm>
               <a:prstGeom prst="rect">
@@ -22019,20 +27372,11 @@
                       <m:r>
                         <a:rPr kumimoji="1" lang="en-US" altLang="ja-JP" b="0" i="1" smtClean="0">
                           <a:solidFill>
-                            <a:schemeClr val="tx1"/>
-                          </a:solidFill>
-                          <a:latin typeface="Cambria Math" panose="02040503050406030204" pitchFamily="18" charset="0"/>
-                        </a:rPr>
-                        <m:t>=</m:t>
-                      </m:r>
-                      <m:r>
-                        <a:rPr kumimoji="1" lang="en-US" altLang="ja-JP" b="0" i="1" smtClean="0">
-                          <a:solidFill>
                             <a:srgbClr val="FF0000"/>
                           </a:solidFill>
                           <a:latin typeface="Cambria Math" panose="02040503050406030204" pitchFamily="18" charset="0"/>
                         </a:rPr>
-                        <m:t>20</m:t>
+                        <m:t>=20</m:t>
                       </m:r>
                       <m:r>
                         <m:rPr>
@@ -22075,7 +27419,7 @@
             </p:nvSpPr>
             <p:spPr>
               <a:xfrm>
-                <a:off x="9035507" y="2563073"/>
+                <a:off x="10213509" y="3351722"/>
                 <a:ext cx="724557" cy="276999"/>
               </a:xfrm>
               <a:prstGeom prst="rect">
@@ -22084,7 +27428,7 @@
               <a:blipFill>
                 <a:blip r:embed="rId7"/>
                 <a:stretch>
-                  <a:fillRect l="-840" r="-6723" b="-6522"/>
+                  <a:fillRect l="-840" r="-6723" b="-6667"/>
                 </a:stretch>
               </a:blipFill>
             </p:spPr>
@@ -22490,7 +27834,7 @@
         </p:blipFill>
         <p:spPr>
           <a:xfrm>
-            <a:off x="6264519" y="202869"/>
+            <a:off x="7442521" y="991518"/>
             <a:ext cx="3200847" cy="2057687"/>
           </a:xfrm>
           <a:prstGeom prst="rect">
@@ -22512,7 +27856,7 @@
         </p:nvCxnSpPr>
         <p:spPr>
           <a:xfrm flipV="1">
-            <a:off x="8617019" y="351141"/>
+            <a:off x="9795021" y="1139790"/>
             <a:ext cx="551499" cy="344157"/>
           </a:xfrm>
           <a:prstGeom prst="line">
@@ -22555,7 +27899,7 @@
         </p:nvCxnSpPr>
         <p:spPr>
           <a:xfrm>
-            <a:off x="8617018" y="1836681"/>
+            <a:off x="9795020" y="2625330"/>
             <a:ext cx="551499" cy="213412"/>
           </a:xfrm>
           <a:prstGeom prst="line">
@@ -22599,7 +27943,7 @@
         <p:spPr>
           <a:xfrm>
             <a:off x="5353050" y="2368837"/>
-            <a:ext cx="1174750" cy="0"/>
+            <a:ext cx="742950" cy="17065"/>
           </a:xfrm>
           <a:prstGeom prst="line">
             <a:avLst/>
@@ -22641,8 +27985,8 @@
         </p:nvCxnSpPr>
         <p:spPr>
           <a:xfrm>
-            <a:off x="3636082" y="5048537"/>
-            <a:ext cx="948618" cy="0"/>
+            <a:off x="3746500" y="4502150"/>
+            <a:ext cx="807884" cy="0"/>
           </a:xfrm>
           <a:prstGeom prst="line">
             <a:avLst/>
@@ -22684,8 +28028,8 @@
         </p:nvCxnSpPr>
         <p:spPr>
           <a:xfrm flipH="1">
-            <a:off x="4518590" y="2389694"/>
-            <a:ext cx="1983794" cy="2651923"/>
+            <a:off x="4576633" y="2389694"/>
+            <a:ext cx="1580241" cy="2112456"/>
           </a:xfrm>
           <a:prstGeom prst="straightConnector1">
             <a:avLst/>
@@ -22727,7 +28071,7 @@
         </p:nvSpPr>
         <p:spPr>
           <a:xfrm>
-            <a:off x="6385535" y="2020362"/>
+            <a:off x="7158585" y="2450068"/>
             <a:ext cx="312906" cy="369332"/>
           </a:xfrm>
           <a:prstGeom prst="rect">
@@ -22763,7 +28107,7 @@
         </p:nvSpPr>
         <p:spPr>
           <a:xfrm>
-            <a:off x="4388061" y="5015226"/>
+            <a:off x="5724525" y="4853236"/>
             <a:ext cx="319318" cy="369332"/>
           </a:xfrm>
           <a:prstGeom prst="rect">
@@ -22787,10 +28131,10 @@
       </p:sp>
       <p:sp>
         <p:nvSpPr>
-          <p:cNvPr id="44" name="テキスト ボックス 43">
+          <p:cNvPr id="45" name="テキスト ボックス 44">
             <a:extLst>
               <a:ext uri="{FF2B5EF4-FFF2-40B4-BE49-F238E27FC236}">
-                <a16:creationId xmlns:a16="http://schemas.microsoft.com/office/drawing/2014/main" id="{AE1ADDD0-BEF4-D33B-2B60-CE131CD38A30}"/>
+                <a16:creationId xmlns:a16="http://schemas.microsoft.com/office/drawing/2014/main" id="{8C637828-1224-9147-B152-25E6F6FC53FB}"/>
               </a:ext>
             </a:extLst>
           </p:cNvPr>
@@ -22799,8 +28143,8 @@
         </p:nvSpPr>
         <p:spPr>
           <a:xfrm>
-            <a:off x="7186750" y="3270019"/>
-            <a:ext cx="2387192" cy="369332"/>
+            <a:off x="6698188" y="0"/>
+            <a:ext cx="5493812" cy="646331"/>
           </a:xfrm>
           <a:prstGeom prst="rect">
             <a:avLst/>
@@ -22814,21 +28158,204 @@
           <a:lstStyle/>
           <a:p>
             <a:r>
-              <a:rPr lang="en-US" altLang="ja-JP" dirty="0"/>
-              <a:t>Ab</a:t>
+              <a:rPr kumimoji="1" lang="ja-JP" altLang="en-US" dirty="0"/>
+              <a:t>テブナンの定理</a:t>
+            </a:r>
+            <a:r>
+              <a:rPr kumimoji="1" lang="en-US" altLang="ja-JP" dirty="0"/>
+              <a:t>…</a:t>
+            </a:r>
+            <a:r>
+              <a:rPr kumimoji="1" lang="ja-JP" altLang="en-US" dirty="0"/>
+              <a:t>電源を含む回路において、</a:t>
+            </a:r>
+            <a:endParaRPr kumimoji="1" lang="en-US" altLang="ja-JP" dirty="0"/>
+          </a:p>
+          <a:p>
+            <a:r>
+              <a:rPr kumimoji="1" lang="ja-JP" altLang="en-US" dirty="0"/>
+              <a:t>任意の場所に流れる電流を</a:t>
             </a:r>
             <a:r>
               <a:rPr lang="ja-JP" altLang="en-US" dirty="0"/>
-              <a:t>間の電圧差は</a:t>
-            </a:r>
-            <a:r>
-              <a:rPr lang="en-US" altLang="ja-JP"/>
-              <a:t>100V</a:t>
+              <a:t>求めることができる定理</a:t>
             </a:r>
             <a:endParaRPr kumimoji="1" lang="ja-JP" altLang="en-US" dirty="0"/>
           </a:p>
         </p:txBody>
       </p:sp>
+      <p:cxnSp>
+        <p:nvCxnSpPr>
+          <p:cNvPr id="56" name="直線コネクタ 55">
+            <a:extLst>
+              <a:ext uri="{FF2B5EF4-FFF2-40B4-BE49-F238E27FC236}">
+                <a16:creationId xmlns:a16="http://schemas.microsoft.com/office/drawing/2014/main" id="{84B9FC7B-A0FB-20B2-0544-8F54F768B91B}"/>
+              </a:ext>
+            </a:extLst>
+          </p:cNvPr>
+          <p:cNvCxnSpPr>
+            <a:cxnSpLocks/>
+          </p:cNvCxnSpPr>
+          <p:nvPr/>
+        </p:nvCxnSpPr>
+        <p:spPr>
+          <a:xfrm>
+            <a:off x="4568357" y="4538524"/>
+            <a:ext cx="371475" cy="496849"/>
+          </a:xfrm>
+          <a:prstGeom prst="line">
+            <a:avLst/>
+          </a:prstGeom>
+          <a:ln>
+            <a:solidFill>
+              <a:srgbClr val="FF0000"/>
+            </a:solidFill>
+          </a:ln>
+        </p:spPr>
+        <p:style>
+          <a:lnRef idx="1">
+            <a:schemeClr val="accent1"/>
+          </a:lnRef>
+          <a:fillRef idx="0">
+            <a:schemeClr val="accent1"/>
+          </a:fillRef>
+          <a:effectRef idx="0">
+            <a:schemeClr val="accent1"/>
+          </a:effectRef>
+          <a:fontRef idx="minor">
+            <a:schemeClr val="tx1"/>
+          </a:fontRef>
+        </p:style>
+      </p:cxnSp>
+      <p:cxnSp>
+        <p:nvCxnSpPr>
+          <p:cNvPr id="58" name="直線コネクタ 57">
+            <a:extLst>
+              <a:ext uri="{FF2B5EF4-FFF2-40B4-BE49-F238E27FC236}">
+                <a16:creationId xmlns:a16="http://schemas.microsoft.com/office/drawing/2014/main" id="{9DFF417C-F853-E085-A298-E7871D452E84}"/>
+              </a:ext>
+            </a:extLst>
+          </p:cNvPr>
+          <p:cNvCxnSpPr>
+            <a:cxnSpLocks/>
+          </p:cNvCxnSpPr>
+          <p:nvPr/>
+        </p:nvCxnSpPr>
+        <p:spPr>
+          <a:xfrm>
+            <a:off x="4951954" y="5020837"/>
+            <a:ext cx="742950" cy="17065"/>
+          </a:xfrm>
+          <a:prstGeom prst="line">
+            <a:avLst/>
+          </a:prstGeom>
+          <a:ln>
+            <a:solidFill>
+              <a:srgbClr val="FF0000"/>
+            </a:solidFill>
+          </a:ln>
+        </p:spPr>
+        <p:style>
+          <a:lnRef idx="1">
+            <a:schemeClr val="accent1"/>
+          </a:lnRef>
+          <a:fillRef idx="0">
+            <a:schemeClr val="accent1"/>
+          </a:fillRef>
+          <a:effectRef idx="0">
+            <a:schemeClr val="accent1"/>
+          </a:effectRef>
+          <a:fontRef idx="minor">
+            <a:schemeClr val="tx1"/>
+          </a:fontRef>
+        </p:style>
+      </p:cxnSp>
+      <p:cxnSp>
+        <p:nvCxnSpPr>
+          <p:cNvPr id="61" name="直線コネクタ 60">
+            <a:extLst>
+              <a:ext uri="{FF2B5EF4-FFF2-40B4-BE49-F238E27FC236}">
+                <a16:creationId xmlns:a16="http://schemas.microsoft.com/office/drawing/2014/main" id="{D4B77576-9991-BD20-353A-978803DC1220}"/>
+              </a:ext>
+            </a:extLst>
+          </p:cNvPr>
+          <p:cNvCxnSpPr>
+            <a:cxnSpLocks/>
+          </p:cNvCxnSpPr>
+          <p:nvPr/>
+        </p:nvCxnSpPr>
+        <p:spPr>
+          <a:xfrm>
+            <a:off x="6174900" y="2396338"/>
+            <a:ext cx="371475" cy="496849"/>
+          </a:xfrm>
+          <a:prstGeom prst="line">
+            <a:avLst/>
+          </a:prstGeom>
+          <a:ln>
+            <a:solidFill>
+              <a:srgbClr val="FF0000"/>
+            </a:solidFill>
+          </a:ln>
+        </p:spPr>
+        <p:style>
+          <a:lnRef idx="1">
+            <a:schemeClr val="accent1"/>
+          </a:lnRef>
+          <a:fillRef idx="0">
+            <a:schemeClr val="accent1"/>
+          </a:fillRef>
+          <a:effectRef idx="0">
+            <a:schemeClr val="accent1"/>
+          </a:effectRef>
+          <a:fontRef idx="minor">
+            <a:schemeClr val="tx1"/>
+          </a:fontRef>
+        </p:style>
+      </p:cxnSp>
+      <p:cxnSp>
+        <p:nvCxnSpPr>
+          <p:cNvPr id="62" name="直線コネクタ 61">
+            <a:extLst>
+              <a:ext uri="{FF2B5EF4-FFF2-40B4-BE49-F238E27FC236}">
+                <a16:creationId xmlns:a16="http://schemas.microsoft.com/office/drawing/2014/main" id="{842BCBBD-FE1B-A99D-3F00-965CE491AB08}"/>
+              </a:ext>
+            </a:extLst>
+          </p:cNvPr>
+          <p:cNvCxnSpPr>
+            <a:cxnSpLocks/>
+          </p:cNvCxnSpPr>
+          <p:nvPr/>
+        </p:nvCxnSpPr>
+        <p:spPr>
+          <a:xfrm>
+            <a:off x="6558497" y="2878651"/>
+            <a:ext cx="742950" cy="17065"/>
+          </a:xfrm>
+          <a:prstGeom prst="line">
+            <a:avLst/>
+          </a:prstGeom>
+          <a:ln>
+            <a:solidFill>
+              <a:srgbClr val="FF0000"/>
+            </a:solidFill>
+          </a:ln>
+        </p:spPr>
+        <p:style>
+          <a:lnRef idx="1">
+            <a:schemeClr val="accent1"/>
+          </a:lnRef>
+          <a:fillRef idx="0">
+            <a:schemeClr val="accent1"/>
+          </a:fillRef>
+          <a:effectRef idx="0">
+            <a:schemeClr val="accent1"/>
+          </a:effectRef>
+          <a:fontRef idx="minor">
+            <a:schemeClr val="tx1"/>
+          </a:fontRef>
+        </p:style>
+      </p:cxnSp>
     </p:spTree>
     <p:extLst>
       <p:ext uri="{BB962C8B-B14F-4D97-AF65-F5344CB8AC3E}">

--- a/R4 上 5.pptx
+++ b/R4 上 5.pptx
@@ -21774,6 +21774,164 @@
           </p:sp>
         </mc:Fallback>
       </mc:AlternateContent>
+      <mc:AlternateContent xmlns:mc="http://schemas.openxmlformats.org/markup-compatibility/2006">
+        <mc:Choice xmlns:a14="http://schemas.microsoft.com/office/drawing/2010/main" Requires="a14">
+          <p:sp>
+            <p:nvSpPr>
+              <p:cNvPr id="50" name="テキスト ボックス 49">
+                <a:extLst>
+                  <a:ext uri="{FF2B5EF4-FFF2-40B4-BE49-F238E27FC236}">
+                    <a16:creationId xmlns:a16="http://schemas.microsoft.com/office/drawing/2014/main" id="{25368C09-CADC-14DB-4BA4-F594FA7EAE91}"/>
+                  </a:ext>
+                </a:extLst>
+              </p:cNvPr>
+              <p:cNvSpPr txBox="1"/>
+              <p:nvPr/>
+            </p:nvSpPr>
+            <p:spPr>
+              <a:xfrm>
+                <a:off x="1072409" y="3542500"/>
+                <a:ext cx="911275" cy="276999"/>
+              </a:xfrm>
+              <a:prstGeom prst="rect">
+                <a:avLst/>
+              </a:prstGeom>
+              <a:noFill/>
+            </p:spPr>
+            <p:txBody>
+              <a:bodyPr wrap="none" lIns="0" tIns="0" rIns="0" bIns="0" rtlCol="0">
+                <a:spAutoFit/>
+              </a:bodyPr>
+              <a:lstStyle/>
+              <a:p>
+                <a:pPr/>
+                <a14:m>
+                  <m:oMathPara xmlns:m="http://schemas.openxmlformats.org/officeDocument/2006/math">
+                    <m:oMathParaPr>
+                      <m:jc m:val="centerGroup"/>
+                    </m:oMathParaPr>
+                    <m:oMath xmlns:m="http://schemas.openxmlformats.org/officeDocument/2006/math">
+                      <m:sSub>
+                        <m:sSubPr>
+                          <m:ctrlPr>
+                            <a:rPr kumimoji="1" lang="en-US" altLang="ja-JP" i="1" smtClean="0">
+                              <a:solidFill>
+                                <a:srgbClr val="FF0000"/>
+                              </a:solidFill>
+                              <a:latin typeface="Cambria Math" panose="02040503050406030204" pitchFamily="18" charset="0"/>
+                            </a:rPr>
+                          </m:ctrlPr>
+                        </m:sSubPr>
+                        <m:e>
+                          <m:r>
+                            <a:rPr kumimoji="1" lang="en-US" altLang="ja-JP" b="0" i="1" smtClean="0">
+                              <a:solidFill>
+                                <a:srgbClr val="FF0000"/>
+                              </a:solidFill>
+                              <a:latin typeface="Cambria Math" panose="02040503050406030204" pitchFamily="18" charset="0"/>
+                            </a:rPr>
+                            <m:t>𝑅</m:t>
+                          </m:r>
+                        </m:e>
+                        <m:sub>
+                          <m:r>
+                            <a:rPr kumimoji="1" lang="en-US" altLang="ja-JP" b="0" i="1" smtClean="0">
+                              <a:solidFill>
+                                <a:srgbClr val="FF0000"/>
+                              </a:solidFill>
+                              <a:latin typeface="Cambria Math" panose="02040503050406030204" pitchFamily="18" charset="0"/>
+                            </a:rPr>
+                            <m:t>0</m:t>
+                          </m:r>
+                        </m:sub>
+                      </m:sSub>
+                      <m:r>
+                        <a:rPr kumimoji="1" lang="en-US" altLang="ja-JP" b="0" i="1" smtClean="0">
+                          <a:solidFill>
+                            <a:srgbClr val="FF0000"/>
+                          </a:solidFill>
+                          <a:latin typeface="Cambria Math" panose="02040503050406030204" pitchFamily="18" charset="0"/>
+                        </a:rPr>
+                        <m:t>=</m:t>
+                      </m:r>
+                      <m:r>
+                        <a:rPr kumimoji="1" lang="en-US" altLang="ja-JP" b="0" i="1" smtClean="0">
+                          <a:solidFill>
+                            <a:srgbClr val="FF0000"/>
+                          </a:solidFill>
+                          <a:latin typeface="Cambria Math" panose="02040503050406030204" pitchFamily="18" charset="0"/>
+                        </a:rPr>
+                        <m:t>5</m:t>
+                      </m:r>
+                      <m:r>
+                        <m:rPr>
+                          <m:sty m:val="p"/>
+                        </m:rPr>
+                        <a:rPr lang="en-US" altLang="ja-JP" i="1">
+                          <a:solidFill>
+                            <a:srgbClr val="FF0000"/>
+                          </a:solidFill>
+                          <a:latin typeface="Cambria Math" panose="02040503050406030204" pitchFamily="18" charset="0"/>
+                        </a:rPr>
+                        <m:t>Ω</m:t>
+                      </m:r>
+                    </m:oMath>
+                  </m:oMathPara>
+                </a14:m>
+                <a:endParaRPr kumimoji="1" lang="ja-JP" altLang="en-US" dirty="0">
+                  <a:solidFill>
+                    <a:srgbClr val="FF0000"/>
+                  </a:solidFill>
+                </a:endParaRPr>
+              </a:p>
+            </p:txBody>
+          </p:sp>
+        </mc:Choice>
+        <mc:Fallback>
+          <p:sp>
+            <p:nvSpPr>
+              <p:cNvPr id="50" name="テキスト ボックス 49">
+                <a:extLst>
+                  <a:ext uri="{FF2B5EF4-FFF2-40B4-BE49-F238E27FC236}">
+                    <a16:creationId xmlns:a16="http://schemas.microsoft.com/office/drawing/2014/main" id="{25368C09-CADC-14DB-4BA4-F594FA7EAE91}"/>
+                  </a:ext>
+                </a:extLst>
+              </p:cNvPr>
+              <p:cNvSpPr txBox="1">
+                <a:spLocks noRot="1" noChangeAspect="1" noMove="1" noResize="1" noEditPoints="1" noAdjustHandles="1" noChangeArrowheads="1" noChangeShapeType="1" noTextEdit="1"/>
+              </p:cNvSpPr>
+              <p:nvPr/>
+            </p:nvSpPr>
+            <p:spPr>
+              <a:xfrm>
+                <a:off x="1072409" y="3542500"/>
+                <a:ext cx="911275" cy="276999"/>
+              </a:xfrm>
+              <a:prstGeom prst="rect">
+                <a:avLst/>
+              </a:prstGeom>
+              <a:blipFill>
+                <a:blip r:embed="rId18"/>
+                <a:stretch>
+                  <a:fillRect l="-4698" r="-4698" b="-15217"/>
+                </a:stretch>
+              </a:blipFill>
+            </p:spPr>
+            <p:txBody>
+              <a:bodyPr/>
+              <a:lstStyle/>
+              <a:p>
+                <a:r>
+                  <a:rPr lang="ja-JP" altLang="en-US">
+                    <a:noFill/>
+                  </a:rPr>
+                  <a:t> </a:t>
+                </a:r>
+              </a:p>
+            </p:txBody>
+          </p:sp>
+        </mc:Fallback>
+      </mc:AlternateContent>
     </p:spTree>
     <p:extLst>
       <p:ext uri="{BB962C8B-B14F-4D97-AF65-F5344CB8AC3E}">
@@ -25482,6 +25640,322 @@
           </p:sp>
         </mc:Fallback>
       </mc:AlternateContent>
+      <mc:AlternateContent xmlns:mc="http://schemas.openxmlformats.org/markup-compatibility/2006">
+        <mc:Choice xmlns:a14="http://schemas.microsoft.com/office/drawing/2010/main" Requires="a14">
+          <p:sp>
+            <p:nvSpPr>
+              <p:cNvPr id="16" name="テキスト ボックス 15">
+                <a:extLst>
+                  <a:ext uri="{FF2B5EF4-FFF2-40B4-BE49-F238E27FC236}">
+                    <a16:creationId xmlns:a16="http://schemas.microsoft.com/office/drawing/2014/main" id="{67A9AE23-B8EC-7602-C507-A9EAC665A6CB}"/>
+                  </a:ext>
+                </a:extLst>
+              </p:cNvPr>
+              <p:cNvSpPr txBox="1"/>
+              <p:nvPr/>
+            </p:nvSpPr>
+            <p:spPr>
+              <a:xfrm>
+                <a:off x="1145944" y="2926620"/>
+                <a:ext cx="949812" cy="276999"/>
+              </a:xfrm>
+              <a:prstGeom prst="rect">
+                <a:avLst/>
+              </a:prstGeom>
+              <a:noFill/>
+            </p:spPr>
+            <p:txBody>
+              <a:bodyPr wrap="none" lIns="0" tIns="0" rIns="0" bIns="0" rtlCol="0">
+                <a:spAutoFit/>
+              </a:bodyPr>
+              <a:lstStyle/>
+              <a:p>
+                <a:pPr/>
+                <a14:m>
+                  <m:oMathPara xmlns:m="http://schemas.openxmlformats.org/officeDocument/2006/math">
+                    <m:oMathParaPr>
+                      <m:jc m:val="centerGroup"/>
+                    </m:oMathParaPr>
+                    <m:oMath xmlns:m="http://schemas.openxmlformats.org/officeDocument/2006/math">
+                      <m:sSub>
+                        <m:sSubPr>
+                          <m:ctrlPr>
+                            <a:rPr kumimoji="1" lang="en-US" altLang="ja-JP" b="0" i="1" smtClean="0">
+                              <a:solidFill>
+                                <a:srgbClr val="FF0000"/>
+                              </a:solidFill>
+                              <a:latin typeface="Cambria Math" panose="02040503050406030204" pitchFamily="18" charset="0"/>
+                            </a:rPr>
+                          </m:ctrlPr>
+                        </m:sSubPr>
+                        <m:e>
+                          <m:r>
+                            <a:rPr kumimoji="1" lang="en-US" altLang="ja-JP" b="0" i="1" smtClean="0">
+                              <a:solidFill>
+                                <a:srgbClr val="FF0000"/>
+                              </a:solidFill>
+                              <a:latin typeface="Cambria Math" panose="02040503050406030204" pitchFamily="18" charset="0"/>
+                            </a:rPr>
+                            <m:t>𝐼</m:t>
+                          </m:r>
+                        </m:e>
+                        <m:sub>
+                          <m:r>
+                            <a:rPr kumimoji="1" lang="en-US" altLang="ja-JP" b="0" i="1" smtClean="0">
+                              <a:solidFill>
+                                <a:srgbClr val="FF0000"/>
+                              </a:solidFill>
+                              <a:latin typeface="Cambria Math" panose="02040503050406030204" pitchFamily="18" charset="0"/>
+                            </a:rPr>
+                            <m:t>0</m:t>
+                          </m:r>
+                        </m:sub>
+                      </m:sSub>
+                      <m:r>
+                        <a:rPr kumimoji="1" lang="en-US" altLang="ja-JP" b="0" i="1" smtClean="0">
+                          <a:solidFill>
+                            <a:srgbClr val="FF0000"/>
+                          </a:solidFill>
+                          <a:latin typeface="Cambria Math" panose="02040503050406030204" pitchFamily="18" charset="0"/>
+                        </a:rPr>
+                        <m:t>=</m:t>
+                      </m:r>
+                      <m:r>
+                        <a:rPr kumimoji="1" lang="en-US" altLang="ja-JP" b="0" i="1" smtClean="0">
+                          <a:solidFill>
+                            <a:srgbClr val="FF0000"/>
+                          </a:solidFill>
+                          <a:latin typeface="Cambria Math" panose="02040503050406030204" pitchFamily="18" charset="0"/>
+                        </a:rPr>
+                        <m:t>21</m:t>
+                      </m:r>
+                      <m:r>
+                        <m:rPr>
+                          <m:sty m:val="p"/>
+                        </m:rPr>
+                        <a:rPr kumimoji="1" lang="en-US" altLang="ja-JP" b="0" i="0" smtClean="0">
+                          <a:solidFill>
+                            <a:srgbClr val="FF0000"/>
+                          </a:solidFill>
+                          <a:latin typeface="Cambria Math" panose="02040503050406030204" pitchFamily="18" charset="0"/>
+                        </a:rPr>
+                        <m:t>A</m:t>
+                      </m:r>
+                    </m:oMath>
+                  </m:oMathPara>
+                </a14:m>
+                <a:endParaRPr kumimoji="1" lang="ja-JP" altLang="en-US" dirty="0">
+                  <a:solidFill>
+                    <a:srgbClr val="FF0000"/>
+                  </a:solidFill>
+                </a:endParaRPr>
+              </a:p>
+            </p:txBody>
+          </p:sp>
+        </mc:Choice>
+        <mc:Fallback>
+          <p:sp>
+            <p:nvSpPr>
+              <p:cNvPr id="16" name="テキスト ボックス 15">
+                <a:extLst>
+                  <a:ext uri="{FF2B5EF4-FFF2-40B4-BE49-F238E27FC236}">
+                    <a16:creationId xmlns:a16="http://schemas.microsoft.com/office/drawing/2014/main" id="{67A9AE23-B8EC-7602-C507-A9EAC665A6CB}"/>
+                  </a:ext>
+                </a:extLst>
+              </p:cNvPr>
+              <p:cNvSpPr txBox="1">
+                <a:spLocks noRot="1" noChangeAspect="1" noMove="1" noResize="1" noEditPoints="1" noAdjustHandles="1" noChangeArrowheads="1" noChangeShapeType="1" noTextEdit="1"/>
+              </p:cNvSpPr>
+              <p:nvPr/>
+            </p:nvSpPr>
+            <p:spPr>
+              <a:xfrm>
+                <a:off x="1145944" y="2926620"/>
+                <a:ext cx="949812" cy="276999"/>
+              </a:xfrm>
+              <a:prstGeom prst="rect">
+                <a:avLst/>
+              </a:prstGeom>
+              <a:blipFill>
+                <a:blip r:embed="rId23"/>
+                <a:stretch>
+                  <a:fillRect l="-5128" r="-5128" b="-15217"/>
+                </a:stretch>
+              </a:blipFill>
+            </p:spPr>
+            <p:txBody>
+              <a:bodyPr/>
+              <a:lstStyle/>
+              <a:p>
+                <a:r>
+                  <a:rPr lang="ja-JP" altLang="en-US">
+                    <a:noFill/>
+                  </a:rPr>
+                  <a:t> </a:t>
+                </a:r>
+              </a:p>
+            </p:txBody>
+          </p:sp>
+        </mc:Fallback>
+      </mc:AlternateContent>
+      <mc:AlternateContent xmlns:mc="http://schemas.openxmlformats.org/markup-compatibility/2006">
+        <mc:Choice xmlns:a14="http://schemas.microsoft.com/office/drawing/2010/main" Requires="a14">
+          <p:sp>
+            <p:nvSpPr>
+              <p:cNvPr id="18" name="テキスト ボックス 17">
+                <a:extLst>
+                  <a:ext uri="{FF2B5EF4-FFF2-40B4-BE49-F238E27FC236}">
+                    <a16:creationId xmlns:a16="http://schemas.microsoft.com/office/drawing/2014/main" id="{79CE2B48-A533-823C-D1F9-E2F3C602AEE3}"/>
+                  </a:ext>
+                </a:extLst>
+              </p:cNvPr>
+              <p:cNvSpPr txBox="1"/>
+              <p:nvPr/>
+            </p:nvSpPr>
+            <p:spPr>
+              <a:xfrm>
+                <a:off x="1072409" y="3542500"/>
+                <a:ext cx="911275" cy="276999"/>
+              </a:xfrm>
+              <a:prstGeom prst="rect">
+                <a:avLst/>
+              </a:prstGeom>
+              <a:noFill/>
+            </p:spPr>
+            <p:txBody>
+              <a:bodyPr wrap="none" lIns="0" tIns="0" rIns="0" bIns="0" rtlCol="0">
+                <a:spAutoFit/>
+              </a:bodyPr>
+              <a:lstStyle/>
+              <a:p>
+                <a:pPr/>
+                <a14:m>
+                  <m:oMathPara xmlns:m="http://schemas.openxmlformats.org/officeDocument/2006/math">
+                    <m:oMathParaPr>
+                      <m:jc m:val="centerGroup"/>
+                    </m:oMathParaPr>
+                    <m:oMath xmlns:m="http://schemas.openxmlformats.org/officeDocument/2006/math">
+                      <m:sSub>
+                        <m:sSubPr>
+                          <m:ctrlPr>
+                            <a:rPr kumimoji="1" lang="en-US" altLang="ja-JP" i="1" smtClean="0">
+                              <a:solidFill>
+                                <a:schemeClr val="tx1"/>
+                              </a:solidFill>
+                              <a:latin typeface="Cambria Math" panose="02040503050406030204" pitchFamily="18" charset="0"/>
+                            </a:rPr>
+                          </m:ctrlPr>
+                        </m:sSubPr>
+                        <m:e>
+                          <m:r>
+                            <a:rPr kumimoji="1" lang="en-US" altLang="ja-JP" b="0" i="1" smtClean="0">
+                              <a:solidFill>
+                                <a:schemeClr val="tx1"/>
+                              </a:solidFill>
+                              <a:latin typeface="Cambria Math" panose="02040503050406030204" pitchFamily="18" charset="0"/>
+                            </a:rPr>
+                            <m:t>𝑅</m:t>
+                          </m:r>
+                        </m:e>
+                        <m:sub>
+                          <m:r>
+                            <a:rPr kumimoji="1" lang="en-US" altLang="ja-JP" b="0" i="1" smtClean="0">
+                              <a:solidFill>
+                                <a:schemeClr val="tx1"/>
+                              </a:solidFill>
+                              <a:latin typeface="Cambria Math" panose="02040503050406030204" pitchFamily="18" charset="0"/>
+                            </a:rPr>
+                            <m:t>0</m:t>
+                          </m:r>
+                        </m:sub>
+                      </m:sSub>
+                      <m:r>
+                        <a:rPr kumimoji="1" lang="en-US" altLang="ja-JP" b="0" i="1" smtClean="0">
+                          <a:solidFill>
+                            <a:schemeClr val="tx1"/>
+                          </a:solidFill>
+                          <a:latin typeface="Cambria Math" panose="02040503050406030204" pitchFamily="18" charset="0"/>
+                        </a:rPr>
+                        <m:t>=</m:t>
+                      </m:r>
+                      <m:r>
+                        <a:rPr kumimoji="1" lang="en-US" altLang="ja-JP" b="0" i="1" smtClean="0">
+                          <a:solidFill>
+                            <a:schemeClr val="tx1"/>
+                          </a:solidFill>
+                          <a:latin typeface="Cambria Math" panose="02040503050406030204" pitchFamily="18" charset="0"/>
+                        </a:rPr>
+                        <m:t>5</m:t>
+                      </m:r>
+                      <m:r>
+                        <m:rPr>
+                          <m:sty m:val="p"/>
+                        </m:rPr>
+                        <a:rPr lang="en-US" altLang="ja-JP" i="1">
+                          <a:solidFill>
+                            <a:schemeClr val="tx1"/>
+                          </a:solidFill>
+                          <a:latin typeface="Cambria Math" panose="02040503050406030204" pitchFamily="18" charset="0"/>
+                        </a:rPr>
+                        <m:t>Ω</m:t>
+                      </m:r>
+                    </m:oMath>
+                  </m:oMathPara>
+                </a14:m>
+                <a:endParaRPr kumimoji="1" lang="ja-JP" altLang="en-US" dirty="0">
+                  <a:solidFill>
+                    <a:schemeClr val="tx1"/>
+                  </a:solidFill>
+                </a:endParaRPr>
+              </a:p>
+            </p:txBody>
+          </p:sp>
+        </mc:Choice>
+        <mc:Fallback>
+          <p:sp>
+            <p:nvSpPr>
+              <p:cNvPr id="18" name="テキスト ボックス 17">
+                <a:extLst>
+                  <a:ext uri="{FF2B5EF4-FFF2-40B4-BE49-F238E27FC236}">
+                    <a16:creationId xmlns:a16="http://schemas.microsoft.com/office/drawing/2014/main" id="{79CE2B48-A533-823C-D1F9-E2F3C602AEE3}"/>
+                  </a:ext>
+                </a:extLst>
+              </p:cNvPr>
+              <p:cNvSpPr txBox="1">
+                <a:spLocks noRot="1" noChangeAspect="1" noMove="1" noResize="1" noEditPoints="1" noAdjustHandles="1" noChangeArrowheads="1" noChangeShapeType="1" noTextEdit="1"/>
+              </p:cNvSpPr>
+              <p:nvPr/>
+            </p:nvSpPr>
+            <p:spPr>
+              <a:xfrm>
+                <a:off x="1072409" y="3542500"/>
+                <a:ext cx="911275" cy="276999"/>
+              </a:xfrm>
+              <a:prstGeom prst="rect">
+                <a:avLst/>
+              </a:prstGeom>
+              <a:blipFill>
+                <a:blip r:embed="rId24"/>
+                <a:stretch>
+                  <a:fillRect l="-4698" r="-4698" b="-15217"/>
+                </a:stretch>
+              </a:blipFill>
+            </p:spPr>
+            <p:txBody>
+              <a:bodyPr/>
+              <a:lstStyle/>
+              <a:p>
+                <a:r>
+                  <a:rPr lang="ja-JP" altLang="en-US">
+                    <a:noFill/>
+                  </a:rPr>
+                  <a:t> </a:t>
+                </a:r>
+              </a:p>
+            </p:txBody>
+          </p:sp>
+        </mc:Fallback>
+      </mc:AlternateContent>
     </p:spTree>
     <p:extLst>
       <p:ext uri="{BB962C8B-B14F-4D97-AF65-F5344CB8AC3E}">
@@ -28738,6 +29212,322 @@
                 <a:blip r:embed="rId20"/>
                 <a:stretch>
                   <a:fillRect l="-3763" r="-4301" b="-15217"/>
+                </a:stretch>
+              </a:blipFill>
+            </p:spPr>
+            <p:txBody>
+              <a:bodyPr/>
+              <a:lstStyle/>
+              <a:p>
+                <a:r>
+                  <a:rPr lang="ja-JP" altLang="en-US">
+                    <a:noFill/>
+                  </a:rPr>
+                  <a:t> </a:t>
+                </a:r>
+              </a:p>
+            </p:txBody>
+          </p:sp>
+        </mc:Fallback>
+      </mc:AlternateContent>
+      <mc:AlternateContent xmlns:mc="http://schemas.openxmlformats.org/markup-compatibility/2006">
+        <mc:Choice xmlns:a14="http://schemas.microsoft.com/office/drawing/2010/main" Requires="a14">
+          <p:sp>
+            <p:nvSpPr>
+              <p:cNvPr id="27" name="テキスト ボックス 26">
+                <a:extLst>
+                  <a:ext uri="{FF2B5EF4-FFF2-40B4-BE49-F238E27FC236}">
+                    <a16:creationId xmlns:a16="http://schemas.microsoft.com/office/drawing/2014/main" id="{24FBC616-2A7B-E535-A501-437DEE65373A}"/>
+                  </a:ext>
+                </a:extLst>
+              </p:cNvPr>
+              <p:cNvSpPr txBox="1"/>
+              <p:nvPr/>
+            </p:nvSpPr>
+            <p:spPr>
+              <a:xfrm>
+                <a:off x="1145944" y="2926620"/>
+                <a:ext cx="949812" cy="276999"/>
+              </a:xfrm>
+              <a:prstGeom prst="rect">
+                <a:avLst/>
+              </a:prstGeom>
+              <a:noFill/>
+            </p:spPr>
+            <p:txBody>
+              <a:bodyPr wrap="none" lIns="0" tIns="0" rIns="0" bIns="0" rtlCol="0">
+                <a:spAutoFit/>
+              </a:bodyPr>
+              <a:lstStyle/>
+              <a:p>
+                <a:pPr/>
+                <a14:m>
+                  <m:oMathPara xmlns:m="http://schemas.openxmlformats.org/officeDocument/2006/math">
+                    <m:oMathParaPr>
+                      <m:jc m:val="centerGroup"/>
+                    </m:oMathParaPr>
+                    <m:oMath xmlns:m="http://schemas.openxmlformats.org/officeDocument/2006/math">
+                      <m:sSub>
+                        <m:sSubPr>
+                          <m:ctrlPr>
+                            <a:rPr kumimoji="1" lang="en-US" altLang="ja-JP" b="0" i="1" smtClean="0">
+                              <a:solidFill>
+                                <a:schemeClr val="tx1"/>
+                              </a:solidFill>
+                              <a:latin typeface="Cambria Math" panose="02040503050406030204" pitchFamily="18" charset="0"/>
+                            </a:rPr>
+                          </m:ctrlPr>
+                        </m:sSubPr>
+                        <m:e>
+                          <m:r>
+                            <a:rPr kumimoji="1" lang="en-US" altLang="ja-JP" b="0" i="1" smtClean="0">
+                              <a:solidFill>
+                                <a:schemeClr val="tx1"/>
+                              </a:solidFill>
+                              <a:latin typeface="Cambria Math" panose="02040503050406030204" pitchFamily="18" charset="0"/>
+                            </a:rPr>
+                            <m:t>𝐼</m:t>
+                          </m:r>
+                        </m:e>
+                        <m:sub>
+                          <m:r>
+                            <a:rPr kumimoji="1" lang="en-US" altLang="ja-JP" b="0" i="1" smtClean="0">
+                              <a:solidFill>
+                                <a:schemeClr val="tx1"/>
+                              </a:solidFill>
+                              <a:latin typeface="Cambria Math" panose="02040503050406030204" pitchFamily="18" charset="0"/>
+                            </a:rPr>
+                            <m:t>0</m:t>
+                          </m:r>
+                        </m:sub>
+                      </m:sSub>
+                      <m:r>
+                        <a:rPr kumimoji="1" lang="en-US" altLang="ja-JP" b="0" i="1" smtClean="0">
+                          <a:solidFill>
+                            <a:schemeClr val="tx1"/>
+                          </a:solidFill>
+                          <a:latin typeface="Cambria Math" panose="02040503050406030204" pitchFamily="18" charset="0"/>
+                        </a:rPr>
+                        <m:t>=</m:t>
+                      </m:r>
+                      <m:r>
+                        <a:rPr kumimoji="1" lang="en-US" altLang="ja-JP" b="0" i="1" smtClean="0">
+                          <a:solidFill>
+                            <a:schemeClr val="tx1"/>
+                          </a:solidFill>
+                          <a:latin typeface="Cambria Math" panose="02040503050406030204" pitchFamily="18" charset="0"/>
+                        </a:rPr>
+                        <m:t>21</m:t>
+                      </m:r>
+                      <m:r>
+                        <m:rPr>
+                          <m:sty m:val="p"/>
+                        </m:rPr>
+                        <a:rPr kumimoji="1" lang="en-US" altLang="ja-JP" b="0" i="0" smtClean="0">
+                          <a:solidFill>
+                            <a:schemeClr val="tx1"/>
+                          </a:solidFill>
+                          <a:latin typeface="Cambria Math" panose="02040503050406030204" pitchFamily="18" charset="0"/>
+                        </a:rPr>
+                        <m:t>A</m:t>
+                      </m:r>
+                    </m:oMath>
+                  </m:oMathPara>
+                </a14:m>
+                <a:endParaRPr kumimoji="1" lang="ja-JP" altLang="en-US" dirty="0">
+                  <a:solidFill>
+                    <a:schemeClr val="tx1"/>
+                  </a:solidFill>
+                </a:endParaRPr>
+              </a:p>
+            </p:txBody>
+          </p:sp>
+        </mc:Choice>
+        <mc:Fallback>
+          <p:sp>
+            <p:nvSpPr>
+              <p:cNvPr id="27" name="テキスト ボックス 26">
+                <a:extLst>
+                  <a:ext uri="{FF2B5EF4-FFF2-40B4-BE49-F238E27FC236}">
+                    <a16:creationId xmlns:a16="http://schemas.microsoft.com/office/drawing/2014/main" id="{24FBC616-2A7B-E535-A501-437DEE65373A}"/>
+                  </a:ext>
+                </a:extLst>
+              </p:cNvPr>
+              <p:cNvSpPr txBox="1">
+                <a:spLocks noRot="1" noChangeAspect="1" noMove="1" noResize="1" noEditPoints="1" noAdjustHandles="1" noChangeArrowheads="1" noChangeShapeType="1" noTextEdit="1"/>
+              </p:cNvSpPr>
+              <p:nvPr/>
+            </p:nvSpPr>
+            <p:spPr>
+              <a:xfrm>
+                <a:off x="1145944" y="2926620"/>
+                <a:ext cx="949812" cy="276999"/>
+              </a:xfrm>
+              <a:prstGeom prst="rect">
+                <a:avLst/>
+              </a:prstGeom>
+              <a:blipFill>
+                <a:blip r:embed="rId21"/>
+                <a:stretch>
+                  <a:fillRect l="-5128" r="-5128" b="-15217"/>
+                </a:stretch>
+              </a:blipFill>
+            </p:spPr>
+            <p:txBody>
+              <a:bodyPr/>
+              <a:lstStyle/>
+              <a:p>
+                <a:r>
+                  <a:rPr lang="ja-JP" altLang="en-US">
+                    <a:noFill/>
+                  </a:rPr>
+                  <a:t> </a:t>
+                </a:r>
+              </a:p>
+            </p:txBody>
+          </p:sp>
+        </mc:Fallback>
+      </mc:AlternateContent>
+      <mc:AlternateContent xmlns:mc="http://schemas.openxmlformats.org/markup-compatibility/2006">
+        <mc:Choice xmlns:a14="http://schemas.microsoft.com/office/drawing/2010/main" Requires="a14">
+          <p:sp>
+            <p:nvSpPr>
+              <p:cNvPr id="29" name="テキスト ボックス 28">
+                <a:extLst>
+                  <a:ext uri="{FF2B5EF4-FFF2-40B4-BE49-F238E27FC236}">
+                    <a16:creationId xmlns:a16="http://schemas.microsoft.com/office/drawing/2014/main" id="{559C7F7A-D679-F403-1747-CB367170F8C7}"/>
+                  </a:ext>
+                </a:extLst>
+              </p:cNvPr>
+              <p:cNvSpPr txBox="1"/>
+              <p:nvPr/>
+            </p:nvSpPr>
+            <p:spPr>
+              <a:xfrm>
+                <a:off x="1072409" y="3542500"/>
+                <a:ext cx="911275" cy="276999"/>
+              </a:xfrm>
+              <a:prstGeom prst="rect">
+                <a:avLst/>
+              </a:prstGeom>
+              <a:noFill/>
+            </p:spPr>
+            <p:txBody>
+              <a:bodyPr wrap="none" lIns="0" tIns="0" rIns="0" bIns="0" rtlCol="0">
+                <a:spAutoFit/>
+              </a:bodyPr>
+              <a:lstStyle/>
+              <a:p>
+                <a:pPr/>
+                <a14:m>
+                  <m:oMathPara xmlns:m="http://schemas.openxmlformats.org/officeDocument/2006/math">
+                    <m:oMathParaPr>
+                      <m:jc m:val="centerGroup"/>
+                    </m:oMathParaPr>
+                    <m:oMath xmlns:m="http://schemas.openxmlformats.org/officeDocument/2006/math">
+                      <m:sSub>
+                        <m:sSubPr>
+                          <m:ctrlPr>
+                            <a:rPr kumimoji="1" lang="en-US" altLang="ja-JP" i="1" smtClean="0">
+                              <a:solidFill>
+                                <a:schemeClr val="tx1"/>
+                              </a:solidFill>
+                              <a:latin typeface="Cambria Math" panose="02040503050406030204" pitchFamily="18" charset="0"/>
+                            </a:rPr>
+                          </m:ctrlPr>
+                        </m:sSubPr>
+                        <m:e>
+                          <m:r>
+                            <a:rPr kumimoji="1" lang="en-US" altLang="ja-JP" b="0" i="1" smtClean="0">
+                              <a:solidFill>
+                                <a:schemeClr val="tx1"/>
+                              </a:solidFill>
+                              <a:latin typeface="Cambria Math" panose="02040503050406030204" pitchFamily="18" charset="0"/>
+                            </a:rPr>
+                            <m:t>𝑅</m:t>
+                          </m:r>
+                        </m:e>
+                        <m:sub>
+                          <m:r>
+                            <a:rPr kumimoji="1" lang="en-US" altLang="ja-JP" b="0" i="1" smtClean="0">
+                              <a:solidFill>
+                                <a:schemeClr val="tx1"/>
+                              </a:solidFill>
+                              <a:latin typeface="Cambria Math" panose="02040503050406030204" pitchFamily="18" charset="0"/>
+                            </a:rPr>
+                            <m:t>0</m:t>
+                          </m:r>
+                        </m:sub>
+                      </m:sSub>
+                      <m:r>
+                        <a:rPr kumimoji="1" lang="en-US" altLang="ja-JP" b="0" i="1" smtClean="0">
+                          <a:solidFill>
+                            <a:schemeClr val="tx1"/>
+                          </a:solidFill>
+                          <a:latin typeface="Cambria Math" panose="02040503050406030204" pitchFamily="18" charset="0"/>
+                        </a:rPr>
+                        <m:t>=</m:t>
+                      </m:r>
+                      <m:r>
+                        <a:rPr kumimoji="1" lang="en-US" altLang="ja-JP" b="0" i="1" smtClean="0">
+                          <a:solidFill>
+                            <a:schemeClr val="tx1"/>
+                          </a:solidFill>
+                          <a:latin typeface="Cambria Math" panose="02040503050406030204" pitchFamily="18" charset="0"/>
+                        </a:rPr>
+                        <m:t>5</m:t>
+                      </m:r>
+                      <m:r>
+                        <m:rPr>
+                          <m:sty m:val="p"/>
+                        </m:rPr>
+                        <a:rPr lang="en-US" altLang="ja-JP" i="1">
+                          <a:solidFill>
+                            <a:schemeClr val="tx1"/>
+                          </a:solidFill>
+                          <a:latin typeface="Cambria Math" panose="02040503050406030204" pitchFamily="18" charset="0"/>
+                        </a:rPr>
+                        <m:t>Ω</m:t>
+                      </m:r>
+                    </m:oMath>
+                  </m:oMathPara>
+                </a14:m>
+                <a:endParaRPr kumimoji="1" lang="ja-JP" altLang="en-US" dirty="0">
+                  <a:solidFill>
+                    <a:schemeClr val="tx1"/>
+                  </a:solidFill>
+                </a:endParaRPr>
+              </a:p>
+            </p:txBody>
+          </p:sp>
+        </mc:Choice>
+        <mc:Fallback>
+          <p:sp>
+            <p:nvSpPr>
+              <p:cNvPr id="29" name="テキスト ボックス 28">
+                <a:extLst>
+                  <a:ext uri="{FF2B5EF4-FFF2-40B4-BE49-F238E27FC236}">
+                    <a16:creationId xmlns:a16="http://schemas.microsoft.com/office/drawing/2014/main" id="{559C7F7A-D679-F403-1747-CB367170F8C7}"/>
+                  </a:ext>
+                </a:extLst>
+              </p:cNvPr>
+              <p:cNvSpPr txBox="1">
+                <a:spLocks noRot="1" noChangeAspect="1" noMove="1" noResize="1" noEditPoints="1" noAdjustHandles="1" noChangeArrowheads="1" noChangeShapeType="1" noTextEdit="1"/>
+              </p:cNvSpPr>
+              <p:nvPr/>
+            </p:nvSpPr>
+            <p:spPr>
+              <a:xfrm>
+                <a:off x="1072409" y="3542500"/>
+                <a:ext cx="911275" cy="276999"/>
+              </a:xfrm>
+              <a:prstGeom prst="rect">
+                <a:avLst/>
+              </a:prstGeom>
+              <a:blipFill>
+                <a:blip r:embed="rId22"/>
+                <a:stretch>
+                  <a:fillRect l="-4698" r="-4698" b="-15217"/>
                 </a:stretch>
               </a:blipFill>
             </p:spPr>
